--- a/Paper Prototype.pptx
+++ b/Paper Prototype.pptx
@@ -4,6 +4,9 @@
   <p:sldMasterIdLst>
     <p:sldMasterId id="2147483660" r:id="rId4"/>
   </p:sldMasterIdLst>
+  <p:notesMasterIdLst>
+    <p:notesMasterId r:id="rId10"/>
+  </p:notesMasterIdLst>
   <p:sldIdLst>
     <p:sldId id="261" r:id="rId5"/>
     <p:sldId id="267" r:id="rId6"/>
@@ -120,11 +123,16 @@
 <p1510:revInfo xmlns:a="http://schemas.openxmlformats.org/drawingml/2006/main" xmlns:r="http://schemas.openxmlformats.org/officeDocument/2006/relationships" xmlns:p1510="http://schemas.microsoft.com/office/powerpoint/2015/10/main">
   <p1510:revLst>
     <p1510:client id="{0B2C0D23-02E7-1215-BBCE-45C398B15524}" v="148" dt="2021-02-25T11:04:51.356"/>
+    <p1510:client id="{35A8B494-5BD1-CC44-F3DC-50261DFD0A4E}" v="134" dt="2021-03-02T16:11:37.842"/>
     <p1510:client id="{3AAC2CD3-4FC7-40E4-AD00-23C0D497630F}" v="261" dt="2021-02-25T11:04:24.942"/>
+    <p1510:client id="{729CE8ED-876F-4A1C-9B22-C1DE543A3950}" v="35" dt="2021-03-02T15:43:26.825"/>
     <p1510:client id="{72F74E67-A7B6-4623-B21F-9E8B20E9251B}" v="12" dt="2021-02-25T10:30:48.854"/>
     <p1510:client id="{7490F97F-2489-4972-8447-3099C090FEC8}" v="291" dt="2021-02-25T10:42:48.578"/>
-    <p1510:client id="{992CC4AC-4AA1-4B6C-8A60-B3E6EFA5717F}" v="1" dt="2021-03-02T14:47:07.874"/>
+    <p1510:client id="{79CA07A3-0A5A-4131-B906-AB1077A76C6A}" v="373" dt="2021-03-02T16:15:16.342"/>
+    <p1510:client id="{992CC4AC-4AA1-4B6C-8A60-B3E6EFA5717F}" v="232" dt="2021-03-02T15:52:09.034"/>
+    <p1510:client id="{A6017AC6-EE71-4DA1-93D0-881B545BE7AB}" v="20" dt="2021-03-02T16:40:53.596"/>
     <p1510:client id="{B37CC4C5-11A1-4FF5-839B-D511CEE6BBEF}" v="326" dt="2021-02-25T11:09:44.501"/>
+    <p1510:client id="{CBFF691D-BA3F-4F94-A9EC-BAB6B8172E1B}" v="37" dt="2021-03-02T16:00:50.367"/>
     <p1510:client id="{EB1EF6D9-661D-4780-BC60-F1EA91DAD4BB}" v="216" dt="2021-02-25T10:51:16.246"/>
     <p1510:client id="{F11E58D1-9AAE-4511-B950-6736651AD3F0}" v="262" dt="2021-02-25T11:01:58.970"/>
   </p1510:revLst>
@@ -134,58 +142,549 @@
 <file path=ppt/changesInfos/changesInfo1.xml><?xml version="1.0" encoding="utf-8"?>
 <pc:chgInfo xmlns:a="http://schemas.openxmlformats.org/drawingml/2006/main" xmlns:r="http://schemas.openxmlformats.org/officeDocument/2006/relationships" xmlns:ac="http://schemas.microsoft.com/office/drawing/2013/main/command" xmlns:pc="http://schemas.microsoft.com/office/powerpoint/2013/main/command">
   <pc:docChgLst>
-    <pc:chgData name="Vincenzo Gibilaro" userId="S::ar20516@bristol.ac.uk::eab578ca-e71f-4f1b-a11a-8297734153b7" providerId="AD" clId="Web-{992CC4AC-4AA1-4B6C-8A60-B3E6EFA5717F}"/>
+    <pc:chgData name="Harry Smith" userId="S::hs14428@bristol.ac.uk::8221085d-c3ba-4c78-8468-7619165127b6" providerId="AD" clId="Web-{79CA07A3-0A5A-4131-B906-AB1077A76C6A}"/>
     <pc:docChg chg="modSld">
-      <pc:chgData name="Vincenzo Gibilaro" userId="S::ar20516@bristol.ac.uk::eab578ca-e71f-4f1b-a11a-8297734153b7" providerId="AD" clId="Web-{992CC4AC-4AA1-4B6C-8A60-B3E6EFA5717F}" dt="2021-03-02T14:47:07.874" v="0" actId="1076"/>
+      <pc:chgData name="Harry Smith" userId="S::hs14428@bristol.ac.uk::8221085d-c3ba-4c78-8468-7619165127b6" providerId="AD" clId="Web-{79CA07A3-0A5A-4131-B906-AB1077A76C6A}" dt="2021-03-02T16:15:16.342" v="663" actId="1076"/>
       <pc:docMkLst>
         <pc:docMk/>
       </pc:docMkLst>
-      <pc:sldChg chg="modSp">
-        <pc:chgData name="Vincenzo Gibilaro" userId="S::ar20516@bristol.ac.uk::eab578ca-e71f-4f1b-a11a-8297734153b7" providerId="AD" clId="Web-{992CC4AC-4AA1-4B6C-8A60-B3E6EFA5717F}" dt="2021-03-02T14:47:07.874" v="0" actId="1076"/>
+      <pc:sldChg chg="addSp delSp modSp">
+        <pc:chgData name="Harry Smith" userId="S::hs14428@bristol.ac.uk::8221085d-c3ba-4c78-8468-7619165127b6" providerId="AD" clId="Web-{79CA07A3-0A5A-4131-B906-AB1077A76C6A}" dt="2021-03-02T15:36:01.283" v="100"/>
         <pc:sldMkLst>
           <pc:docMk/>
           <pc:sldMk cId="2475714864" sldId="261"/>
         </pc:sldMkLst>
-        <pc:spChg chg="mod">
-          <ac:chgData name="Vincenzo Gibilaro" userId="S::ar20516@bristol.ac.uk::eab578ca-e71f-4f1b-a11a-8297734153b7" providerId="AD" clId="Web-{992CC4AC-4AA1-4B6C-8A60-B3E6EFA5717F}" dt="2021-03-02T14:47:07.874" v="0" actId="1076"/>
+        <pc:spChg chg="mod ord">
+          <ac:chgData name="Harry Smith" userId="S::hs14428@bristol.ac.uk::8221085d-c3ba-4c78-8468-7619165127b6" providerId="AD" clId="Web-{79CA07A3-0A5A-4131-B906-AB1077A76C6A}" dt="2021-03-02T15:25:56.690" v="56"/>
+          <ac:spMkLst>
+            <pc:docMk/>
+            <pc:sldMk cId="2475714864" sldId="261"/>
+            <ac:spMk id="2" creationId="{950975A9-3E27-4416-9760-0158081E3467}"/>
+          </ac:spMkLst>
+        </pc:spChg>
+        <pc:spChg chg="add del mod">
+          <ac:chgData name="Harry Smith" userId="S::hs14428@bristol.ac.uk::8221085d-c3ba-4c78-8468-7619165127b6" providerId="AD" clId="Web-{79CA07A3-0A5A-4131-B906-AB1077A76C6A}" dt="2021-03-02T15:15:55.503" v="17"/>
+          <ac:spMkLst>
+            <pc:docMk/>
+            <pc:sldMk cId="2475714864" sldId="261"/>
+            <ac:spMk id="6" creationId="{C690F32A-23CF-455D-A469-AE55DA08FAAA}"/>
+          </ac:spMkLst>
+        </pc:spChg>
+        <pc:spChg chg="add mod ord">
+          <ac:chgData name="Harry Smith" userId="S::hs14428@bristol.ac.uk::8221085d-c3ba-4c78-8468-7619165127b6" providerId="AD" clId="Web-{79CA07A3-0A5A-4131-B906-AB1077A76C6A}" dt="2021-03-02T15:28:44.975" v="66" actId="14100"/>
+          <ac:spMkLst>
+            <pc:docMk/>
+            <pc:sldMk cId="2475714864" sldId="261"/>
+            <ac:spMk id="7" creationId="{FD0EED62-4739-43AF-8231-A65129432A32}"/>
+          </ac:spMkLst>
+        </pc:spChg>
+        <pc:spChg chg="mod ord">
+          <ac:chgData name="Harry Smith" userId="S::hs14428@bristol.ac.uk::8221085d-c3ba-4c78-8468-7619165127b6" providerId="AD" clId="Web-{79CA07A3-0A5A-4131-B906-AB1077A76C6A}" dt="2021-03-02T15:28:47.850" v="67" actId="1076"/>
           <ac:spMkLst>
             <pc:docMk/>
             <pc:sldMk cId="2475714864" sldId="261"/>
             <ac:spMk id="8" creationId="{7C560FCD-F8D9-43E4-9B46-9431A56F75B3}"/>
           </ac:spMkLst>
         </pc:spChg>
+        <pc:spChg chg="mod">
+          <ac:chgData name="Harry Smith" userId="S::hs14428@bristol.ac.uk::8221085d-c3ba-4c78-8468-7619165127b6" providerId="AD" clId="Web-{79CA07A3-0A5A-4131-B906-AB1077A76C6A}" dt="2021-03-02T15:29:03.960" v="71" actId="20577"/>
+          <ac:spMkLst>
+            <pc:docMk/>
+            <pc:sldMk cId="2475714864" sldId="261"/>
+            <ac:spMk id="9" creationId="{7BABF798-5A63-4FB1-8913-05ADFB2B9C06}"/>
+          </ac:spMkLst>
+        </pc:spChg>
+        <pc:spChg chg="add mod">
+          <ac:chgData name="Harry Smith" userId="S::hs14428@bristol.ac.uk::8221085d-c3ba-4c78-8468-7619165127b6" providerId="AD" clId="Web-{79CA07A3-0A5A-4131-B906-AB1077A76C6A}" dt="2021-03-02T15:35:49.908" v="96" actId="1076"/>
+          <ac:spMkLst>
+            <pc:docMk/>
+            <pc:sldMk cId="2475714864" sldId="261"/>
+            <ac:spMk id="10" creationId="{E7816785-F040-4CF4-962D-A320B9B66EF5}"/>
+          </ac:spMkLst>
+        </pc:spChg>
+        <pc:spChg chg="mod ord">
+          <ac:chgData name="Harry Smith" userId="S::hs14428@bristol.ac.uk::8221085d-c3ba-4c78-8468-7619165127b6" providerId="AD" clId="Web-{79CA07A3-0A5A-4131-B906-AB1077A76C6A}" dt="2021-03-02T15:26:35.363" v="57"/>
+          <ac:spMkLst>
+            <pc:docMk/>
+            <pc:sldMk cId="2475714864" sldId="261"/>
+            <ac:spMk id="11" creationId="{32D8247C-A8AF-483E-8DBB-BBAD783F84FE}"/>
+          </ac:spMkLst>
+        </pc:spChg>
+        <pc:spChg chg="mod ord">
+          <ac:chgData name="Harry Smith" userId="S::hs14428@bristol.ac.uk::8221085d-c3ba-4c78-8468-7619165127b6" providerId="AD" clId="Web-{79CA07A3-0A5A-4131-B906-AB1077A76C6A}" dt="2021-03-02T15:22:48.591" v="53" actId="14100"/>
+          <ac:spMkLst>
+            <pc:docMk/>
+            <pc:sldMk cId="2475714864" sldId="261"/>
+            <ac:spMk id="12" creationId="{10A5749E-59DA-4EFF-A577-9FBCFC526FA2}"/>
+          </ac:spMkLst>
+        </pc:spChg>
+        <pc:spChg chg="add del">
+          <ac:chgData name="Harry Smith" userId="S::hs14428@bristol.ac.uk::8221085d-c3ba-4c78-8468-7619165127b6" providerId="AD" clId="Web-{79CA07A3-0A5A-4131-B906-AB1077A76C6A}" dt="2021-03-02T15:33:20.545" v="78"/>
+          <ac:spMkLst>
+            <pc:docMk/>
+            <pc:sldMk cId="2475714864" sldId="261"/>
+            <ac:spMk id="13" creationId="{82D365EC-372C-4E13-B847-17F019535412}"/>
+          </ac:spMkLst>
+        </pc:spChg>
+        <pc:spChg chg="add mod ord">
+          <ac:chgData name="Harry Smith" userId="S::hs14428@bristol.ac.uk::8221085d-c3ba-4c78-8468-7619165127b6" providerId="AD" clId="Web-{79CA07A3-0A5A-4131-B906-AB1077A76C6A}" dt="2021-03-02T15:17:20.755" v="37"/>
+          <ac:spMkLst>
+            <pc:docMk/>
+            <pc:sldMk cId="2475714864" sldId="261"/>
+            <ac:spMk id="14" creationId="{AE33566E-CE87-4082-B18A-2EA2C013125F}"/>
+          </ac:spMkLst>
+        </pc:spChg>
+        <pc:spChg chg="mod">
+          <ac:chgData name="Harry Smith" userId="S::hs14428@bristol.ac.uk::8221085d-c3ba-4c78-8468-7619165127b6" providerId="AD" clId="Web-{79CA07A3-0A5A-4131-B906-AB1077A76C6A}" dt="2021-03-02T15:34:22.875" v="83" actId="14100"/>
+          <ac:spMkLst>
+            <pc:docMk/>
+            <pc:sldMk cId="2475714864" sldId="261"/>
+            <ac:spMk id="15" creationId="{2DFE58F3-7B0C-4A2F-BD04-7AD403A238AC}"/>
+          </ac:spMkLst>
+        </pc:spChg>
+        <pc:spChg chg="add mod ord">
+          <ac:chgData name="Harry Smith" userId="S::hs14428@bristol.ac.uk::8221085d-c3ba-4c78-8468-7619165127b6" providerId="AD" clId="Web-{79CA07A3-0A5A-4131-B906-AB1077A76C6A}" dt="2021-03-02T15:36:01.283" v="100"/>
+          <ac:spMkLst>
+            <pc:docMk/>
+            <pc:sldMk cId="2475714864" sldId="261"/>
+            <ac:spMk id="19" creationId="{63003BBA-0E0B-419C-99BF-D2FA2714F290}"/>
+          </ac:spMkLst>
+        </pc:spChg>
+        <pc:picChg chg="add mod ord">
+          <ac:chgData name="Harry Smith" userId="S::hs14428@bristol.ac.uk::8221085d-c3ba-4c78-8468-7619165127b6" providerId="AD" clId="Web-{79CA07A3-0A5A-4131-B906-AB1077A76C6A}" dt="2021-03-02T15:35:39.830" v="90"/>
+          <ac:picMkLst>
+            <pc:docMk/>
+            <pc:sldMk cId="2475714864" sldId="261"/>
+            <ac:picMk id="3" creationId="{65CEDEB4-40ED-4B62-B717-498F4E2BC9B5}"/>
+          </ac:picMkLst>
+        </pc:picChg>
+        <pc:picChg chg="ord">
+          <ac:chgData name="Harry Smith" userId="S::hs14428@bristol.ac.uk::8221085d-c3ba-4c78-8468-7619165127b6" providerId="AD" clId="Web-{79CA07A3-0A5A-4131-B906-AB1077A76C6A}" dt="2021-03-02T15:17:50.240" v="42"/>
+          <ac:picMkLst>
+            <pc:docMk/>
+            <pc:sldMk cId="2475714864" sldId="261"/>
+            <ac:picMk id="4" creationId="{39697A72-2A06-4AD5-9CE4-C3E374563DD5}"/>
+          </ac:picMkLst>
+        </pc:picChg>
+        <pc:picChg chg="add mod">
+          <ac:chgData name="Harry Smith" userId="S::hs14428@bristol.ac.uk::8221085d-c3ba-4c78-8468-7619165127b6" providerId="AD" clId="Web-{79CA07A3-0A5A-4131-B906-AB1077A76C6A}" dt="2021-03-02T15:28:27.850" v="63" actId="14100"/>
+          <ac:picMkLst>
+            <pc:docMk/>
+            <pc:sldMk cId="2475714864" sldId="261"/>
+            <ac:picMk id="5" creationId="{2B3D3AB8-81A8-417E-B2C8-71E559237C7E}"/>
+          </ac:picMkLst>
+        </pc:picChg>
+        <pc:picChg chg="mod">
+          <ac:chgData name="Harry Smith" userId="S::hs14428@bristol.ac.uk::8221085d-c3ba-4c78-8468-7619165127b6" providerId="AD" clId="Web-{79CA07A3-0A5A-4131-B906-AB1077A76C6A}" dt="2021-03-02T15:29:47.774" v="76" actId="1076"/>
+          <ac:picMkLst>
+            <pc:docMk/>
+            <pc:sldMk cId="2475714864" sldId="261"/>
+            <ac:picMk id="6" creationId="{5F0FB575-FD2C-4BDF-B59F-FC0A632D3665}"/>
+          </ac:picMkLst>
+        </pc:picChg>
+        <pc:picChg chg="add del">
+          <ac:chgData name="Harry Smith" userId="S::hs14428@bristol.ac.uk::8221085d-c3ba-4c78-8468-7619165127b6" providerId="AD" clId="Web-{79CA07A3-0A5A-4131-B906-AB1077A76C6A}" dt="2021-03-02T15:35:44.861" v="94"/>
+          <ac:picMkLst>
+            <pc:docMk/>
+            <pc:sldMk cId="2475714864" sldId="261"/>
+            <ac:picMk id="13" creationId="{224F999E-D19D-46C3-965E-9AD189CD7B6D}"/>
+          </ac:picMkLst>
+        </pc:picChg>
+        <pc:picChg chg="add del">
+          <ac:chgData name="Harry Smith" userId="S::hs14428@bristol.ac.uk::8221085d-c3ba-4c78-8468-7619165127b6" providerId="AD" clId="Web-{79CA07A3-0A5A-4131-B906-AB1077A76C6A}" dt="2021-03-02T15:35:44.861" v="93"/>
+          <ac:picMkLst>
+            <pc:docMk/>
+            <pc:sldMk cId="2475714864" sldId="261"/>
+            <ac:picMk id="18" creationId="{EA3C336D-7257-4D2C-B695-2C7946F13BCD}"/>
+          </ac:picMkLst>
+        </pc:picChg>
+      </pc:sldChg>
+      <pc:sldChg chg="addSp delSp modSp modNotes">
+        <pc:chgData name="Harry Smith" userId="S::hs14428@bristol.ac.uk::8221085d-c3ba-4c78-8468-7619165127b6" providerId="AD" clId="Web-{79CA07A3-0A5A-4131-B906-AB1077A76C6A}" dt="2021-03-02T16:02:48.152" v="398"/>
+        <pc:sldMkLst>
+          <pc:docMk/>
+          <pc:sldMk cId="719687068" sldId="266"/>
+        </pc:sldMkLst>
+        <pc:spChg chg="mod">
+          <ac:chgData name="Harry Smith" userId="S::hs14428@bristol.ac.uk::8221085d-c3ba-4c78-8468-7619165127b6" providerId="AD" clId="Web-{79CA07A3-0A5A-4131-B906-AB1077A76C6A}" dt="2021-03-02T15:56:24.080" v="295" actId="14100"/>
+          <ac:spMkLst>
+            <pc:docMk/>
+            <pc:sldMk cId="719687068" sldId="266"/>
+            <ac:spMk id="2" creationId="{950975A9-3E27-4416-9760-0158081E3467}"/>
+          </ac:spMkLst>
+        </pc:spChg>
+        <pc:spChg chg="mod">
+          <ac:chgData name="Harry Smith" userId="S::hs14428@bristol.ac.uk::8221085d-c3ba-4c78-8468-7619165127b6" providerId="AD" clId="Web-{79CA07A3-0A5A-4131-B906-AB1077A76C6A}" dt="2021-03-02T15:54:22.905" v="285" actId="1076"/>
+          <ac:spMkLst>
+            <pc:docMk/>
+            <pc:sldMk cId="719687068" sldId="266"/>
+            <ac:spMk id="3" creationId="{5597738A-5952-418F-BDB0-E475410FEEBA}"/>
+          </ac:spMkLst>
+        </pc:spChg>
+        <pc:spChg chg="mod">
+          <ac:chgData name="Harry Smith" userId="S::hs14428@bristol.ac.uk::8221085d-c3ba-4c78-8468-7619165127b6" providerId="AD" clId="Web-{79CA07A3-0A5A-4131-B906-AB1077A76C6A}" dt="2021-03-02T16:01:53.916" v="363" actId="20577"/>
+          <ac:spMkLst>
+            <pc:docMk/>
+            <pc:sldMk cId="719687068" sldId="266"/>
+            <ac:spMk id="5" creationId="{7B765971-3D61-47D0-8B60-54A7AA973439}"/>
+          </ac:spMkLst>
+        </pc:spChg>
+        <pc:spChg chg="del">
+          <ac:chgData name="Harry Smith" userId="S::hs14428@bristol.ac.uk::8221085d-c3ba-4c78-8468-7619165127b6" providerId="AD" clId="Web-{79CA07A3-0A5A-4131-B906-AB1077A76C6A}" dt="2021-03-02T15:47:02.159" v="234"/>
+          <ac:spMkLst>
+            <pc:docMk/>
+            <pc:sldMk cId="719687068" sldId="266"/>
+            <ac:spMk id="6" creationId="{E19051FF-4414-4920-88EE-D06E42695200}"/>
+          </ac:spMkLst>
+        </pc:spChg>
+        <pc:spChg chg="del">
+          <ac:chgData name="Harry Smith" userId="S::hs14428@bristol.ac.uk::8221085d-c3ba-4c78-8468-7619165127b6" providerId="AD" clId="Web-{79CA07A3-0A5A-4131-B906-AB1077A76C6A}" dt="2021-03-02T15:47:02.159" v="233"/>
+          <ac:spMkLst>
+            <pc:docMk/>
+            <pc:sldMk cId="719687068" sldId="266"/>
+            <ac:spMk id="7" creationId="{E8215F3B-7CD1-4507-8D55-800B71C570E6}"/>
+          </ac:spMkLst>
+        </pc:spChg>
+        <pc:spChg chg="mod">
+          <ac:chgData name="Harry Smith" userId="S::hs14428@bristol.ac.uk::8221085d-c3ba-4c78-8468-7619165127b6" providerId="AD" clId="Web-{79CA07A3-0A5A-4131-B906-AB1077A76C6A}" dt="2021-03-02T15:46:38.643" v="142"/>
+          <ac:spMkLst>
+            <pc:docMk/>
+            <pc:sldMk cId="719687068" sldId="266"/>
+            <ac:spMk id="8" creationId="{80198AB6-5491-4995-84FA-4FA36F7B6201}"/>
+          </ac:spMkLst>
+        </pc:spChg>
+        <pc:spChg chg="mod">
+          <ac:chgData name="Harry Smith" userId="S::hs14428@bristol.ac.uk::8221085d-c3ba-4c78-8468-7619165127b6" providerId="AD" clId="Web-{79CA07A3-0A5A-4131-B906-AB1077A76C6A}" dt="2021-03-02T15:54:48.140" v="289" actId="14100"/>
+          <ac:spMkLst>
+            <pc:docMk/>
+            <pc:sldMk cId="719687068" sldId="266"/>
+            <ac:spMk id="9" creationId="{FF4EA7E0-FC5F-4475-8F77-77A319DE6179}"/>
+          </ac:spMkLst>
+        </pc:spChg>
+        <pc:spChg chg="mod">
+          <ac:chgData name="Harry Smith" userId="S::hs14428@bristol.ac.uk::8221085d-c3ba-4c78-8468-7619165127b6" providerId="AD" clId="Web-{79CA07A3-0A5A-4131-B906-AB1077A76C6A}" dt="2021-03-02T15:51:54.370" v="252" actId="20577"/>
+          <ac:spMkLst>
+            <pc:docMk/>
+            <pc:sldMk cId="719687068" sldId="266"/>
+            <ac:spMk id="11" creationId="{EDA6F4BC-9AFD-4127-8E7C-7C58E713452D}"/>
+          </ac:spMkLst>
+        </pc:spChg>
+        <pc:spChg chg="add">
+          <ac:chgData name="Harry Smith" userId="S::hs14428@bristol.ac.uk::8221085d-c3ba-4c78-8468-7619165127b6" providerId="AD" clId="Web-{79CA07A3-0A5A-4131-B906-AB1077A76C6A}" dt="2021-03-02T15:54:42.327" v="286"/>
+          <ac:spMkLst>
+            <pc:docMk/>
+            <pc:sldMk cId="719687068" sldId="266"/>
+            <ac:spMk id="13" creationId="{FEF84240-772D-4726-934D-98C815D43FFF}"/>
+          </ac:spMkLst>
+        </pc:spChg>
+        <pc:spChg chg="mod">
+          <ac:chgData name="Harry Smith" userId="S::hs14428@bristol.ac.uk::8221085d-c3ba-4c78-8468-7619165127b6" providerId="AD" clId="Web-{79CA07A3-0A5A-4131-B906-AB1077A76C6A}" dt="2021-03-02T15:54:50.905" v="290" actId="1076"/>
+          <ac:spMkLst>
+            <pc:docMk/>
+            <pc:sldMk cId="719687068" sldId="266"/>
+            <ac:spMk id="14" creationId="{358F223D-02A0-478B-A1EF-B97FDD88E757}"/>
+          </ac:spMkLst>
+        </pc:spChg>
+        <pc:spChg chg="mod">
+          <ac:chgData name="Harry Smith" userId="S::hs14428@bristol.ac.uk::8221085d-c3ba-4c78-8468-7619165127b6" providerId="AD" clId="Web-{79CA07A3-0A5A-4131-B906-AB1077A76C6A}" dt="2021-03-02T16:02:33.542" v="372" actId="20577"/>
+          <ac:spMkLst>
+            <pc:docMk/>
+            <pc:sldMk cId="719687068" sldId="266"/>
+            <ac:spMk id="16" creationId="{31F0C4F6-B900-4446-A07B-8D999CD46A7C}"/>
+          </ac:spMkLst>
+        </pc:spChg>
+        <pc:spChg chg="add">
+          <ac:chgData name="Harry Smith" userId="S::hs14428@bristol.ac.uk::8221085d-c3ba-4c78-8468-7619165127b6" providerId="AD" clId="Web-{79CA07A3-0A5A-4131-B906-AB1077A76C6A}" dt="2021-03-02T15:54:42.343" v="287"/>
+          <ac:spMkLst>
+            <pc:docMk/>
+            <pc:sldMk cId="719687068" sldId="266"/>
+            <ac:spMk id="18" creationId="{3B9137E2-1707-430B-B7FE-DA1149C0B870}"/>
+          </ac:spMkLst>
+        </pc:spChg>
+        <pc:picChg chg="mod">
+          <ac:chgData name="Harry Smith" userId="S::hs14428@bristol.ac.uk::8221085d-c3ba-4c78-8468-7619165127b6" providerId="AD" clId="Web-{79CA07A3-0A5A-4131-B906-AB1077A76C6A}" dt="2021-03-02T15:54:57.109" v="291" actId="14100"/>
+          <ac:picMkLst>
+            <pc:docMk/>
+            <pc:sldMk cId="719687068" sldId="266"/>
+            <ac:picMk id="12" creationId="{0C3A73ED-F66E-4DA0-A7A9-112DF2DDE743}"/>
+          </ac:picMkLst>
+        </pc:picChg>
+        <pc:picChg chg="add mod">
+          <ac:chgData name="Harry Smith" userId="S::hs14428@bristol.ac.uk::8221085d-c3ba-4c78-8468-7619165127b6" providerId="AD" clId="Web-{79CA07A3-0A5A-4131-B906-AB1077A76C6A}" dt="2021-03-02T16:02:28.526" v="371" actId="14100"/>
+          <ac:picMkLst>
+            <pc:docMk/>
+            <pc:sldMk cId="719687068" sldId="266"/>
+            <ac:picMk id="19" creationId="{70C961EE-468B-473B-9DDF-7E1761818282}"/>
+          </ac:picMkLst>
+        </pc:picChg>
+      </pc:sldChg>
+      <pc:sldChg chg="addSp modSp">
+        <pc:chgData name="Harry Smith" userId="S::hs14428@bristol.ac.uk::8221085d-c3ba-4c78-8468-7619165127b6" providerId="AD" clId="Web-{79CA07A3-0A5A-4131-B906-AB1077A76C6A}" dt="2021-03-02T15:37:16.770" v="108" actId="14100"/>
+        <pc:sldMkLst>
+          <pc:docMk/>
+          <pc:sldMk cId="1498169735" sldId="267"/>
+        </pc:sldMkLst>
+        <pc:spChg chg="mod">
+          <ac:chgData name="Harry Smith" userId="S::hs14428@bristol.ac.uk::8221085d-c3ba-4c78-8468-7619165127b6" providerId="AD" clId="Web-{79CA07A3-0A5A-4131-B906-AB1077A76C6A}" dt="2021-03-02T15:34:40.172" v="84"/>
+          <ac:spMkLst>
+            <pc:docMk/>
+            <pc:sldMk cId="1498169735" sldId="267"/>
+            <ac:spMk id="2" creationId="{950975A9-3E27-4416-9760-0158081E3467}"/>
+          </ac:spMkLst>
+        </pc:spChg>
+        <pc:spChg chg="mod">
+          <ac:chgData name="Harry Smith" userId="S::hs14428@bristol.ac.uk::8221085d-c3ba-4c78-8468-7619165127b6" providerId="AD" clId="Web-{79CA07A3-0A5A-4131-B906-AB1077A76C6A}" dt="2021-03-02T15:35:02.282" v="88" actId="1076"/>
+          <ac:spMkLst>
+            <pc:docMk/>
+            <pc:sldMk cId="1498169735" sldId="267"/>
+            <ac:spMk id="3" creationId="{F5EBD5A5-A6AB-4B5F-889A-DF5243959001}"/>
+          </ac:spMkLst>
+        </pc:spChg>
+        <pc:spChg chg="mod">
+          <ac:chgData name="Harry Smith" userId="S::hs14428@bristol.ac.uk::8221085d-c3ba-4c78-8468-7619165127b6" providerId="AD" clId="Web-{79CA07A3-0A5A-4131-B906-AB1077A76C6A}" dt="2021-03-02T15:34:58.625" v="87" actId="1076"/>
+          <ac:spMkLst>
+            <pc:docMk/>
+            <pc:sldMk cId="1498169735" sldId="267"/>
+            <ac:spMk id="15" creationId="{62802937-5F3A-4AD5-8BED-1EFC15AAFFBA}"/>
+          </ac:spMkLst>
+        </pc:spChg>
+        <pc:spChg chg="add mod">
+          <ac:chgData name="Harry Smith" userId="S::hs14428@bristol.ac.uk::8221085d-c3ba-4c78-8468-7619165127b6" providerId="AD" clId="Web-{79CA07A3-0A5A-4131-B906-AB1077A76C6A}" dt="2021-03-02T15:36:06.440" v="102" actId="1076"/>
+          <ac:spMkLst>
+            <pc:docMk/>
+            <pc:sldMk cId="1498169735" sldId="267"/>
+            <ac:spMk id="18" creationId="{B9F2199D-0BDC-47E4-9802-36C6FD9E221E}"/>
+          </ac:spMkLst>
+        </pc:spChg>
+        <pc:spChg chg="add mod">
+          <ac:chgData name="Harry Smith" userId="S::hs14428@bristol.ac.uk::8221085d-c3ba-4c78-8468-7619165127b6" providerId="AD" clId="Web-{79CA07A3-0A5A-4131-B906-AB1077A76C6A}" dt="2021-03-02T15:36:26.768" v="107"/>
+          <ac:spMkLst>
+            <pc:docMk/>
+            <pc:sldMk cId="1498169735" sldId="267"/>
+            <ac:spMk id="21" creationId="{977974E6-52E0-466C-A20B-C307C37CFB82}"/>
+          </ac:spMkLst>
+        </pc:spChg>
+        <pc:spChg chg="mod">
+          <ac:chgData name="Harry Smith" userId="S::hs14428@bristol.ac.uk::8221085d-c3ba-4c78-8468-7619165127b6" providerId="AD" clId="Web-{79CA07A3-0A5A-4131-B906-AB1077A76C6A}" dt="2021-03-02T15:15:20.518" v="11" actId="1076"/>
+          <ac:spMkLst>
+            <pc:docMk/>
+            <pc:sldMk cId="1498169735" sldId="267"/>
+            <ac:spMk id="24" creationId="{C272D93E-20A5-4CD1-B6CF-743FB61996E6}"/>
+          </ac:spMkLst>
+        </pc:spChg>
+        <pc:spChg chg="mod">
+          <ac:chgData name="Harry Smith" userId="S::hs14428@bristol.ac.uk::8221085d-c3ba-4c78-8468-7619165127b6" providerId="AD" clId="Web-{79CA07A3-0A5A-4131-B906-AB1077A76C6A}" dt="2021-03-02T15:33:39.952" v="81" actId="14100"/>
+          <ac:spMkLst>
+            <pc:docMk/>
+            <pc:sldMk cId="1498169735" sldId="267"/>
+            <ac:spMk id="25" creationId="{822CF72F-01C0-481A-B20D-5DB690B0F21B}"/>
+          </ac:spMkLst>
+        </pc:spChg>
+        <pc:picChg chg="mod">
+          <ac:chgData name="Harry Smith" userId="S::hs14428@bristol.ac.uk::8221085d-c3ba-4c78-8468-7619165127b6" providerId="AD" clId="Web-{79CA07A3-0A5A-4131-B906-AB1077A76C6A}" dt="2021-03-02T15:37:16.770" v="108" actId="14100"/>
+          <ac:picMkLst>
+            <pc:docMk/>
+            <pc:sldMk cId="1498169735" sldId="267"/>
+            <ac:picMk id="20" creationId="{0F191843-E358-4EAD-9866-033CBD0C97A6}"/>
+          </ac:picMkLst>
+        </pc:picChg>
+      </pc:sldChg>
+      <pc:sldChg chg="addSp delSp modSp modNotes">
+        <pc:chgData name="Harry Smith" userId="S::hs14428@bristol.ac.uk::8221085d-c3ba-4c78-8468-7619165127b6" providerId="AD" clId="Web-{79CA07A3-0A5A-4131-B906-AB1077A76C6A}" dt="2021-03-02T16:10:30.710" v="552" actId="1076"/>
+        <pc:sldMkLst>
+          <pc:docMk/>
+          <pc:sldMk cId="2961914207" sldId="268"/>
+        </pc:sldMkLst>
+        <pc:spChg chg="mod">
+          <ac:chgData name="Harry Smith" userId="S::hs14428@bristol.ac.uk::8221085d-c3ba-4c78-8468-7619165127b6" providerId="AD" clId="Web-{79CA07A3-0A5A-4131-B906-AB1077A76C6A}" dt="2021-03-02T15:55:25.719" v="292"/>
+          <ac:spMkLst>
+            <pc:docMk/>
+            <pc:sldMk cId="2961914207" sldId="268"/>
+            <ac:spMk id="2" creationId="{950975A9-3E27-4416-9760-0158081E3467}"/>
+          </ac:spMkLst>
+        </pc:spChg>
+        <pc:spChg chg="mod">
+          <ac:chgData name="Harry Smith" userId="S::hs14428@bristol.ac.uk::8221085d-c3ba-4c78-8468-7619165127b6" providerId="AD" clId="Web-{79CA07A3-0A5A-4131-B906-AB1077A76C6A}" dt="2021-03-02T16:07:42.550" v="539" actId="14100"/>
+          <ac:spMkLst>
+            <pc:docMk/>
+            <pc:sldMk cId="2961914207" sldId="268"/>
+            <ac:spMk id="3" creationId="{9F63CB4B-37A8-447B-9E50-811F2F55E1A9}"/>
+          </ac:spMkLst>
+        </pc:spChg>
+        <pc:spChg chg="add">
+          <ac:chgData name="Harry Smith" userId="S::hs14428@bristol.ac.uk::8221085d-c3ba-4c78-8468-7619165127b6" providerId="AD" clId="Web-{79CA07A3-0A5A-4131-B906-AB1077A76C6A}" dt="2021-03-02T15:55:35.297" v="293"/>
+          <ac:spMkLst>
+            <pc:docMk/>
+            <pc:sldMk cId="2961914207" sldId="268"/>
+            <ac:spMk id="5" creationId="{B63749A7-7B41-4512-A776-E1E7365CF5DF}"/>
+          </ac:spMkLst>
+        </pc:spChg>
+        <pc:spChg chg="add">
+          <ac:chgData name="Harry Smith" userId="S::hs14428@bristol.ac.uk::8221085d-c3ba-4c78-8468-7619165127b6" providerId="AD" clId="Web-{79CA07A3-0A5A-4131-B906-AB1077A76C6A}" dt="2021-03-02T15:55:35.297" v="294"/>
+          <ac:spMkLst>
+            <pc:docMk/>
+            <pc:sldMk cId="2961914207" sldId="268"/>
+            <ac:spMk id="6" creationId="{72C3CB80-870D-4BAC-BCF1-8A5BD1646E2D}"/>
+          </ac:spMkLst>
+        </pc:spChg>
+        <pc:spChg chg="mod">
+          <ac:chgData name="Harry Smith" userId="S::hs14428@bristol.ac.uk::8221085d-c3ba-4c78-8468-7619165127b6" providerId="AD" clId="Web-{79CA07A3-0A5A-4131-B906-AB1077A76C6A}" dt="2021-03-02T16:10:26.804" v="550" actId="1076"/>
+          <ac:spMkLst>
+            <pc:docMk/>
+            <pc:sldMk cId="2961914207" sldId="268"/>
+            <ac:spMk id="9" creationId="{097CC3D7-D34E-4A56-918C-677BC417AF1A}"/>
+          </ac:spMkLst>
+        </pc:spChg>
+        <pc:spChg chg="mod">
+          <ac:chgData name="Harry Smith" userId="S::hs14428@bristol.ac.uk::8221085d-c3ba-4c78-8468-7619165127b6" providerId="AD" clId="Web-{79CA07A3-0A5A-4131-B906-AB1077A76C6A}" dt="2021-03-02T16:10:29.507" v="551" actId="1076"/>
+          <ac:spMkLst>
+            <pc:docMk/>
+            <pc:sldMk cId="2961914207" sldId="268"/>
+            <ac:spMk id="10" creationId="{D42E938B-37EF-40A9-BF11-09BE2553467A}"/>
+          </ac:spMkLst>
+        </pc:spChg>
+        <pc:spChg chg="mod">
+          <ac:chgData name="Harry Smith" userId="S::hs14428@bristol.ac.uk::8221085d-c3ba-4c78-8468-7619165127b6" providerId="AD" clId="Web-{79CA07A3-0A5A-4131-B906-AB1077A76C6A}" dt="2021-03-02T16:07:45.175" v="540" actId="1076"/>
+          <ac:spMkLst>
+            <pc:docMk/>
+            <pc:sldMk cId="2961914207" sldId="268"/>
+            <ac:spMk id="17" creationId="{5945224C-2080-47D6-B385-7D443B334386}"/>
+          </ac:spMkLst>
+        </pc:spChg>
+        <pc:spChg chg="mod">
+          <ac:chgData name="Harry Smith" userId="S::hs14428@bristol.ac.uk::8221085d-c3ba-4c78-8468-7619165127b6" providerId="AD" clId="Web-{79CA07A3-0A5A-4131-B906-AB1077A76C6A}" dt="2021-03-02T15:59:38.710" v="296" actId="1076"/>
+          <ac:spMkLst>
+            <pc:docMk/>
+            <pc:sldMk cId="2961914207" sldId="268"/>
+            <ac:spMk id="18" creationId="{E9722FF9-F9B3-47B2-A8DB-ED0CED0EB088}"/>
+          </ac:spMkLst>
+        </pc:spChg>
+        <pc:spChg chg="add del mod">
+          <ac:chgData name="Harry Smith" userId="S::hs14428@bristol.ac.uk::8221085d-c3ba-4c78-8468-7619165127b6" providerId="AD" clId="Web-{79CA07A3-0A5A-4131-B906-AB1077A76C6A}" dt="2021-03-02T16:01:13.431" v="352"/>
+          <ac:spMkLst>
+            <pc:docMk/>
+            <pc:sldMk cId="2961914207" sldId="268"/>
+            <ac:spMk id="21" creationId="{0724B9A3-C9F4-4DF2-B839-2F957E83F63C}"/>
+          </ac:spMkLst>
+        </pc:spChg>
+        <pc:picChg chg="add mod">
+          <ac:chgData name="Harry Smith" userId="S::hs14428@bristol.ac.uk::8221085d-c3ba-4c78-8468-7619165127b6" providerId="AD" clId="Web-{79CA07A3-0A5A-4131-B906-AB1077A76C6A}" dt="2021-03-02T16:10:30.710" v="552" actId="1076"/>
+          <ac:picMkLst>
+            <pc:docMk/>
+            <pc:sldMk cId="2961914207" sldId="268"/>
+            <ac:picMk id="13" creationId="{DA3E368B-4FEA-4571-90E1-63815C4DEA2F}"/>
+          </ac:picMkLst>
+        </pc:picChg>
+      </pc:sldChg>
+      <pc:sldChg chg="addSp modSp modNotes">
+        <pc:chgData name="Harry Smith" userId="S::hs14428@bristol.ac.uk::8221085d-c3ba-4c78-8468-7619165127b6" providerId="AD" clId="Web-{79CA07A3-0A5A-4131-B906-AB1077A76C6A}" dt="2021-03-02T16:15:16.342" v="663" actId="1076"/>
+        <pc:sldMkLst>
+          <pc:docMk/>
+          <pc:sldMk cId="3028044990" sldId="269"/>
+        </pc:sldMkLst>
+        <pc:spChg chg="mod">
+          <ac:chgData name="Harry Smith" userId="S::hs14428@bristol.ac.uk::8221085d-c3ba-4c78-8468-7619165127b6" providerId="AD" clId="Web-{79CA07A3-0A5A-4131-B906-AB1077A76C6A}" dt="2021-03-02T16:11:20.805" v="650"/>
+          <ac:spMkLst>
+            <pc:docMk/>
+            <pc:sldMk cId="3028044990" sldId="269"/>
+            <ac:spMk id="2" creationId="{950975A9-3E27-4416-9760-0158081E3467}"/>
+          </ac:spMkLst>
+        </pc:spChg>
+        <pc:spChg chg="mod">
+          <ac:chgData name="Harry Smith" userId="S::hs14428@bristol.ac.uk::8221085d-c3ba-4c78-8468-7619165127b6" providerId="AD" clId="Web-{79CA07A3-0A5A-4131-B906-AB1077A76C6A}" dt="2021-03-02T16:11:34.853" v="654" actId="14100"/>
+          <ac:spMkLst>
+            <pc:docMk/>
+            <pc:sldMk cId="3028044990" sldId="269"/>
+            <ac:spMk id="7" creationId="{07A2DC72-EBE1-4E3E-9081-6610A328D721}"/>
+          </ac:spMkLst>
+        </pc:spChg>
+        <pc:spChg chg="add">
+          <ac:chgData name="Harry Smith" userId="S::hs14428@bristol.ac.uk::8221085d-c3ba-4c78-8468-7619165127b6" providerId="AD" clId="Web-{79CA07A3-0A5A-4131-B906-AB1077A76C6A}" dt="2021-03-02T16:11:27.805" v="651"/>
+          <ac:spMkLst>
+            <pc:docMk/>
+            <pc:sldMk cId="3028044990" sldId="269"/>
+            <ac:spMk id="8" creationId="{BD48DBA5-B3E8-476E-86FC-1F5D9D6EFEE0}"/>
+          </ac:spMkLst>
+        </pc:spChg>
+        <pc:spChg chg="add">
+          <ac:chgData name="Harry Smith" userId="S::hs14428@bristol.ac.uk::8221085d-c3ba-4c78-8468-7619165127b6" providerId="AD" clId="Web-{79CA07A3-0A5A-4131-B906-AB1077A76C6A}" dt="2021-03-02T16:11:27.821" v="652"/>
+          <ac:spMkLst>
+            <pc:docMk/>
+            <pc:sldMk cId="3028044990" sldId="269"/>
+            <ac:spMk id="9" creationId="{01BCDEAE-1776-45BB-8145-CE2586AEF9B8}"/>
+          </ac:spMkLst>
+        </pc:spChg>
+        <pc:spChg chg="mod">
+          <ac:chgData name="Harry Smith" userId="S::hs14428@bristol.ac.uk::8221085d-c3ba-4c78-8468-7619165127b6" providerId="AD" clId="Web-{79CA07A3-0A5A-4131-B906-AB1077A76C6A}" dt="2021-03-02T16:11:38.556" v="655" actId="1076"/>
+          <ac:spMkLst>
+            <pc:docMk/>
+            <pc:sldMk cId="3028044990" sldId="269"/>
+            <ac:spMk id="12" creationId="{037CB02E-A4C1-4501-B17D-886F532519D4}"/>
+          </ac:spMkLst>
+        </pc:spChg>
+        <pc:picChg chg="mod">
+          <ac:chgData name="Harry Smith" userId="S::hs14428@bristol.ac.uk::8221085d-c3ba-4c78-8468-7619165127b6" providerId="AD" clId="Web-{79CA07A3-0A5A-4131-B906-AB1077A76C6A}" dt="2021-03-02T16:15:09.967" v="661" actId="1076"/>
+          <ac:picMkLst>
+            <pc:docMk/>
+            <pc:sldMk cId="3028044990" sldId="269"/>
+            <ac:picMk id="3" creationId="{A34E3ECC-FBF8-4251-9068-B37399857C9F}"/>
+          </ac:picMkLst>
+        </pc:picChg>
+        <pc:picChg chg="mod">
+          <ac:chgData name="Harry Smith" userId="S::hs14428@bristol.ac.uk::8221085d-c3ba-4c78-8468-7619165127b6" providerId="AD" clId="Web-{79CA07A3-0A5A-4131-B906-AB1077A76C6A}" dt="2021-03-02T16:15:16.342" v="663" actId="1076"/>
+          <ac:picMkLst>
+            <pc:docMk/>
+            <pc:sldMk cId="3028044990" sldId="269"/>
+            <ac:picMk id="4" creationId="{39697A72-2A06-4AD5-9CE4-C3E374563DD5}"/>
+          </ac:picMkLst>
+        </pc:picChg>
       </pc:sldChg>
     </pc:docChg>
   </pc:docChgLst>
   <pc:docChgLst>
-    <pc:chgData clId="Web-{72F74E67-A7B6-4623-B21F-9E8B20E9251B}"/>
+    <pc:chgData name="Jack Pike" userId="S::jp13087@bristol.ac.uk::b1ab65cf-8e6a-4d64-88c4-df4ae85e23b5" providerId="AD" clId="Web-{EB1EF6D9-661D-4780-BC60-F1EA91DAD4BB}"/>
     <pc:docChg chg="modSld">
-      <pc:chgData name="" userId="" providerId="" clId="Web-{72F74E67-A7B6-4623-B21F-9E8B20E9251B}" dt="2021-02-25T10:28:49.864" v="1"/>
+      <pc:chgData name="Jack Pike" userId="S::jp13087@bristol.ac.uk::b1ab65cf-8e6a-4d64-88c4-df4ae85e23b5" providerId="AD" clId="Web-{EB1EF6D9-661D-4780-BC60-F1EA91DAD4BB}" dt="2021-02-25T10:51:16.246" v="103" actId="1076"/>
       <pc:docMkLst>
         <pc:docMk/>
       </pc:docMkLst>
-      <pc:sldChg chg="delSp">
-        <pc:chgData name="" userId="" providerId="" clId="Web-{72F74E67-A7B6-4623-B21F-9E8B20E9251B}" dt="2021-02-25T10:28:49.864" v="1"/>
+      <pc:sldChg chg="addSp modSp">
+        <pc:chgData name="Jack Pike" userId="S::jp13087@bristol.ac.uk::b1ab65cf-8e6a-4d64-88c4-df4ae85e23b5" providerId="AD" clId="Web-{EB1EF6D9-661D-4780-BC60-F1EA91DAD4BB}" dt="2021-02-25T10:51:16.246" v="103" actId="1076"/>
         <pc:sldMkLst>
           <pc:docMk/>
-          <pc:sldMk cId="109857222" sldId="256"/>
+          <pc:sldMk cId="1498169735" sldId="267"/>
         </pc:sldMkLst>
-        <pc:spChg chg="del">
-          <ac:chgData name="" userId="" providerId="" clId="Web-{72F74E67-A7B6-4623-B21F-9E8B20E9251B}" dt="2021-02-25T10:28:49.864" v="1"/>
-          <ac:spMkLst>
-            <pc:docMk/>
-            <pc:sldMk cId="109857222" sldId="256"/>
-            <ac:spMk id="2" creationId="{00000000-0000-0000-0000-000000000000}"/>
-          </ac:spMkLst>
-        </pc:spChg>
-        <pc:spChg chg="del">
-          <ac:chgData name="" userId="" providerId="" clId="Web-{72F74E67-A7B6-4623-B21F-9E8B20E9251B}" dt="2021-02-25T10:28:49.864" v="0"/>
-          <ac:spMkLst>
-            <pc:docMk/>
-            <pc:sldMk cId="109857222" sldId="256"/>
-            <ac:spMk id="3" creationId="{00000000-0000-0000-0000-000000000000}"/>
-          </ac:spMkLst>
-        </pc:spChg>
+        <pc:spChg chg="mod">
+          <ac:chgData name="Jack Pike" userId="S::jp13087@bristol.ac.uk::b1ab65cf-8e6a-4d64-88c4-df4ae85e23b5" providerId="AD" clId="Web-{EB1EF6D9-661D-4780-BC60-F1EA91DAD4BB}" dt="2021-02-25T10:49:38.978" v="56" actId="20577"/>
+          <ac:spMkLst>
+            <pc:docMk/>
+            <pc:sldMk cId="1498169735" sldId="267"/>
+            <ac:spMk id="3" creationId="{F5EBD5A5-A6AB-4B5F-889A-DF5243959001}"/>
+          </ac:spMkLst>
+        </pc:spChg>
+        <pc:spChg chg="add mod">
+          <ac:chgData name="Jack Pike" userId="S::jp13087@bristol.ac.uk::b1ab65cf-8e6a-4d64-88c4-df4ae85e23b5" providerId="AD" clId="Web-{EB1EF6D9-661D-4780-BC60-F1EA91DAD4BB}" dt="2021-02-25T10:51:16.246" v="103" actId="1076"/>
+          <ac:spMkLst>
+            <pc:docMk/>
+            <pc:sldMk cId="1498169735" sldId="267"/>
+            <ac:spMk id="15" creationId="{62802937-5F3A-4AD5-8BED-1EFC15AAFFBA}"/>
+          </ac:spMkLst>
+        </pc:spChg>
+      </pc:sldChg>
+      <pc:sldChg chg="addSp modSp">
+        <pc:chgData name="Jack Pike" userId="S::jp13087@bristol.ac.uk::b1ab65cf-8e6a-4d64-88c4-df4ae85e23b5" providerId="AD" clId="Web-{EB1EF6D9-661D-4780-BC60-F1EA91DAD4BB}" dt="2021-02-25T10:46:57.302" v="44" actId="14100"/>
+        <pc:sldMkLst>
+          <pc:docMk/>
+          <pc:sldMk cId="3028044990" sldId="269"/>
+        </pc:sldMkLst>
+        <pc:picChg chg="add mod">
+          <ac:chgData name="Jack Pike" userId="S::jp13087@bristol.ac.uk::b1ab65cf-8e6a-4d64-88c4-df4ae85e23b5" providerId="AD" clId="Web-{EB1EF6D9-661D-4780-BC60-F1EA91DAD4BB}" dt="2021-02-25T10:46:57.302" v="44" actId="14100"/>
+          <ac:picMkLst>
+            <pc:docMk/>
+            <pc:sldMk cId="3028044990" sldId="269"/>
+            <ac:picMk id="6" creationId="{629F2B62-0276-4A9A-A520-6931E5A47C5A}"/>
+          </ac:picMkLst>
+        </pc:picChg>
       </pc:sldChg>
     </pc:docChg>
   </pc:docChgLst>
@@ -316,152 +815,428 @@
     </pc:docChg>
   </pc:docChgLst>
   <pc:docChgLst>
-    <pc:chgData name="Jack Pike" userId="S::jp13087@bristol.ac.uk::b1ab65cf-8e6a-4d64-88c4-df4ae85e23b5" providerId="AD" clId="Web-{7490F97F-2489-4972-8447-3099C090FEC8}"/>
-    <pc:docChg chg="addSld modSld">
-      <pc:chgData name="Jack Pike" userId="S::jp13087@bristol.ac.uk::b1ab65cf-8e6a-4d64-88c4-df4ae85e23b5" providerId="AD" clId="Web-{7490F97F-2489-4972-8447-3099C090FEC8}" dt="2021-02-25T10:42:48.578" v="157" actId="1076"/>
+    <pc:chgData name="Harry Smith" userId="S::hs14428@bristol.ac.uk::8221085d-c3ba-4c78-8468-7619165127b6" providerId="AD" clId="Web-{B37CC4C5-11A1-4FF5-839B-D511CEE6BBEF}"/>
+    <pc:docChg chg="modSld">
+      <pc:chgData name="Harry Smith" userId="S::hs14428@bristol.ac.uk::8221085d-c3ba-4c78-8468-7619165127b6" providerId="AD" clId="Web-{B37CC4C5-11A1-4FF5-839B-D511CEE6BBEF}" dt="2021-02-25T11:09:42.517" v="285" actId="20577"/>
       <pc:docMkLst>
         <pc:docMk/>
       </pc:docMkLst>
-      <pc:sldChg chg="addSp delSp new">
-        <pc:chgData name="Jack Pike" userId="S::jp13087@bristol.ac.uk::b1ab65cf-8e6a-4d64-88c4-df4ae85e23b5" providerId="AD" clId="Web-{7490F97F-2489-4972-8447-3099C090FEC8}" dt="2021-02-25T10:32:13.126" v="3"/>
+      <pc:sldChg chg="addSp modSp">
+        <pc:chgData name="Harry Smith" userId="S::hs14428@bristol.ac.uk::8221085d-c3ba-4c78-8468-7619165127b6" providerId="AD" clId="Web-{B37CC4C5-11A1-4FF5-839B-D511CEE6BBEF}" dt="2021-02-25T11:09:17.985" v="281" actId="1076"/>
         <pc:sldMkLst>
           <pc:docMk/>
-          <pc:sldMk cId="452412521" sldId="257"/>
+          <pc:sldMk cId="719687068" sldId="266"/>
         </pc:sldMkLst>
-        <pc:spChg chg="del">
-          <ac:chgData name="Jack Pike" userId="S::jp13087@bristol.ac.uk::b1ab65cf-8e6a-4d64-88c4-df4ae85e23b5" providerId="AD" clId="Web-{7490F97F-2489-4972-8447-3099C090FEC8}" dt="2021-02-25T10:32:09.564" v="1"/>
-          <ac:spMkLst>
-            <pc:docMk/>
-            <pc:sldMk cId="452412521" sldId="257"/>
-            <ac:spMk id="2" creationId="{8A1E62E1-1704-467A-9B4A-7D4C78A46A36}"/>
-          </ac:spMkLst>
-        </pc:spChg>
-        <pc:spChg chg="del">
-          <ac:chgData name="Jack Pike" userId="S::jp13087@bristol.ac.uk::b1ab65cf-8e6a-4d64-88c4-df4ae85e23b5" providerId="AD" clId="Web-{7490F97F-2489-4972-8447-3099C090FEC8}" dt="2021-02-25T10:32:12.111" v="2"/>
-          <ac:spMkLst>
-            <pc:docMk/>
-            <pc:sldMk cId="452412521" sldId="257"/>
-            <ac:spMk id="3" creationId="{3F8FE866-385B-43FA-8664-E1762C381888}"/>
-          </ac:spMkLst>
-        </pc:spChg>
-        <pc:picChg chg="add">
-          <ac:chgData name="Jack Pike" userId="S::jp13087@bristol.ac.uk::b1ab65cf-8e6a-4d64-88c4-df4ae85e23b5" providerId="AD" clId="Web-{7490F97F-2489-4972-8447-3099C090FEC8}" dt="2021-02-25T10:32:13.126" v="3"/>
+        <pc:spChg chg="mod">
+          <ac:chgData name="Harry Smith" userId="S::hs14428@bristol.ac.uk::8221085d-c3ba-4c78-8468-7619165127b6" providerId="AD" clId="Web-{B37CC4C5-11A1-4FF5-839B-D511CEE6BBEF}" dt="2021-02-25T11:05:46.823" v="249" actId="14100"/>
+          <ac:spMkLst>
+            <pc:docMk/>
+            <pc:sldMk cId="719687068" sldId="266"/>
+            <ac:spMk id="2" creationId="{950975A9-3E27-4416-9760-0158081E3467}"/>
+          </ac:spMkLst>
+        </pc:spChg>
+        <pc:spChg chg="mod">
+          <ac:chgData name="Harry Smith" userId="S::hs14428@bristol.ac.uk::8221085d-c3ba-4c78-8468-7619165127b6" providerId="AD" clId="Web-{B37CC4C5-11A1-4FF5-839B-D511CEE6BBEF}" dt="2021-02-25T10:45:39.244" v="153" actId="1076"/>
+          <ac:spMkLst>
+            <pc:docMk/>
+            <pc:sldMk cId="719687068" sldId="266"/>
+            <ac:spMk id="3" creationId="{5597738A-5952-418F-BDB0-E475410FEEBA}"/>
+          </ac:spMkLst>
+        </pc:spChg>
+        <pc:spChg chg="mod">
+          <ac:chgData name="Harry Smith" userId="S::hs14428@bristol.ac.uk::8221085d-c3ba-4c78-8468-7619165127b6" providerId="AD" clId="Web-{B37CC4C5-11A1-4FF5-839B-D511CEE6BBEF}" dt="2021-02-25T10:45:41.087" v="154" actId="1076"/>
+          <ac:spMkLst>
+            <pc:docMk/>
+            <pc:sldMk cId="719687068" sldId="266"/>
+            <ac:spMk id="5" creationId="{7B765971-3D61-47D0-8B60-54A7AA973439}"/>
+          </ac:spMkLst>
+        </pc:spChg>
+        <pc:spChg chg="add mod ord">
+          <ac:chgData name="Harry Smith" userId="S::hs14428@bristol.ac.uk::8221085d-c3ba-4c78-8468-7619165127b6" providerId="AD" clId="Web-{B37CC4C5-11A1-4FF5-839B-D511CEE6BBEF}" dt="2021-02-25T11:05:12.713" v="242"/>
+          <ac:spMkLst>
+            <pc:docMk/>
+            <pc:sldMk cId="719687068" sldId="266"/>
+            <ac:spMk id="9" creationId="{FF4EA7E0-FC5F-4475-8F77-77A319DE6179}"/>
+          </ac:spMkLst>
+        </pc:spChg>
+        <pc:spChg chg="add mod ord">
+          <ac:chgData name="Harry Smith" userId="S::hs14428@bristol.ac.uk::8221085d-c3ba-4c78-8468-7619165127b6" providerId="AD" clId="Web-{B37CC4C5-11A1-4FF5-839B-D511CEE6BBEF}" dt="2021-02-25T11:08:04.030" v="263" actId="14100"/>
+          <ac:spMkLst>
+            <pc:docMk/>
+            <pc:sldMk cId="719687068" sldId="266"/>
+            <ac:spMk id="15" creationId="{822CF72F-01C0-481A-B20D-5DB690B0F21B}"/>
+          </ac:spMkLst>
+        </pc:spChg>
+        <pc:picChg chg="mod">
+          <ac:chgData name="Harry Smith" userId="S::hs14428@bristol.ac.uk::8221085d-c3ba-4c78-8468-7619165127b6" providerId="AD" clId="Web-{B37CC4C5-11A1-4FF5-839B-D511CEE6BBEF}" dt="2021-02-25T11:07:18.951" v="255" actId="14100"/>
           <ac:picMkLst>
             <pc:docMk/>
-            <pc:sldMk cId="452412521" sldId="257"/>
-            <ac:picMk id="5" creationId="{E6FEF970-9589-4BCC-B5D3-D9CE620A2BF8}"/>
+            <pc:sldMk cId="719687068" sldId="266"/>
+            <ac:picMk id="10" creationId="{59FB1A6E-CFA6-41BE-AA87-4CF7D6035637}"/>
+          </ac:picMkLst>
+        </pc:picChg>
+        <pc:picChg chg="mod ord">
+          <ac:chgData name="Harry Smith" userId="S::hs14428@bristol.ac.uk::8221085d-c3ba-4c78-8468-7619165127b6" providerId="AD" clId="Web-{B37CC4C5-11A1-4FF5-839B-D511CEE6BBEF}" dt="2021-02-25T11:09:17.985" v="281" actId="1076"/>
+          <ac:picMkLst>
+            <pc:docMk/>
+            <pc:sldMk cId="719687068" sldId="266"/>
+            <ac:picMk id="12" creationId="{0C3A73ED-F66E-4DA0-A7A9-112DF2DDE743}"/>
           </ac:picMkLst>
         </pc:picChg>
       </pc:sldChg>
-      <pc:sldChg chg="addSp">
-        <pc:chgData name="Jack Pike" userId="S::jp13087@bristol.ac.uk::b1ab65cf-8e6a-4d64-88c4-df4ae85e23b5" providerId="AD" clId="Web-{7490F97F-2489-4972-8447-3099C090FEC8}" dt="2021-02-25T10:34:39.098" v="4"/>
+      <pc:sldChg chg="addSp modSp">
+        <pc:chgData name="Harry Smith" userId="S::hs14428@bristol.ac.uk::8221085d-c3ba-4c78-8468-7619165127b6" providerId="AD" clId="Web-{B37CC4C5-11A1-4FF5-839B-D511CEE6BBEF}" dt="2021-02-25T11:09:32.829" v="284" actId="14100"/>
+        <pc:sldMkLst>
+          <pc:docMk/>
+          <pc:sldMk cId="1498169735" sldId="267"/>
+        </pc:sldMkLst>
+        <pc:spChg chg="mod">
+          <ac:chgData name="Harry Smith" userId="S::hs14428@bristol.ac.uk::8221085d-c3ba-4c78-8468-7619165127b6" providerId="AD" clId="Web-{B37CC4C5-11A1-4FF5-839B-D511CEE6BBEF}" dt="2021-02-25T11:08:38.156" v="271" actId="14100"/>
+          <ac:spMkLst>
+            <pc:docMk/>
+            <pc:sldMk cId="1498169735" sldId="267"/>
+            <ac:spMk id="2" creationId="{950975A9-3E27-4416-9760-0158081E3467}"/>
+          </ac:spMkLst>
+        </pc:spChg>
+        <pc:spChg chg="mod">
+          <ac:chgData name="Harry Smith" userId="S::hs14428@bristol.ac.uk::8221085d-c3ba-4c78-8468-7619165127b6" providerId="AD" clId="Web-{B37CC4C5-11A1-4FF5-839B-D511CEE6BBEF}" dt="2021-02-25T11:09:32.829" v="284" actId="14100"/>
+          <ac:spMkLst>
+            <pc:docMk/>
+            <pc:sldMk cId="1498169735" sldId="267"/>
+            <ac:spMk id="16" creationId="{86633E20-E005-47D1-8C27-17982D49AE2D}"/>
+          </ac:spMkLst>
+        </pc:spChg>
+        <pc:spChg chg="mod">
+          <ac:chgData name="Harry Smith" userId="S::hs14428@bristol.ac.uk::8221085d-c3ba-4c78-8468-7619165127b6" providerId="AD" clId="Web-{B37CC4C5-11A1-4FF5-839B-D511CEE6BBEF}" dt="2021-02-25T11:09:30.048" v="283" actId="14100"/>
+          <ac:spMkLst>
+            <pc:docMk/>
+            <pc:sldMk cId="1498169735" sldId="267"/>
+            <ac:spMk id="19" creationId="{7E151EE9-A9B0-441D-B778-0529183AFD98}"/>
+          </ac:spMkLst>
+        </pc:spChg>
+        <pc:spChg chg="add mod ord">
+          <ac:chgData name="Harry Smith" userId="S::hs14428@bristol.ac.uk::8221085d-c3ba-4c78-8468-7619165127b6" providerId="AD" clId="Web-{B37CC4C5-11A1-4FF5-839B-D511CEE6BBEF}" dt="2021-02-25T11:08:21.327" v="267" actId="1076"/>
+          <ac:spMkLst>
+            <pc:docMk/>
+            <pc:sldMk cId="1498169735" sldId="267"/>
+            <ac:spMk id="23" creationId="{822CF72F-01C0-481A-B20D-5DB690B0F21B}"/>
+          </ac:spMkLst>
+        </pc:spChg>
+        <pc:spChg chg="add mod">
+          <ac:chgData name="Harry Smith" userId="S::hs14428@bristol.ac.uk::8221085d-c3ba-4c78-8468-7619165127b6" providerId="AD" clId="Web-{B37CC4C5-11A1-4FF5-839B-D511CEE6BBEF}" dt="2021-02-25T11:09:12.750" v="280" actId="14100"/>
+          <ac:spMkLst>
+            <pc:docMk/>
+            <pc:sldMk cId="1498169735" sldId="267"/>
+            <ac:spMk id="25" creationId="{822CF72F-01C0-481A-B20D-5DB690B0F21B}"/>
+          </ac:spMkLst>
+        </pc:spChg>
+        <pc:picChg chg="mod">
+          <ac:chgData name="Harry Smith" userId="S::hs14428@bristol.ac.uk::8221085d-c3ba-4c78-8468-7619165127b6" providerId="AD" clId="Web-{B37CC4C5-11A1-4FF5-839B-D511CEE6BBEF}" dt="2021-02-25T11:08:32.437" v="270" actId="14100"/>
+          <ac:picMkLst>
+            <pc:docMk/>
+            <pc:sldMk cId="1498169735" sldId="267"/>
+            <ac:picMk id="17" creationId="{4B3B4AE6-D225-485D-B20D-FE520EABEECD}"/>
+          </ac:picMkLst>
+        </pc:picChg>
+        <pc:picChg chg="add">
+          <ac:chgData name="Harry Smith" userId="S::hs14428@bristol.ac.uk::8221085d-c3ba-4c78-8468-7619165127b6" providerId="AD" clId="Web-{B37CC4C5-11A1-4FF5-839B-D511CEE6BBEF}" dt="2021-02-25T11:09:19.766" v="282"/>
+          <ac:picMkLst>
+            <pc:docMk/>
+            <pc:sldMk cId="1498169735" sldId="267"/>
+            <ac:picMk id="20" creationId="{0F191843-E358-4EAD-9866-033CBD0C97A6}"/>
+          </ac:picMkLst>
+        </pc:picChg>
+        <pc:picChg chg="mod">
+          <ac:chgData name="Harry Smith" userId="S::hs14428@bristol.ac.uk::8221085d-c3ba-4c78-8468-7619165127b6" providerId="AD" clId="Web-{B37CC4C5-11A1-4FF5-839B-D511CEE6BBEF}" dt="2021-02-25T11:08:50.875" v="275" actId="14100"/>
+          <ac:picMkLst>
+            <pc:docMk/>
+            <pc:sldMk cId="1498169735" sldId="267"/>
+            <ac:picMk id="22" creationId="{E233DF7E-93B7-466A-9303-1BF49A476CB6}"/>
+          </ac:picMkLst>
+        </pc:picChg>
+      </pc:sldChg>
+      <pc:sldChg chg="addSp delSp modSp">
+        <pc:chgData name="Harry Smith" userId="S::hs14428@bristol.ac.uk::8221085d-c3ba-4c78-8468-7619165127b6" providerId="AD" clId="Web-{B37CC4C5-11A1-4FF5-839B-D511CEE6BBEF}" dt="2021-02-25T11:09:42.517" v="285" actId="20577"/>
+        <pc:sldMkLst>
+          <pc:docMk/>
+          <pc:sldMk cId="2961914207" sldId="268"/>
+        </pc:sldMkLst>
+        <pc:spChg chg="mod">
+          <ac:chgData name="Harry Smith" userId="S::hs14428@bristol.ac.uk::8221085d-c3ba-4c78-8468-7619165127b6" providerId="AD" clId="Web-{B37CC4C5-11A1-4FF5-839B-D511CEE6BBEF}" dt="2021-02-25T10:49:16.218" v="167" actId="14100"/>
+          <ac:spMkLst>
+            <pc:docMk/>
+            <pc:sldMk cId="2961914207" sldId="268"/>
+            <ac:spMk id="2" creationId="{950975A9-3E27-4416-9760-0158081E3467}"/>
+          </ac:spMkLst>
+        </pc:spChg>
+        <pc:spChg chg="add mod">
+          <ac:chgData name="Harry Smith" userId="S::hs14428@bristol.ac.uk::8221085d-c3ba-4c78-8468-7619165127b6" providerId="AD" clId="Web-{B37CC4C5-11A1-4FF5-839B-D511CEE6BBEF}" dt="2021-02-25T10:48:32.373" v="162" actId="1076"/>
+          <ac:spMkLst>
+            <pc:docMk/>
+            <pc:sldMk cId="2961914207" sldId="268"/>
+            <ac:spMk id="3" creationId="{9F63CB4B-37A8-447B-9E50-811F2F55E1A9}"/>
+          </ac:spMkLst>
+        </pc:spChg>
+        <pc:spChg chg="add mod">
+          <ac:chgData name="Harry Smith" userId="S::hs14428@bristol.ac.uk::8221085d-c3ba-4c78-8468-7619165127b6" providerId="AD" clId="Web-{B37CC4C5-11A1-4FF5-839B-D511CEE6BBEF}" dt="2021-02-25T10:48:45.670" v="164" actId="1076"/>
+          <ac:spMkLst>
+            <pc:docMk/>
+            <pc:sldMk cId="2961914207" sldId="268"/>
+            <ac:spMk id="7" creationId="{37511CF6-635C-4D95-A4D3-C6FC5F6A7176}"/>
+          </ac:spMkLst>
+        </pc:spChg>
+        <pc:spChg chg="add mod">
+          <ac:chgData name="Harry Smith" userId="S::hs14428@bristol.ac.uk::8221085d-c3ba-4c78-8468-7619165127b6" providerId="AD" clId="Web-{B37CC4C5-11A1-4FF5-839B-D511CEE6BBEF}" dt="2021-02-25T10:50:09.251" v="176" actId="1076"/>
+          <ac:spMkLst>
+            <pc:docMk/>
+            <pc:sldMk cId="2961914207" sldId="268"/>
+            <ac:spMk id="9" creationId="{097CC3D7-D34E-4A56-918C-677BC417AF1A}"/>
+          </ac:spMkLst>
+        </pc:spChg>
+        <pc:spChg chg="add mod">
+          <ac:chgData name="Harry Smith" userId="S::hs14428@bristol.ac.uk::8221085d-c3ba-4c78-8468-7619165127b6" providerId="AD" clId="Web-{B37CC4C5-11A1-4FF5-839B-D511CEE6BBEF}" dt="2021-02-25T10:50:09.251" v="177" actId="1076"/>
+          <ac:spMkLst>
+            <pc:docMk/>
+            <pc:sldMk cId="2961914207" sldId="268"/>
+            <ac:spMk id="10" creationId="{D42E938B-37EF-40A9-BF11-09BE2553467A}"/>
+          </ac:spMkLst>
+        </pc:spChg>
+        <pc:spChg chg="add mod">
+          <ac:chgData name="Harry Smith" userId="S::hs14428@bristol.ac.uk::8221085d-c3ba-4c78-8468-7619165127b6" providerId="AD" clId="Web-{B37CC4C5-11A1-4FF5-839B-D511CEE6BBEF}" dt="2021-02-25T10:49:41.828" v="174" actId="1076"/>
+          <ac:spMkLst>
+            <pc:docMk/>
+            <pc:sldMk cId="2961914207" sldId="268"/>
+            <ac:spMk id="16" creationId="{FFC3DA0F-1F7A-4DCF-AE7B-18B5C20316D4}"/>
+          </ac:spMkLst>
+        </pc:spChg>
+        <pc:spChg chg="add mod">
+          <ac:chgData name="Harry Smith" userId="S::hs14428@bristol.ac.uk::8221085d-c3ba-4c78-8468-7619165127b6" providerId="AD" clId="Web-{B37CC4C5-11A1-4FF5-839B-D511CEE6BBEF}" dt="2021-02-25T11:09:42.517" v="285" actId="20577"/>
+          <ac:spMkLst>
+            <pc:docMk/>
+            <pc:sldMk cId="2961914207" sldId="268"/>
+            <ac:spMk id="17" creationId="{5945224C-2080-47D6-B385-7D443B334386}"/>
+          </ac:spMkLst>
+        </pc:spChg>
+        <pc:spChg chg="add mod">
+          <ac:chgData name="Harry Smith" userId="S::hs14428@bristol.ac.uk::8221085d-c3ba-4c78-8468-7619165127b6" providerId="AD" clId="Web-{B37CC4C5-11A1-4FF5-839B-D511CEE6BBEF}" dt="2021-02-25T10:52:02.004" v="217"/>
+          <ac:spMkLst>
+            <pc:docMk/>
+            <pc:sldMk cId="2961914207" sldId="268"/>
+            <ac:spMk id="18" creationId="{E9722FF9-F9B3-47B2-A8DB-ED0CED0EB088}"/>
+          </ac:spMkLst>
+        </pc:spChg>
+        <pc:spChg chg="add mod">
+          <ac:chgData name="Harry Smith" userId="S::hs14428@bristol.ac.uk::8221085d-c3ba-4c78-8468-7619165127b6" providerId="AD" clId="Web-{B37CC4C5-11A1-4FF5-839B-D511CEE6BBEF}" dt="2021-02-25T11:04:54.134" v="239" actId="1076"/>
+          <ac:spMkLst>
+            <pc:docMk/>
+            <pc:sldMk cId="2961914207" sldId="268"/>
+            <ac:spMk id="20" creationId="{8B0EE34D-3A43-47EC-A583-7B60E629C09D}"/>
+          </ac:spMkLst>
+        </pc:spChg>
+        <pc:spChg chg="add del">
+          <ac:chgData name="Harry Smith" userId="S::hs14428@bristol.ac.uk::8221085d-c3ba-4c78-8468-7619165127b6" providerId="AD" clId="Web-{B37CC4C5-11A1-4FF5-839B-D511CEE6BBEF}" dt="2021-02-25T11:04:45.087" v="235"/>
+          <ac:spMkLst>
+            <pc:docMk/>
+            <pc:sldMk cId="2961914207" sldId="268"/>
+            <ac:spMk id="21" creationId="{10394D3B-25A5-40A9-A747-57497FF9B662}"/>
+          </ac:spMkLst>
+        </pc:spChg>
+        <pc:spChg chg="add del mod">
+          <ac:chgData name="Harry Smith" userId="S::hs14428@bristol.ac.uk::8221085d-c3ba-4c78-8468-7619165127b6" providerId="AD" clId="Web-{B37CC4C5-11A1-4FF5-839B-D511CEE6BBEF}" dt="2021-02-25T11:07:11.560" v="254"/>
+          <ac:spMkLst>
+            <pc:docMk/>
+            <pc:sldMk cId="2961914207" sldId="268"/>
+            <ac:spMk id="22" creationId="{7AA3142A-B185-4F17-9CCA-DE9C6F94E469}"/>
+          </ac:spMkLst>
+        </pc:spChg>
+        <pc:picChg chg="add mod">
+          <ac:chgData name="Harry Smith" userId="S::hs14428@bristol.ac.uk::8221085d-c3ba-4c78-8468-7619165127b6" providerId="AD" clId="Web-{B37CC4C5-11A1-4FF5-839B-D511CEE6BBEF}" dt="2021-02-25T10:49:46.313" v="175" actId="14100"/>
+          <ac:picMkLst>
+            <pc:docMk/>
+            <pc:sldMk cId="2961914207" sldId="268"/>
+            <ac:picMk id="12" creationId="{D7DC4703-5E11-49F1-95A3-7A2E3C12DA68}"/>
+          </ac:picMkLst>
+        </pc:picChg>
+        <pc:picChg chg="add">
+          <ac:chgData name="Harry Smith" userId="S::hs14428@bristol.ac.uk::8221085d-c3ba-4c78-8468-7619165127b6" providerId="AD" clId="Web-{B37CC4C5-11A1-4FF5-839B-D511CEE6BBEF}" dt="2021-02-25T10:48:29.076" v="161"/>
+          <ac:picMkLst>
+            <pc:docMk/>
+            <pc:sldMk cId="2961914207" sldId="268"/>
+            <ac:picMk id="14" creationId="{B30BC52D-C1D3-4144-980A-FD4721AE05FF}"/>
+          </ac:picMkLst>
+        </pc:picChg>
+      </pc:sldChg>
+      <pc:sldChg chg="addSp delSp modSp">
+        <pc:chgData name="Harry Smith" userId="S::hs14428@bristol.ac.uk::8221085d-c3ba-4c78-8468-7619165127b6" providerId="AD" clId="Web-{B37CC4C5-11A1-4FF5-839B-D511CEE6BBEF}" dt="2021-02-25T10:54:14.226" v="233" actId="14100"/>
+        <pc:sldMkLst>
+          <pc:docMk/>
+          <pc:sldMk cId="3028044990" sldId="269"/>
+        </pc:sldMkLst>
+        <pc:spChg chg="mod">
+          <ac:chgData name="Harry Smith" userId="S::hs14428@bristol.ac.uk::8221085d-c3ba-4c78-8468-7619165127b6" providerId="AD" clId="Web-{B37CC4C5-11A1-4FF5-839B-D511CEE6BBEF}" dt="2021-02-25T10:53:22.334" v="226" actId="14100"/>
+          <ac:spMkLst>
+            <pc:docMk/>
+            <pc:sldMk cId="3028044990" sldId="269"/>
+            <ac:spMk id="7" creationId="{07A2DC72-EBE1-4E3E-9081-6610A328D721}"/>
+          </ac:spMkLst>
+        </pc:spChg>
+        <pc:spChg chg="del">
+          <ac:chgData name="Harry Smith" userId="S::hs14428@bristol.ac.uk::8221085d-c3ba-4c78-8468-7619165127b6" providerId="AD" clId="Web-{B37CC4C5-11A1-4FF5-839B-D511CEE6BBEF}" dt="2021-02-25T10:53:09.834" v="222"/>
+          <ac:spMkLst>
+            <pc:docMk/>
+            <pc:sldMk cId="3028044990" sldId="269"/>
+            <ac:spMk id="8" creationId="{AEFDCE09-EF65-4612-8776-651B476F3168}"/>
+          </ac:spMkLst>
+        </pc:spChg>
+        <pc:spChg chg="add mod">
+          <ac:chgData name="Harry Smith" userId="S::hs14428@bristol.ac.uk::8221085d-c3ba-4c78-8468-7619165127b6" providerId="AD" clId="Web-{B37CC4C5-11A1-4FF5-839B-D511CEE6BBEF}" dt="2021-02-25T10:53:27.866" v="227" actId="1076"/>
+          <ac:spMkLst>
+            <pc:docMk/>
+            <pc:sldMk cId="3028044990" sldId="269"/>
+            <ac:spMk id="12" creationId="{037CB02E-A4C1-4501-B17D-886F532519D4}"/>
+          </ac:spMkLst>
+        </pc:spChg>
+        <pc:picChg chg="mod">
+          <ac:chgData name="Harry Smith" userId="S::hs14428@bristol.ac.uk::8221085d-c3ba-4c78-8468-7619165127b6" providerId="AD" clId="Web-{B37CC4C5-11A1-4FF5-839B-D511CEE6BBEF}" dt="2021-02-25T10:54:14.226" v="233" actId="14100"/>
+          <ac:picMkLst>
+            <pc:docMk/>
+            <pc:sldMk cId="3028044990" sldId="269"/>
+            <ac:picMk id="3" creationId="{A34E3ECC-FBF8-4251-9068-B37399857C9F}"/>
+          </ac:picMkLst>
+        </pc:picChg>
+        <pc:picChg chg="add mod">
+          <ac:chgData name="Harry Smith" userId="S::hs14428@bristol.ac.uk::8221085d-c3ba-4c78-8468-7619165127b6" providerId="AD" clId="Web-{B37CC4C5-11A1-4FF5-839B-D511CEE6BBEF}" dt="2021-02-25T10:42:22.504" v="86" actId="1076"/>
+          <ac:picMkLst>
+            <pc:docMk/>
+            <pc:sldMk cId="3028044990" sldId="269"/>
+            <ac:picMk id="5" creationId="{4F2AE4F7-B1F9-4DED-AB0C-CFDDEEDDB851}"/>
+          </ac:picMkLst>
+        </pc:picChg>
+        <pc:picChg chg="mod">
+          <ac:chgData name="Harry Smith" userId="S::hs14428@bristol.ac.uk::8221085d-c3ba-4c78-8468-7619165127b6" providerId="AD" clId="Web-{B37CC4C5-11A1-4FF5-839B-D511CEE6BBEF}" dt="2021-02-25T10:53:35.897" v="228" actId="1076"/>
+          <ac:picMkLst>
+            <pc:docMk/>
+            <pc:sldMk cId="3028044990" sldId="269"/>
+            <ac:picMk id="6" creationId="{629F2B62-0276-4A9A-A520-6931E5A47C5A}"/>
+          </ac:picMkLst>
+        </pc:picChg>
+      </pc:sldChg>
+    </pc:docChg>
+  </pc:docChgLst>
+  <pc:docChgLst>
+    <pc:chgData name="Daniel Davies" userId="S::ac20254@bristol.ac.uk::29d583bd-16b5-40b6-91bf-e0b8ef5167cd" providerId="AD" clId="Web-{35A8B494-5BD1-CC44-F3DC-50261DFD0A4E}"/>
+    <pc:docChg chg="modSld">
+      <pc:chgData name="Daniel Davies" userId="S::ac20254@bristol.ac.uk::29d583bd-16b5-40b6-91bf-e0b8ef5167cd" providerId="AD" clId="Web-{35A8B494-5BD1-CC44-F3DC-50261DFD0A4E}" dt="2021-03-02T16:11:37.842" v="158" actId="14100"/>
+      <pc:docMkLst>
+        <pc:docMk/>
+      </pc:docMkLst>
+      <pc:sldChg chg="addSp delSp modSp">
+        <pc:chgData name="Daniel Davies" userId="S::ac20254@bristol.ac.uk::29d583bd-16b5-40b6-91bf-e0b8ef5167cd" providerId="AD" clId="Web-{35A8B494-5BD1-CC44-F3DC-50261DFD0A4E}" dt="2021-03-02T16:11:37.842" v="158" actId="14100"/>
         <pc:sldMkLst>
           <pc:docMk/>
           <pc:sldMk cId="2475714864" sldId="261"/>
         </pc:sldMkLst>
+        <pc:spChg chg="mod">
+          <ac:chgData name="Daniel Davies" userId="S::ac20254@bristol.ac.uk::29d583bd-16b5-40b6-91bf-e0b8ef5167cd" providerId="AD" clId="Web-{35A8B494-5BD1-CC44-F3DC-50261DFD0A4E}" dt="2021-03-02T15:13:08.866" v="41" actId="20577"/>
+          <ac:spMkLst>
+            <pc:docMk/>
+            <pc:sldMk cId="2475714864" sldId="261"/>
+            <ac:spMk id="9" creationId="{7BABF798-5A63-4FB1-8913-05ADFB2B9C06}"/>
+          </ac:spMkLst>
+        </pc:spChg>
+        <pc:spChg chg="mod">
+          <ac:chgData name="Daniel Davies" userId="S::ac20254@bristol.ac.uk::29d583bd-16b5-40b6-91bf-e0b8ef5167cd" providerId="AD" clId="Web-{35A8B494-5BD1-CC44-F3DC-50261DFD0A4E}" dt="2021-03-02T16:11:34.467" v="157" actId="14100"/>
+          <ac:spMkLst>
+            <pc:docMk/>
+            <pc:sldMk cId="2475714864" sldId="261"/>
+            <ac:spMk id="11" creationId="{32D8247C-A8AF-483E-8DBB-BBAD783F84FE}"/>
+          </ac:spMkLst>
+        </pc:spChg>
+        <pc:spChg chg="mod">
+          <ac:chgData name="Daniel Davies" userId="S::ac20254@bristol.ac.uk::29d583bd-16b5-40b6-91bf-e0b8ef5167cd" providerId="AD" clId="Web-{35A8B494-5BD1-CC44-F3DC-50261DFD0A4E}" dt="2021-03-02T16:11:37.842" v="158" actId="14100"/>
+          <ac:spMkLst>
+            <pc:docMk/>
+            <pc:sldMk cId="2475714864" sldId="261"/>
+            <ac:spMk id="12" creationId="{10A5749E-59DA-4EFF-A577-9FBCFC526FA2}"/>
+          </ac:spMkLst>
+        </pc:spChg>
+        <pc:spChg chg="del">
+          <ac:chgData name="Daniel Davies" userId="S::ac20254@bristol.ac.uk::29d583bd-16b5-40b6-91bf-e0b8ef5167cd" providerId="AD" clId="Web-{35A8B494-5BD1-CC44-F3DC-50261DFD0A4E}" dt="2021-03-02T15:58:25.342" v="126"/>
+          <ac:spMkLst>
+            <pc:docMk/>
+            <pc:sldMk cId="2475714864" sldId="261"/>
+            <ac:spMk id="15" creationId="{2DFE58F3-7B0C-4A2F-BD04-7AD403A238AC}"/>
+          </ac:spMkLst>
+        </pc:spChg>
         <pc:spChg chg="add">
-          <ac:chgData name="Jack Pike" userId="S::jp13087@bristol.ac.uk::b1ab65cf-8e6a-4d64-88c4-df4ae85e23b5" providerId="AD" clId="Web-{7490F97F-2489-4972-8447-3099C090FEC8}" dt="2021-02-25T10:34:39.098" v="4"/>
+          <ac:chgData name="Daniel Davies" userId="S::ac20254@bristol.ac.uk::29d583bd-16b5-40b6-91bf-e0b8ef5167cd" providerId="AD" clId="Web-{35A8B494-5BD1-CC44-F3DC-50261DFD0A4E}" dt="2021-03-02T15:58:23.764" v="125"/>
           <ac:spMkLst>
             <pc:docMk/>
             <pc:sldMk cId="2475714864" sldId="261"/>
-            <ac:spMk id="6" creationId="{5F783BA7-63BB-4B2B-BF6A-19D50EC09DB2}"/>
-          </ac:spMkLst>
-        </pc:spChg>
+            <ac:spMk id="21" creationId="{5B2447BF-CBAD-43E4-9DE2-06FD9FDEC8F4}"/>
+          </ac:spMkLst>
+        </pc:spChg>
+        <pc:picChg chg="add mod">
+          <ac:chgData name="Daniel Davies" userId="S::ac20254@bristol.ac.uk::29d583bd-16b5-40b6-91bf-e0b8ef5167cd" providerId="AD" clId="Web-{35A8B494-5BD1-CC44-F3DC-50261DFD0A4E}" dt="2021-03-02T15:21:07.001" v="45" actId="1076"/>
+          <ac:picMkLst>
+            <pc:docMk/>
+            <pc:sldMk cId="2475714864" sldId="261"/>
+            <ac:picMk id="6" creationId="{5F0FB575-FD2C-4BDF-B59F-FC0A632D3665}"/>
+          </ac:picMkLst>
+        </pc:picChg>
       </pc:sldChg>
       <pc:sldChg chg="addSp modSp">
-        <pc:chgData name="Jack Pike" userId="S::jp13087@bristol.ac.uk::b1ab65cf-8e6a-4d64-88c4-df4ae85e23b5" providerId="AD" clId="Web-{7490F97F-2489-4972-8447-3099C090FEC8}" dt="2021-02-25T10:42:48.578" v="157" actId="1076"/>
+        <pc:chgData name="Daniel Davies" userId="S::ac20254@bristol.ac.uk::29d583bd-16b5-40b6-91bf-e0b8ef5167cd" providerId="AD" clId="Web-{35A8B494-5BD1-CC44-F3DC-50261DFD0A4E}" dt="2021-03-02T15:57:23.106" v="124" actId="20577"/>
+        <pc:sldMkLst>
+          <pc:docMk/>
+          <pc:sldMk cId="719687068" sldId="266"/>
+        </pc:sldMkLst>
+        <pc:spChg chg="add mod">
+          <ac:chgData name="Daniel Davies" userId="S::ac20254@bristol.ac.uk::29d583bd-16b5-40b6-91bf-e0b8ef5167cd" providerId="AD" clId="Web-{35A8B494-5BD1-CC44-F3DC-50261DFD0A4E}" dt="2021-03-02T15:57:23.106" v="124" actId="20577"/>
+          <ac:spMkLst>
+            <pc:docMk/>
+            <pc:sldMk cId="719687068" sldId="266"/>
+            <ac:spMk id="16" creationId="{31F0C4F6-B900-4446-A07B-8D999CD46A7C}"/>
+          </ac:spMkLst>
+        </pc:spChg>
+      </pc:sldChg>
+      <pc:sldChg chg="modNotes">
+        <pc:chgData name="Daniel Davies" userId="S::ac20254@bristol.ac.uk::29d583bd-16b5-40b6-91bf-e0b8ef5167cd" providerId="AD" clId="Web-{35A8B494-5BD1-CC44-F3DC-50261DFD0A4E}" dt="2021-03-02T15:44:58.154" v="113"/>
         <pc:sldMkLst>
           <pc:docMk/>
           <pc:sldMk cId="1498169735" sldId="267"/>
         </pc:sldMkLst>
+      </pc:sldChg>
+      <pc:sldChg chg="addSp modSp">
+        <pc:chgData name="Daniel Davies" userId="S::ac20254@bristol.ac.uk::29d583bd-16b5-40b6-91bf-e0b8ef5167cd" providerId="AD" clId="Web-{35A8B494-5BD1-CC44-F3DC-50261DFD0A4E}" dt="2021-03-02T16:07:14.743" v="137" actId="1076"/>
+        <pc:sldMkLst>
+          <pc:docMk/>
+          <pc:sldMk cId="2961914207" sldId="268"/>
+        </pc:sldMkLst>
         <pc:spChg chg="add mod">
-          <ac:chgData name="Jack Pike" userId="S::jp13087@bristol.ac.uk::b1ab65cf-8e6a-4d64-88c4-df4ae85e23b5" providerId="AD" clId="Web-{7490F97F-2489-4972-8447-3099C090FEC8}" dt="2021-02-25T10:39:13.292" v="79" actId="14100"/>
-          <ac:spMkLst>
-            <pc:docMk/>
-            <pc:sldMk cId="1498169735" sldId="267"/>
-            <ac:spMk id="3" creationId="{F5EBD5A5-A6AB-4B5F-889A-DF5243959001}"/>
-          </ac:spMkLst>
-        </pc:spChg>
-        <pc:spChg chg="add mod">
-          <ac:chgData name="Jack Pike" userId="S::jp13087@bristol.ac.uk::b1ab65cf-8e6a-4d64-88c4-df4ae85e23b5" providerId="AD" clId="Web-{7490F97F-2489-4972-8447-3099C090FEC8}" dt="2021-02-25T10:39:27.433" v="80"/>
-          <ac:spMkLst>
-            <pc:docMk/>
-            <pc:sldMk cId="1498169735" sldId="267"/>
-            <ac:spMk id="5" creationId="{A30F9E10-0510-43C3-ACCB-708BB4DEE5ED}"/>
-          </ac:spMkLst>
-        </pc:spChg>
-        <pc:spChg chg="add mod">
-          <ac:chgData name="Jack Pike" userId="S::jp13087@bristol.ac.uk::b1ab65cf-8e6a-4d64-88c4-df4ae85e23b5" providerId="AD" clId="Web-{7490F97F-2489-4972-8447-3099C090FEC8}" dt="2021-02-25T10:39:30.636" v="81"/>
-          <ac:spMkLst>
-            <pc:docMk/>
-            <pc:sldMk cId="1498169735" sldId="267"/>
-            <ac:spMk id="6" creationId="{8E176120-A636-4634-B9CD-5432EBC25FCB}"/>
-          </ac:spMkLst>
-        </pc:spChg>
-        <pc:spChg chg="add mod">
-          <ac:chgData name="Jack Pike" userId="S::jp13087@bristol.ac.uk::b1ab65cf-8e6a-4d64-88c4-df4ae85e23b5" providerId="AD" clId="Web-{7490F97F-2489-4972-8447-3099C090FEC8}" dt="2021-02-25T10:42:48.578" v="157" actId="1076"/>
-          <ac:spMkLst>
-            <pc:docMk/>
-            <pc:sldMk cId="1498169735" sldId="267"/>
-            <ac:spMk id="7" creationId="{17A111E7-2A1A-48E9-8D46-1BBF93C57299}"/>
-          </ac:spMkLst>
-        </pc:spChg>
-        <pc:spChg chg="add mod">
-          <ac:chgData name="Jack Pike" userId="S::jp13087@bristol.ac.uk::b1ab65cf-8e6a-4d64-88c4-df4ae85e23b5" providerId="AD" clId="Web-{7490F97F-2489-4972-8447-3099C090FEC8}" dt="2021-02-25T10:39:35.277" v="83"/>
-          <ac:spMkLst>
-            <pc:docMk/>
-            <pc:sldMk cId="1498169735" sldId="267"/>
-            <ac:spMk id="8" creationId="{D2EAE368-A468-4A23-8E3D-F6DED2675671}"/>
-          </ac:spMkLst>
-        </pc:spChg>
-        <pc:spChg chg="add mod">
-          <ac:chgData name="Jack Pike" userId="S::jp13087@bristol.ac.uk::b1ab65cf-8e6a-4d64-88c4-df4ae85e23b5" providerId="AD" clId="Web-{7490F97F-2489-4972-8447-3099C090FEC8}" dt="2021-02-25T10:39:37.308" v="84"/>
-          <ac:spMkLst>
-            <pc:docMk/>
-            <pc:sldMk cId="1498169735" sldId="267"/>
-            <ac:spMk id="9" creationId="{313BC616-F626-412E-AFB2-E5B5684D1EAE}"/>
-          </ac:spMkLst>
-        </pc:spChg>
-        <pc:spChg chg="add mod">
-          <ac:chgData name="Jack Pike" userId="S::jp13087@bristol.ac.uk::b1ab65cf-8e6a-4d64-88c4-df4ae85e23b5" providerId="AD" clId="Web-{7490F97F-2489-4972-8447-3099C090FEC8}" dt="2021-02-25T10:39:54.246" v="88" actId="1076"/>
-          <ac:spMkLst>
-            <pc:docMk/>
-            <pc:sldMk cId="1498169735" sldId="267"/>
-            <ac:spMk id="10" creationId="{0AA5C1CD-3231-4ACF-AE1F-95D022264030}"/>
-          </ac:spMkLst>
-        </pc:spChg>
-        <pc:spChg chg="add mod">
-          <ac:chgData name="Jack Pike" userId="S::jp13087@bristol.ac.uk::b1ab65cf-8e6a-4d64-88c4-df4ae85e23b5" providerId="AD" clId="Web-{7490F97F-2489-4972-8447-3099C090FEC8}" dt="2021-02-25T10:42:29.468" v="145" actId="20577"/>
-          <ac:spMkLst>
-            <pc:docMk/>
-            <pc:sldMk cId="1498169735" sldId="267"/>
-            <ac:spMk id="11" creationId="{E7F91139-ABC6-4477-8EA9-F44F30CFF025}"/>
-          </ac:spMkLst>
-        </pc:spChg>
-        <pc:spChg chg="add mod">
-          <ac:chgData name="Jack Pike" userId="S::jp13087@bristol.ac.uk::b1ab65cf-8e6a-4d64-88c4-df4ae85e23b5" providerId="AD" clId="Web-{7490F97F-2489-4972-8447-3099C090FEC8}" dt="2021-02-25T10:40:28.169" v="111" actId="20577"/>
-          <ac:spMkLst>
-            <pc:docMk/>
-            <pc:sldMk cId="1498169735" sldId="267"/>
-            <ac:spMk id="12" creationId="{D622FD03-427F-42DD-9080-C043C3F76501}"/>
-          </ac:spMkLst>
-        </pc:spChg>
-        <pc:spChg chg="add mod">
-          <ac:chgData name="Jack Pike" userId="S::jp13087@bristol.ac.uk::b1ab65cf-8e6a-4d64-88c4-df4ae85e23b5" providerId="AD" clId="Web-{7490F97F-2489-4972-8447-3099C090FEC8}" dt="2021-02-25T10:42:39.422" v="155" actId="1076"/>
-          <ac:spMkLst>
-            <pc:docMk/>
-            <pc:sldMk cId="1498169735" sldId="267"/>
-            <ac:spMk id="13" creationId="{5543CD79-E872-4087-B8D0-EA24B27971AA}"/>
-          </ac:spMkLst>
-        </pc:spChg>
-        <pc:spChg chg="add mod">
-          <ac:chgData name="Jack Pike" userId="S::jp13087@bristol.ac.uk::b1ab65cf-8e6a-4d64-88c4-df4ae85e23b5" providerId="AD" clId="Web-{7490F97F-2489-4972-8447-3099C090FEC8}" dt="2021-02-25T10:41:48.171" v="130" actId="20577"/>
-          <ac:spMkLst>
-            <pc:docMk/>
-            <pc:sldMk cId="1498169735" sldId="267"/>
-            <ac:spMk id="14" creationId="{8CCA9895-50A7-40BE-BA5A-617E80E6DDE1}"/>
-          </ac:spMkLst>
-        </pc:spChg>
+          <ac:chgData name="Daniel Davies" userId="S::ac20254@bristol.ac.uk::29d583bd-16b5-40b6-91bf-e0b8ef5167cd" providerId="AD" clId="Web-{35A8B494-5BD1-CC44-F3DC-50261DFD0A4E}" dt="2021-03-02T16:07:14.728" v="136" actId="1076"/>
+          <ac:spMkLst>
+            <pc:docMk/>
+            <pc:sldMk cId="2961914207" sldId="268"/>
+            <ac:spMk id="8" creationId="{A7683DFB-05FA-4E41-BD5A-C85008EB39A7}"/>
+          </ac:spMkLst>
+        </pc:spChg>
+        <pc:spChg chg="mod">
+          <ac:chgData name="Daniel Davies" userId="S::ac20254@bristol.ac.uk::29d583bd-16b5-40b6-91bf-e0b8ef5167cd" providerId="AD" clId="Web-{35A8B494-5BD1-CC44-F3DC-50261DFD0A4E}" dt="2021-03-02T16:06:17.133" v="131" actId="20577"/>
+          <ac:spMkLst>
+            <pc:docMk/>
+            <pc:sldMk cId="2961914207" sldId="268"/>
+            <ac:spMk id="17" creationId="{5945224C-2080-47D6-B385-7D443B334386}"/>
+          </ac:spMkLst>
+        </pc:spChg>
+        <pc:picChg chg="add mod">
+          <ac:chgData name="Daniel Davies" userId="S::ac20254@bristol.ac.uk::29d583bd-16b5-40b6-91bf-e0b8ef5167cd" providerId="AD" clId="Web-{35A8B494-5BD1-CC44-F3DC-50261DFD0A4E}" dt="2021-03-02T16:07:14.743" v="137" actId="1076"/>
+          <ac:picMkLst>
+            <pc:docMk/>
+            <pc:sldMk cId="2961914207" sldId="268"/>
+            <ac:picMk id="11" creationId="{2B520B05-CD29-40BD-A8C8-8F9EC1D5F4E3}"/>
+          </ac:picMkLst>
+        </pc:picChg>
       </pc:sldChg>
     </pc:docChg>
   </pc:docChgLst>
@@ -620,6 +1395,188 @@
             <ac:picMk id="22" creationId="{E233DF7E-93B7-466A-9303-1BF49A476CB6}"/>
           </ac:picMkLst>
         </pc:picChg>
+      </pc:sldChg>
+    </pc:docChg>
+  </pc:docChgLst>
+  <pc:docChgLst>
+    <pc:chgData name="Harry Smith" userId="S::hs14428@bristol.ac.uk::8221085d-c3ba-4c78-8468-7619165127b6" providerId="AD" clId="Web-{A6017AC6-EE71-4DA1-93D0-881B545BE7AB}"/>
+    <pc:docChg chg="modSld">
+      <pc:chgData name="Harry Smith" userId="S::hs14428@bristol.ac.uk::8221085d-c3ba-4c78-8468-7619165127b6" providerId="AD" clId="Web-{A6017AC6-EE71-4DA1-93D0-881B545BE7AB}" dt="2021-03-02T16:40:52.049" v="18" actId="20577"/>
+      <pc:docMkLst>
+        <pc:docMk/>
+      </pc:docMkLst>
+      <pc:sldChg chg="addSp delSp modSp">
+        <pc:chgData name="Harry Smith" userId="S::hs14428@bristol.ac.uk::8221085d-c3ba-4c78-8468-7619165127b6" providerId="AD" clId="Web-{A6017AC6-EE71-4DA1-93D0-881B545BE7AB}" dt="2021-03-02T16:40:52.049" v="18" actId="20577"/>
+        <pc:sldMkLst>
+          <pc:docMk/>
+          <pc:sldMk cId="3028044990" sldId="269"/>
+        </pc:sldMkLst>
+        <pc:spChg chg="add del mod">
+          <ac:chgData name="Harry Smith" userId="S::hs14428@bristol.ac.uk::8221085d-c3ba-4c78-8468-7619165127b6" providerId="AD" clId="Web-{A6017AC6-EE71-4DA1-93D0-881B545BE7AB}" dt="2021-03-02T16:40:26.627" v="3"/>
+          <ac:spMkLst>
+            <pc:docMk/>
+            <pc:sldMk cId="3028044990" sldId="269"/>
+            <ac:spMk id="11" creationId="{5E1B83DA-183D-421F-8705-E55E548EB894}"/>
+          </ac:spMkLst>
+        </pc:spChg>
+        <pc:spChg chg="add mod">
+          <ac:chgData name="Harry Smith" userId="S::hs14428@bristol.ac.uk::8221085d-c3ba-4c78-8468-7619165127b6" providerId="AD" clId="Web-{A6017AC6-EE71-4DA1-93D0-881B545BE7AB}" dt="2021-03-02T16:40:52.049" v="18" actId="20577"/>
+          <ac:spMkLst>
+            <pc:docMk/>
+            <pc:sldMk cId="3028044990" sldId="269"/>
+            <ac:spMk id="16" creationId="{9950737E-987C-4AD9-BD4F-01F34F15C427}"/>
+          </ac:spMkLst>
+        </pc:spChg>
+      </pc:sldChg>
+    </pc:docChg>
+  </pc:docChgLst>
+  <pc:docChgLst>
+    <pc:chgData name="Jack Pike" userId="S::jp13087@bristol.ac.uk::b1ab65cf-8e6a-4d64-88c4-df4ae85e23b5" providerId="AD" clId="Web-{7490F97F-2489-4972-8447-3099C090FEC8}"/>
+    <pc:docChg chg="addSld modSld">
+      <pc:chgData name="Jack Pike" userId="S::jp13087@bristol.ac.uk::b1ab65cf-8e6a-4d64-88c4-df4ae85e23b5" providerId="AD" clId="Web-{7490F97F-2489-4972-8447-3099C090FEC8}" dt="2021-02-25T10:42:48.578" v="157" actId="1076"/>
+      <pc:docMkLst>
+        <pc:docMk/>
+      </pc:docMkLst>
+      <pc:sldChg chg="addSp delSp new">
+        <pc:chgData name="Jack Pike" userId="S::jp13087@bristol.ac.uk::b1ab65cf-8e6a-4d64-88c4-df4ae85e23b5" providerId="AD" clId="Web-{7490F97F-2489-4972-8447-3099C090FEC8}" dt="2021-02-25T10:32:13.126" v="3"/>
+        <pc:sldMkLst>
+          <pc:docMk/>
+          <pc:sldMk cId="452412521" sldId="257"/>
+        </pc:sldMkLst>
+        <pc:spChg chg="del">
+          <ac:chgData name="Jack Pike" userId="S::jp13087@bristol.ac.uk::b1ab65cf-8e6a-4d64-88c4-df4ae85e23b5" providerId="AD" clId="Web-{7490F97F-2489-4972-8447-3099C090FEC8}" dt="2021-02-25T10:32:09.564" v="1"/>
+          <ac:spMkLst>
+            <pc:docMk/>
+            <pc:sldMk cId="452412521" sldId="257"/>
+            <ac:spMk id="2" creationId="{8A1E62E1-1704-467A-9B4A-7D4C78A46A36}"/>
+          </ac:spMkLst>
+        </pc:spChg>
+        <pc:spChg chg="del">
+          <ac:chgData name="Jack Pike" userId="S::jp13087@bristol.ac.uk::b1ab65cf-8e6a-4d64-88c4-df4ae85e23b5" providerId="AD" clId="Web-{7490F97F-2489-4972-8447-3099C090FEC8}" dt="2021-02-25T10:32:12.111" v="2"/>
+          <ac:spMkLst>
+            <pc:docMk/>
+            <pc:sldMk cId="452412521" sldId="257"/>
+            <ac:spMk id="3" creationId="{3F8FE866-385B-43FA-8664-E1762C381888}"/>
+          </ac:spMkLst>
+        </pc:spChg>
+        <pc:picChg chg="add">
+          <ac:chgData name="Jack Pike" userId="S::jp13087@bristol.ac.uk::b1ab65cf-8e6a-4d64-88c4-df4ae85e23b5" providerId="AD" clId="Web-{7490F97F-2489-4972-8447-3099C090FEC8}" dt="2021-02-25T10:32:13.126" v="3"/>
+          <ac:picMkLst>
+            <pc:docMk/>
+            <pc:sldMk cId="452412521" sldId="257"/>
+            <ac:picMk id="5" creationId="{E6FEF970-9589-4BCC-B5D3-D9CE620A2BF8}"/>
+          </ac:picMkLst>
+        </pc:picChg>
+      </pc:sldChg>
+      <pc:sldChg chg="addSp">
+        <pc:chgData name="Jack Pike" userId="S::jp13087@bristol.ac.uk::b1ab65cf-8e6a-4d64-88c4-df4ae85e23b5" providerId="AD" clId="Web-{7490F97F-2489-4972-8447-3099C090FEC8}" dt="2021-02-25T10:34:39.098" v="4"/>
+        <pc:sldMkLst>
+          <pc:docMk/>
+          <pc:sldMk cId="2475714864" sldId="261"/>
+        </pc:sldMkLst>
+        <pc:spChg chg="add">
+          <ac:chgData name="Jack Pike" userId="S::jp13087@bristol.ac.uk::b1ab65cf-8e6a-4d64-88c4-df4ae85e23b5" providerId="AD" clId="Web-{7490F97F-2489-4972-8447-3099C090FEC8}" dt="2021-02-25T10:34:39.098" v="4"/>
+          <ac:spMkLst>
+            <pc:docMk/>
+            <pc:sldMk cId="2475714864" sldId="261"/>
+            <ac:spMk id="6" creationId="{5F783BA7-63BB-4B2B-BF6A-19D50EC09DB2}"/>
+          </ac:spMkLst>
+        </pc:spChg>
+      </pc:sldChg>
+      <pc:sldChg chg="addSp modSp">
+        <pc:chgData name="Jack Pike" userId="S::jp13087@bristol.ac.uk::b1ab65cf-8e6a-4d64-88c4-df4ae85e23b5" providerId="AD" clId="Web-{7490F97F-2489-4972-8447-3099C090FEC8}" dt="2021-02-25T10:42:48.578" v="157" actId="1076"/>
+        <pc:sldMkLst>
+          <pc:docMk/>
+          <pc:sldMk cId="1498169735" sldId="267"/>
+        </pc:sldMkLst>
+        <pc:spChg chg="add mod">
+          <ac:chgData name="Jack Pike" userId="S::jp13087@bristol.ac.uk::b1ab65cf-8e6a-4d64-88c4-df4ae85e23b5" providerId="AD" clId="Web-{7490F97F-2489-4972-8447-3099C090FEC8}" dt="2021-02-25T10:39:13.292" v="79" actId="14100"/>
+          <ac:spMkLst>
+            <pc:docMk/>
+            <pc:sldMk cId="1498169735" sldId="267"/>
+            <ac:spMk id="3" creationId="{F5EBD5A5-A6AB-4B5F-889A-DF5243959001}"/>
+          </ac:spMkLst>
+        </pc:spChg>
+        <pc:spChg chg="add mod">
+          <ac:chgData name="Jack Pike" userId="S::jp13087@bristol.ac.uk::b1ab65cf-8e6a-4d64-88c4-df4ae85e23b5" providerId="AD" clId="Web-{7490F97F-2489-4972-8447-3099C090FEC8}" dt="2021-02-25T10:39:27.433" v="80"/>
+          <ac:spMkLst>
+            <pc:docMk/>
+            <pc:sldMk cId="1498169735" sldId="267"/>
+            <ac:spMk id="5" creationId="{A30F9E10-0510-43C3-ACCB-708BB4DEE5ED}"/>
+          </ac:spMkLst>
+        </pc:spChg>
+        <pc:spChg chg="add mod">
+          <ac:chgData name="Jack Pike" userId="S::jp13087@bristol.ac.uk::b1ab65cf-8e6a-4d64-88c4-df4ae85e23b5" providerId="AD" clId="Web-{7490F97F-2489-4972-8447-3099C090FEC8}" dt="2021-02-25T10:39:30.636" v="81"/>
+          <ac:spMkLst>
+            <pc:docMk/>
+            <pc:sldMk cId="1498169735" sldId="267"/>
+            <ac:spMk id="6" creationId="{8E176120-A636-4634-B9CD-5432EBC25FCB}"/>
+          </ac:spMkLst>
+        </pc:spChg>
+        <pc:spChg chg="add mod">
+          <ac:chgData name="Jack Pike" userId="S::jp13087@bristol.ac.uk::b1ab65cf-8e6a-4d64-88c4-df4ae85e23b5" providerId="AD" clId="Web-{7490F97F-2489-4972-8447-3099C090FEC8}" dt="2021-02-25T10:42:48.578" v="157" actId="1076"/>
+          <ac:spMkLst>
+            <pc:docMk/>
+            <pc:sldMk cId="1498169735" sldId="267"/>
+            <ac:spMk id="7" creationId="{17A111E7-2A1A-48E9-8D46-1BBF93C57299}"/>
+          </ac:spMkLst>
+        </pc:spChg>
+        <pc:spChg chg="add mod">
+          <ac:chgData name="Jack Pike" userId="S::jp13087@bristol.ac.uk::b1ab65cf-8e6a-4d64-88c4-df4ae85e23b5" providerId="AD" clId="Web-{7490F97F-2489-4972-8447-3099C090FEC8}" dt="2021-02-25T10:39:35.277" v="83"/>
+          <ac:spMkLst>
+            <pc:docMk/>
+            <pc:sldMk cId="1498169735" sldId="267"/>
+            <ac:spMk id="8" creationId="{D2EAE368-A468-4A23-8E3D-F6DED2675671}"/>
+          </ac:spMkLst>
+        </pc:spChg>
+        <pc:spChg chg="add mod">
+          <ac:chgData name="Jack Pike" userId="S::jp13087@bristol.ac.uk::b1ab65cf-8e6a-4d64-88c4-df4ae85e23b5" providerId="AD" clId="Web-{7490F97F-2489-4972-8447-3099C090FEC8}" dt="2021-02-25T10:39:37.308" v="84"/>
+          <ac:spMkLst>
+            <pc:docMk/>
+            <pc:sldMk cId="1498169735" sldId="267"/>
+            <ac:spMk id="9" creationId="{313BC616-F626-412E-AFB2-E5B5684D1EAE}"/>
+          </ac:spMkLst>
+        </pc:spChg>
+        <pc:spChg chg="add mod">
+          <ac:chgData name="Jack Pike" userId="S::jp13087@bristol.ac.uk::b1ab65cf-8e6a-4d64-88c4-df4ae85e23b5" providerId="AD" clId="Web-{7490F97F-2489-4972-8447-3099C090FEC8}" dt="2021-02-25T10:39:54.246" v="88" actId="1076"/>
+          <ac:spMkLst>
+            <pc:docMk/>
+            <pc:sldMk cId="1498169735" sldId="267"/>
+            <ac:spMk id="10" creationId="{0AA5C1CD-3231-4ACF-AE1F-95D022264030}"/>
+          </ac:spMkLst>
+        </pc:spChg>
+        <pc:spChg chg="add mod">
+          <ac:chgData name="Jack Pike" userId="S::jp13087@bristol.ac.uk::b1ab65cf-8e6a-4d64-88c4-df4ae85e23b5" providerId="AD" clId="Web-{7490F97F-2489-4972-8447-3099C090FEC8}" dt="2021-02-25T10:42:29.468" v="145" actId="20577"/>
+          <ac:spMkLst>
+            <pc:docMk/>
+            <pc:sldMk cId="1498169735" sldId="267"/>
+            <ac:spMk id="11" creationId="{E7F91139-ABC6-4477-8EA9-F44F30CFF025}"/>
+          </ac:spMkLst>
+        </pc:spChg>
+        <pc:spChg chg="add mod">
+          <ac:chgData name="Jack Pike" userId="S::jp13087@bristol.ac.uk::b1ab65cf-8e6a-4d64-88c4-df4ae85e23b5" providerId="AD" clId="Web-{7490F97F-2489-4972-8447-3099C090FEC8}" dt="2021-02-25T10:40:28.169" v="111" actId="20577"/>
+          <ac:spMkLst>
+            <pc:docMk/>
+            <pc:sldMk cId="1498169735" sldId="267"/>
+            <ac:spMk id="12" creationId="{D622FD03-427F-42DD-9080-C043C3F76501}"/>
+          </ac:spMkLst>
+        </pc:spChg>
+        <pc:spChg chg="add mod">
+          <ac:chgData name="Jack Pike" userId="S::jp13087@bristol.ac.uk::b1ab65cf-8e6a-4d64-88c4-df4ae85e23b5" providerId="AD" clId="Web-{7490F97F-2489-4972-8447-3099C090FEC8}" dt="2021-02-25T10:42:39.422" v="155" actId="1076"/>
+          <ac:spMkLst>
+            <pc:docMk/>
+            <pc:sldMk cId="1498169735" sldId="267"/>
+            <ac:spMk id="13" creationId="{5543CD79-E872-4087-B8D0-EA24B27971AA}"/>
+          </ac:spMkLst>
+        </pc:spChg>
+        <pc:spChg chg="add mod">
+          <ac:chgData name="Jack Pike" userId="S::jp13087@bristol.ac.uk::b1ab65cf-8e6a-4d64-88c4-df4ae85e23b5" providerId="AD" clId="Web-{7490F97F-2489-4972-8447-3099C090FEC8}" dt="2021-02-25T10:41:48.171" v="130" actId="20577"/>
+          <ac:spMkLst>
+            <pc:docMk/>
+            <pc:sldMk cId="1498169735" sldId="267"/>
+            <ac:spMk id="14" creationId="{8CCA9895-50A7-40BE-BA5A-617E80E6DDE1}"/>
+          </ac:spMkLst>
+        </pc:spChg>
       </pc:sldChg>
     </pc:docChg>
   </pc:docChgLst>
@@ -938,6 +1895,218 @@
     </pc:docChg>
   </pc:docChgLst>
   <pc:docChgLst>
+    <pc:chgData name="Nathan Taylor" userId="S::nt17118@bristol.ac.uk::0523ead7-434e-4c25-ab12-2bdfbc130b0f" providerId="AD" clId="Web-{CBFF691D-BA3F-4F94-A9EC-BAB6B8172E1B}"/>
+    <pc:docChg chg="modSld">
+      <pc:chgData name="Nathan Taylor" userId="S::nt17118@bristol.ac.uk::0523ead7-434e-4c25-ab12-2bdfbc130b0f" providerId="AD" clId="Web-{CBFF691D-BA3F-4F94-A9EC-BAB6B8172E1B}" dt="2021-03-02T16:08:39.377" v="694"/>
+      <pc:docMkLst>
+        <pc:docMk/>
+      </pc:docMkLst>
+      <pc:sldChg chg="addSp delSp modSp modNotes">
+        <pc:chgData name="Nathan Taylor" userId="S::nt17118@bristol.ac.uk::0523ead7-434e-4c25-ab12-2bdfbc130b0f" providerId="AD" clId="Web-{CBFF691D-BA3F-4F94-A9EC-BAB6B8172E1B}" dt="2021-03-02T15:35:34.006" v="372" actId="1076"/>
+        <pc:sldMkLst>
+          <pc:docMk/>
+          <pc:sldMk cId="2475714864" sldId="261"/>
+        </pc:sldMkLst>
+        <pc:spChg chg="topLvl">
+          <ac:chgData name="Nathan Taylor" userId="S::nt17118@bristol.ac.uk::0523ead7-434e-4c25-ab12-2bdfbc130b0f" providerId="AD" clId="Web-{CBFF691D-BA3F-4F94-A9EC-BAB6B8172E1B}" dt="2021-03-02T15:35:19.631" v="367"/>
+          <ac:spMkLst>
+            <pc:docMk/>
+            <pc:sldMk cId="2475714864" sldId="261"/>
+            <ac:spMk id="8" creationId="{7C560FCD-F8D9-43E4-9B46-9431A56F75B3}"/>
+          </ac:spMkLst>
+        </pc:spChg>
+        <pc:spChg chg="mod">
+          <ac:chgData name="Nathan Taylor" userId="S::nt17118@bristol.ac.uk::0523ead7-434e-4c25-ab12-2bdfbc130b0f" providerId="AD" clId="Web-{CBFF691D-BA3F-4F94-A9EC-BAB6B8172E1B}" dt="2021-03-02T15:20:02.517" v="162" actId="20577"/>
+          <ac:spMkLst>
+            <pc:docMk/>
+            <pc:sldMk cId="2475714864" sldId="261"/>
+            <ac:spMk id="11" creationId="{32D8247C-A8AF-483E-8DBB-BBAD783F84FE}"/>
+          </ac:spMkLst>
+        </pc:spChg>
+        <pc:spChg chg="mod">
+          <ac:chgData name="Nathan Taylor" userId="S::nt17118@bristol.ac.uk::0523ead7-434e-4c25-ab12-2bdfbc130b0f" providerId="AD" clId="Web-{CBFF691D-BA3F-4F94-A9EC-BAB6B8172E1B}" dt="2021-03-02T15:20:12.846" v="166" actId="1076"/>
+          <ac:spMkLst>
+            <pc:docMk/>
+            <pc:sldMk cId="2475714864" sldId="261"/>
+            <ac:spMk id="12" creationId="{10A5749E-59DA-4EFF-A577-9FBCFC526FA2}"/>
+          </ac:spMkLst>
+        </pc:spChg>
+        <pc:spChg chg="add mod topLvl">
+          <ac:chgData name="Nathan Taylor" userId="S::nt17118@bristol.ac.uk::0523ead7-434e-4c25-ab12-2bdfbc130b0f" providerId="AD" clId="Web-{CBFF691D-BA3F-4F94-A9EC-BAB6B8172E1B}" dt="2021-03-02T15:35:34.006" v="372" actId="1076"/>
+          <ac:spMkLst>
+            <pc:docMk/>
+            <pc:sldMk cId="2475714864" sldId="261"/>
+            <ac:spMk id="15" creationId="{2DFE58F3-7B0C-4A2F-BD04-7AD403A238AC}"/>
+          </ac:spMkLst>
+        </pc:spChg>
+        <pc:grpChg chg="add del">
+          <ac:chgData name="Nathan Taylor" userId="S::nt17118@bristol.ac.uk::0523ead7-434e-4c25-ab12-2bdfbc130b0f" providerId="AD" clId="Web-{CBFF691D-BA3F-4F94-A9EC-BAB6B8172E1B}" dt="2021-03-02T15:35:19.631" v="367"/>
+          <ac:grpSpMkLst>
+            <pc:docMk/>
+            <pc:sldMk cId="2475714864" sldId="261"/>
+            <ac:grpSpMk id="16" creationId="{FF592539-62CB-4828-BB6F-38D37026F05D}"/>
+          </ac:grpSpMkLst>
+        </pc:grpChg>
+        <pc:picChg chg="topLvl">
+          <ac:chgData name="Nathan Taylor" userId="S::nt17118@bristol.ac.uk::0523ead7-434e-4c25-ab12-2bdfbc130b0f" providerId="AD" clId="Web-{CBFF691D-BA3F-4F94-A9EC-BAB6B8172E1B}" dt="2021-03-02T15:35:19.631" v="367"/>
+          <ac:picMkLst>
+            <pc:docMk/>
+            <pc:sldMk cId="2475714864" sldId="261"/>
+            <ac:picMk id="3" creationId="{65CEDEB4-40ED-4B62-B717-498F4E2BC9B5}"/>
+          </ac:picMkLst>
+        </pc:picChg>
+        <pc:picChg chg="topLvl">
+          <ac:chgData name="Nathan Taylor" userId="S::nt17118@bristol.ac.uk::0523ead7-434e-4c25-ab12-2bdfbc130b0f" providerId="AD" clId="Web-{CBFF691D-BA3F-4F94-A9EC-BAB6B8172E1B}" dt="2021-03-02T15:35:19.631" v="367"/>
+          <ac:picMkLst>
+            <pc:docMk/>
+            <pc:sldMk cId="2475714864" sldId="261"/>
+            <ac:picMk id="5" creationId="{2B3D3AB8-81A8-417E-B2C8-71E559237C7E}"/>
+          </ac:picMkLst>
+        </pc:picChg>
+      </pc:sldChg>
+      <pc:sldChg chg="modSp modNotes">
+        <pc:chgData name="Nathan Taylor" userId="S::nt17118@bristol.ac.uk::0523ead7-434e-4c25-ab12-2bdfbc130b0f" providerId="AD" clId="Web-{CBFF691D-BA3F-4F94-A9EC-BAB6B8172E1B}" dt="2021-03-02T16:03:01.792" v="619"/>
+        <pc:sldMkLst>
+          <pc:docMk/>
+          <pc:sldMk cId="719687068" sldId="266"/>
+        </pc:sldMkLst>
+        <pc:spChg chg="mod">
+          <ac:chgData name="Nathan Taylor" userId="S::nt17118@bristol.ac.uk::0523ead7-434e-4c25-ab12-2bdfbc130b0f" providerId="AD" clId="Web-{CBFF691D-BA3F-4F94-A9EC-BAB6B8172E1B}" dt="2021-03-02T16:00:49.461" v="480" actId="20577"/>
+          <ac:spMkLst>
+            <pc:docMk/>
+            <pc:sldMk cId="719687068" sldId="266"/>
+            <ac:spMk id="5" creationId="{7B765971-3D61-47D0-8B60-54A7AA973439}"/>
+          </ac:spMkLst>
+        </pc:spChg>
+      </pc:sldChg>
+      <pc:sldChg chg="modNotes">
+        <pc:chgData name="Nathan Taylor" userId="S::nt17118@bristol.ac.uk::0523ead7-434e-4c25-ab12-2bdfbc130b0f" providerId="AD" clId="Web-{CBFF691D-BA3F-4F94-A9EC-BAB6B8172E1B}" dt="2021-03-02T15:44:48.674" v="474"/>
+        <pc:sldMkLst>
+          <pc:docMk/>
+          <pc:sldMk cId="1498169735" sldId="267"/>
+        </pc:sldMkLst>
+      </pc:sldChg>
+      <pc:sldChg chg="modNotes">
+        <pc:chgData name="Nathan Taylor" userId="S::nt17118@bristol.ac.uk::0523ead7-434e-4c25-ab12-2bdfbc130b0f" providerId="AD" clId="Web-{CBFF691D-BA3F-4F94-A9EC-BAB6B8172E1B}" dt="2021-03-02T16:08:39.377" v="694"/>
+        <pc:sldMkLst>
+          <pc:docMk/>
+          <pc:sldMk cId="2961914207" sldId="268"/>
+        </pc:sldMkLst>
+      </pc:sldChg>
+    </pc:docChg>
+  </pc:docChgLst>
+  <pc:docChgLst>
+    <pc:chgData clId="Web-{72F74E67-A7B6-4623-B21F-9E8B20E9251B}"/>
+    <pc:docChg chg="modSld">
+      <pc:chgData name="" userId="" providerId="" clId="Web-{72F74E67-A7B6-4623-B21F-9E8B20E9251B}" dt="2021-02-25T10:28:49.864" v="1"/>
+      <pc:docMkLst>
+        <pc:docMk/>
+      </pc:docMkLst>
+      <pc:sldChg chg="delSp">
+        <pc:chgData name="" userId="" providerId="" clId="Web-{72F74E67-A7B6-4623-B21F-9E8B20E9251B}" dt="2021-02-25T10:28:49.864" v="1"/>
+        <pc:sldMkLst>
+          <pc:docMk/>
+          <pc:sldMk cId="109857222" sldId="256"/>
+        </pc:sldMkLst>
+        <pc:spChg chg="del">
+          <ac:chgData name="" userId="" providerId="" clId="Web-{72F74E67-A7B6-4623-B21F-9E8B20E9251B}" dt="2021-02-25T10:28:49.864" v="1"/>
+          <ac:spMkLst>
+            <pc:docMk/>
+            <pc:sldMk cId="109857222" sldId="256"/>
+            <ac:spMk id="2" creationId="{00000000-0000-0000-0000-000000000000}"/>
+          </ac:spMkLst>
+        </pc:spChg>
+        <pc:spChg chg="del">
+          <ac:chgData name="" userId="" providerId="" clId="Web-{72F74E67-A7B6-4623-B21F-9E8B20E9251B}" dt="2021-02-25T10:28:49.864" v="0"/>
+          <ac:spMkLst>
+            <pc:docMk/>
+            <pc:sldMk cId="109857222" sldId="256"/>
+            <ac:spMk id="3" creationId="{00000000-0000-0000-0000-000000000000}"/>
+          </ac:spMkLst>
+        </pc:spChg>
+      </pc:sldChg>
+    </pc:docChg>
+  </pc:docChgLst>
+  <pc:docChgLst>
+    <pc:chgData name="Jack Pike" userId="S::jp13087@bristol.ac.uk::b1ab65cf-8e6a-4d64-88c4-df4ae85e23b5" providerId="AD" clId="Web-{729CE8ED-876F-4A1C-9B22-C1DE543A3950}"/>
+    <pc:docChg chg="modSld">
+      <pc:chgData name="Jack Pike" userId="S::jp13087@bristol.ac.uk::b1ab65cf-8e6a-4d64-88c4-df4ae85e23b5" providerId="AD" clId="Web-{729CE8ED-876F-4A1C-9B22-C1DE543A3950}" dt="2021-03-02T15:43:26.825" v="18" actId="1076"/>
+      <pc:docMkLst>
+        <pc:docMk/>
+      </pc:docMkLst>
+      <pc:sldChg chg="modSp">
+        <pc:chgData name="Jack Pike" userId="S::jp13087@bristol.ac.uk::b1ab65cf-8e6a-4d64-88c4-df4ae85e23b5" providerId="AD" clId="Web-{729CE8ED-876F-4A1C-9B22-C1DE543A3950}" dt="2021-03-02T15:36:05.173" v="15" actId="1076"/>
+        <pc:sldMkLst>
+          <pc:docMk/>
+          <pc:sldMk cId="2475714864" sldId="261"/>
+        </pc:sldMkLst>
+        <pc:spChg chg="mod">
+          <ac:chgData name="Jack Pike" userId="S::jp13087@bristol.ac.uk::b1ab65cf-8e6a-4d64-88c4-df4ae85e23b5" providerId="AD" clId="Web-{729CE8ED-876F-4A1C-9B22-C1DE543A3950}" dt="2021-03-02T15:12:26.635" v="2" actId="20577"/>
+          <ac:spMkLst>
+            <pc:docMk/>
+            <pc:sldMk cId="2475714864" sldId="261"/>
+            <ac:spMk id="8" creationId="{7C560FCD-F8D9-43E4-9B46-9431A56F75B3}"/>
+          </ac:spMkLst>
+        </pc:spChg>
+        <pc:spChg chg="mod">
+          <ac:chgData name="Jack Pike" userId="S::jp13087@bristol.ac.uk::b1ab65cf-8e6a-4d64-88c4-df4ae85e23b5" providerId="AD" clId="Web-{729CE8ED-876F-4A1C-9B22-C1DE543A3950}" dt="2021-03-02T15:13:57.203" v="10" actId="20577"/>
+          <ac:spMkLst>
+            <pc:docMk/>
+            <pc:sldMk cId="2475714864" sldId="261"/>
+            <ac:spMk id="9" creationId="{7BABF798-5A63-4FB1-8913-05ADFB2B9C06}"/>
+          </ac:spMkLst>
+        </pc:spChg>
+        <pc:spChg chg="mod">
+          <ac:chgData name="Jack Pike" userId="S::jp13087@bristol.ac.uk::b1ab65cf-8e6a-4d64-88c4-df4ae85e23b5" providerId="AD" clId="Web-{729CE8ED-876F-4A1C-9B22-C1DE543A3950}" dt="2021-03-02T15:29:08.117" v="14"/>
+          <ac:spMkLst>
+            <pc:docMk/>
+            <pc:sldMk cId="2475714864" sldId="261"/>
+            <ac:spMk id="11" creationId="{32D8247C-A8AF-483E-8DBB-BBAD783F84FE}"/>
+          </ac:spMkLst>
+        </pc:spChg>
+        <pc:spChg chg="mod">
+          <ac:chgData name="Jack Pike" userId="S::jp13087@bristol.ac.uk::b1ab65cf-8e6a-4d64-88c4-df4ae85e23b5" providerId="AD" clId="Web-{729CE8ED-876F-4A1C-9B22-C1DE543A3950}" dt="2021-03-02T15:26:01.059" v="12"/>
+          <ac:spMkLst>
+            <pc:docMk/>
+            <pc:sldMk cId="2475714864" sldId="261"/>
+            <ac:spMk id="12" creationId="{10A5749E-59DA-4EFF-A577-9FBCFC526FA2}"/>
+          </ac:spMkLst>
+        </pc:spChg>
+        <pc:spChg chg="mod">
+          <ac:chgData name="Jack Pike" userId="S::jp13087@bristol.ac.uk::b1ab65cf-8e6a-4d64-88c4-df4ae85e23b5" providerId="AD" clId="Web-{729CE8ED-876F-4A1C-9B22-C1DE543A3950}" dt="2021-03-02T15:36:05.173" v="15" actId="1076"/>
+          <ac:spMkLst>
+            <pc:docMk/>
+            <pc:sldMk cId="2475714864" sldId="261"/>
+            <ac:spMk id="15" creationId="{2DFE58F3-7B0C-4A2F-BD04-7AD403A238AC}"/>
+          </ac:spMkLst>
+        </pc:spChg>
+        <pc:picChg chg="mod">
+          <ac:chgData name="Jack Pike" userId="S::jp13087@bristol.ac.uk::b1ab65cf-8e6a-4d64-88c4-df4ae85e23b5" providerId="AD" clId="Web-{729CE8ED-876F-4A1C-9B22-C1DE543A3950}" dt="2021-03-02T15:28:53.585" v="13" actId="1076"/>
+          <ac:picMkLst>
+            <pc:docMk/>
+            <pc:sldMk cId="2475714864" sldId="261"/>
+            <ac:picMk id="6" creationId="{5F0FB575-FD2C-4BDF-B59F-FC0A632D3665}"/>
+          </ac:picMkLst>
+        </pc:picChg>
+      </pc:sldChg>
+      <pc:sldChg chg="modSp">
+        <pc:chgData name="Jack Pike" userId="S::jp13087@bristol.ac.uk::b1ab65cf-8e6a-4d64-88c4-df4ae85e23b5" providerId="AD" clId="Web-{729CE8ED-876F-4A1C-9B22-C1DE543A3950}" dt="2021-03-02T15:43:26.825" v="18" actId="1076"/>
+        <pc:sldMkLst>
+          <pc:docMk/>
+          <pc:sldMk cId="719687068" sldId="266"/>
+        </pc:sldMkLst>
+        <pc:spChg chg="mod">
+          <ac:chgData name="Jack Pike" userId="S::jp13087@bristol.ac.uk::b1ab65cf-8e6a-4d64-88c4-df4ae85e23b5" providerId="AD" clId="Web-{729CE8ED-876F-4A1C-9B22-C1DE543A3950}" dt="2021-03-02T15:43:26.825" v="18" actId="1076"/>
+          <ac:spMkLst>
+            <pc:docMk/>
+            <pc:sldMk cId="719687068" sldId="266"/>
+            <ac:spMk id="2" creationId="{950975A9-3E27-4416-9760-0158081E3467}"/>
+          </ac:spMkLst>
+        </pc:spChg>
+      </pc:sldChg>
+    </pc:docChg>
+  </pc:docChgLst>
+  <pc:docChgLst>
     <pc:chgData name="Nathan Taylor" userId="S::nt17118@bristol.ac.uk::0523ead7-434e-4c25-ab12-2bdfbc130b0f" providerId="AD" clId="Web-{72F74E67-A7B6-4623-B21F-9E8B20E9251B}"/>
     <pc:docChg chg="modSld">
       <pc:chgData name="Nathan Taylor" userId="S::nt17118@bristol.ac.uk::0523ead7-434e-4c25-ab12-2bdfbc130b0f" providerId="AD" clId="Web-{72F74E67-A7B6-4623-B21F-9E8B20E9251B}" dt="2021-02-25T10:30:48.854" v="8" actId="1076"/>
@@ -962,362 +2131,1238 @@
     </pc:docChg>
   </pc:docChgLst>
   <pc:docChgLst>
-    <pc:chgData name="Jack Pike" userId="S::jp13087@bristol.ac.uk::b1ab65cf-8e6a-4d64-88c4-df4ae85e23b5" providerId="AD" clId="Web-{EB1EF6D9-661D-4780-BC60-F1EA91DAD4BB}"/>
+    <pc:chgData name="Vincenzo Gibilaro" userId="S::ar20516@bristol.ac.uk::eab578ca-e71f-4f1b-a11a-8297734153b7" providerId="AD" clId="Web-{992CC4AC-4AA1-4B6C-8A60-B3E6EFA5717F}"/>
     <pc:docChg chg="modSld">
-      <pc:chgData name="Jack Pike" userId="S::jp13087@bristol.ac.uk::b1ab65cf-8e6a-4d64-88c4-df4ae85e23b5" providerId="AD" clId="Web-{EB1EF6D9-661D-4780-BC60-F1EA91DAD4BB}" dt="2021-02-25T10:51:16.246" v="103" actId="1076"/>
+      <pc:chgData name="Vincenzo Gibilaro" userId="S::ar20516@bristol.ac.uk::eab578ca-e71f-4f1b-a11a-8297734153b7" providerId="AD" clId="Web-{992CC4AC-4AA1-4B6C-8A60-B3E6EFA5717F}" dt="2021-03-02T15:52:05.346" v="286" actId="20577"/>
       <pc:docMkLst>
         <pc:docMk/>
       </pc:docMkLst>
-      <pc:sldChg chg="addSp modSp">
-        <pc:chgData name="Jack Pike" userId="S::jp13087@bristol.ac.uk::b1ab65cf-8e6a-4d64-88c4-df4ae85e23b5" providerId="AD" clId="Web-{EB1EF6D9-661D-4780-BC60-F1EA91DAD4BB}" dt="2021-02-25T10:51:16.246" v="103" actId="1076"/>
+      <pc:sldChg chg="modSp modNotes">
+        <pc:chgData name="Vincenzo Gibilaro" userId="S::ar20516@bristol.ac.uk::eab578ca-e71f-4f1b-a11a-8297734153b7" providerId="AD" clId="Web-{992CC4AC-4AA1-4B6C-8A60-B3E6EFA5717F}" dt="2021-03-02T15:37:06.374" v="133"/>
+        <pc:sldMkLst>
+          <pc:docMk/>
+          <pc:sldMk cId="2475714864" sldId="261"/>
+        </pc:sldMkLst>
+        <pc:spChg chg="mod">
+          <ac:chgData name="Vincenzo Gibilaro" userId="S::ar20516@bristol.ac.uk::eab578ca-e71f-4f1b-a11a-8297734153b7" providerId="AD" clId="Web-{992CC4AC-4AA1-4B6C-8A60-B3E6EFA5717F}" dt="2021-03-02T15:20:31.258" v="86" actId="1076"/>
+          <ac:spMkLst>
+            <pc:docMk/>
+            <pc:sldMk cId="2475714864" sldId="261"/>
+            <ac:spMk id="8" creationId="{7C560FCD-F8D9-43E4-9B46-9431A56F75B3}"/>
+          </ac:spMkLst>
+        </pc:spChg>
+        <pc:spChg chg="mod">
+          <ac:chgData name="Vincenzo Gibilaro" userId="S::ar20516@bristol.ac.uk::eab578ca-e71f-4f1b-a11a-8297734153b7" providerId="AD" clId="Web-{992CC4AC-4AA1-4B6C-8A60-B3E6EFA5717F}" dt="2021-03-02T15:20:35.430" v="87" actId="1076"/>
+          <ac:spMkLst>
+            <pc:docMk/>
+            <pc:sldMk cId="2475714864" sldId="261"/>
+            <ac:spMk id="9" creationId="{7BABF798-5A63-4FB1-8913-05ADFB2B9C06}"/>
+          </ac:spMkLst>
+        </pc:spChg>
+        <pc:spChg chg="mod">
+          <ac:chgData name="Vincenzo Gibilaro" userId="S::ar20516@bristol.ac.uk::eab578ca-e71f-4f1b-a11a-8297734153b7" providerId="AD" clId="Web-{992CC4AC-4AA1-4B6C-8A60-B3E6EFA5717F}" dt="2021-03-02T15:18:12.224" v="84" actId="20577"/>
+          <ac:spMkLst>
+            <pc:docMk/>
+            <pc:sldMk cId="2475714864" sldId="261"/>
+            <ac:spMk id="11" creationId="{32D8247C-A8AF-483E-8DBB-BBAD783F84FE}"/>
+          </ac:spMkLst>
+        </pc:spChg>
+      </pc:sldChg>
+      <pc:sldChg chg="addSp delSp modSp">
+        <pc:chgData name="Vincenzo Gibilaro" userId="S::ar20516@bristol.ac.uk::eab578ca-e71f-4f1b-a11a-8297734153b7" providerId="AD" clId="Web-{992CC4AC-4AA1-4B6C-8A60-B3E6EFA5717F}" dt="2021-03-02T15:52:05.346" v="286" actId="20577"/>
+        <pc:sldMkLst>
+          <pc:docMk/>
+          <pc:sldMk cId="719687068" sldId="266"/>
+        </pc:sldMkLst>
+        <pc:spChg chg="mod">
+          <ac:chgData name="Vincenzo Gibilaro" userId="S::ar20516@bristol.ac.uk::eab578ca-e71f-4f1b-a11a-8297734153b7" providerId="AD" clId="Web-{992CC4AC-4AA1-4B6C-8A60-B3E6EFA5717F}" dt="2021-03-02T15:49:26.077" v="279" actId="20577"/>
+          <ac:spMkLst>
+            <pc:docMk/>
+            <pc:sldMk cId="719687068" sldId="266"/>
+            <ac:spMk id="3" creationId="{5597738A-5952-418F-BDB0-E475410FEEBA}"/>
+          </ac:spMkLst>
+        </pc:spChg>
+        <pc:spChg chg="mod">
+          <ac:chgData name="Vincenzo Gibilaro" userId="S::ar20516@bristol.ac.uk::eab578ca-e71f-4f1b-a11a-8297734153b7" providerId="AD" clId="Web-{992CC4AC-4AA1-4B6C-8A60-B3E6EFA5717F}" dt="2021-03-02T15:48:52.920" v="267" actId="14100"/>
+          <ac:spMkLst>
+            <pc:docMk/>
+            <pc:sldMk cId="719687068" sldId="266"/>
+            <ac:spMk id="5" creationId="{7B765971-3D61-47D0-8B60-54A7AA973439}"/>
+          </ac:spMkLst>
+        </pc:spChg>
+        <pc:spChg chg="add del mod">
+          <ac:chgData name="Vincenzo Gibilaro" userId="S::ar20516@bristol.ac.uk::eab578ca-e71f-4f1b-a11a-8297734153b7" providerId="AD" clId="Web-{992CC4AC-4AA1-4B6C-8A60-B3E6EFA5717F}" dt="2021-03-02T15:47:04.902" v="237"/>
+          <ac:spMkLst>
+            <pc:docMk/>
+            <pc:sldMk cId="719687068" sldId="266"/>
+            <ac:spMk id="8" creationId="{80198AB6-5491-4995-84FA-4FA36F7B6201}"/>
+          </ac:spMkLst>
+        </pc:spChg>
+        <pc:spChg chg="add mod">
+          <ac:chgData name="Vincenzo Gibilaro" userId="S::ar20516@bristol.ac.uk::eab578ca-e71f-4f1b-a11a-8297734153b7" providerId="AD" clId="Web-{992CC4AC-4AA1-4B6C-8A60-B3E6EFA5717F}" dt="2021-03-02T15:52:05.346" v="286" actId="20577"/>
+          <ac:spMkLst>
+            <pc:docMk/>
+            <pc:sldMk cId="719687068" sldId="266"/>
+            <ac:spMk id="11" creationId="{EDA6F4BC-9AFD-4127-8E7C-7C58E713452D}"/>
+          </ac:spMkLst>
+        </pc:spChg>
+        <pc:spChg chg="mod">
+          <ac:chgData name="Vincenzo Gibilaro" userId="S::ar20516@bristol.ac.uk::eab578ca-e71f-4f1b-a11a-8297734153b7" providerId="AD" clId="Web-{992CC4AC-4AA1-4B6C-8A60-B3E6EFA5717F}" dt="2021-03-02T15:12:31.139" v="16" actId="14100"/>
+          <ac:spMkLst>
+            <pc:docMk/>
+            <pc:sldMk cId="719687068" sldId="266"/>
+            <ac:spMk id="14" creationId="{358F223D-02A0-478B-A1EF-B97FDD88E757}"/>
+          </ac:spMkLst>
+        </pc:spChg>
+      </pc:sldChg>
+      <pc:sldChg chg="modSp modNotes">
+        <pc:chgData name="Vincenzo Gibilaro" userId="S::ar20516@bristol.ac.uk::eab578ca-e71f-4f1b-a11a-8297734153b7" providerId="AD" clId="Web-{992CC4AC-4AA1-4B6C-8A60-B3E6EFA5717F}" dt="2021-03-02T15:44:51.899" v="208"/>
         <pc:sldMkLst>
           <pc:docMk/>
           <pc:sldMk cId="1498169735" sldId="267"/>
         </pc:sldMkLst>
         <pc:spChg chg="mod">
-          <ac:chgData name="Jack Pike" userId="S::jp13087@bristol.ac.uk::b1ab65cf-8e6a-4d64-88c4-df4ae85e23b5" providerId="AD" clId="Web-{EB1EF6D9-661D-4780-BC60-F1EA91DAD4BB}" dt="2021-02-25T10:49:38.978" v="56" actId="20577"/>
-          <ac:spMkLst>
-            <pc:docMk/>
-            <pc:sldMk cId="1498169735" sldId="267"/>
-            <ac:spMk id="3" creationId="{F5EBD5A5-A6AB-4B5F-889A-DF5243959001}"/>
-          </ac:spMkLst>
-        </pc:spChg>
-        <pc:spChg chg="add mod">
-          <ac:chgData name="Jack Pike" userId="S::jp13087@bristol.ac.uk::b1ab65cf-8e6a-4d64-88c4-df4ae85e23b5" providerId="AD" clId="Web-{EB1EF6D9-661D-4780-BC60-F1EA91DAD4BB}" dt="2021-02-25T10:51:16.246" v="103" actId="1076"/>
+          <ac:chgData name="Vincenzo Gibilaro" userId="S::ar20516@bristol.ac.uk::eab578ca-e71f-4f1b-a11a-8297734153b7" providerId="AD" clId="Web-{992CC4AC-4AA1-4B6C-8A60-B3E6EFA5717F}" dt="2021-03-02T15:35:50.013" v="91" actId="14100"/>
           <ac:spMkLst>
             <pc:docMk/>
             <pc:sldMk cId="1498169735" sldId="267"/>
             <ac:spMk id="15" creationId="{62802937-5F3A-4AD5-8BED-1EFC15AAFFBA}"/>
           </ac:spMkLst>
         </pc:spChg>
+        <pc:spChg chg="mod">
+          <ac:chgData name="Vincenzo Gibilaro" userId="S::ar20516@bristol.ac.uk::eab578ca-e71f-4f1b-a11a-8297734153b7" providerId="AD" clId="Web-{992CC4AC-4AA1-4B6C-8A60-B3E6EFA5717F}" dt="2021-03-02T15:12:22.764" v="8" actId="14100"/>
+          <ac:spMkLst>
+            <pc:docMk/>
+            <pc:sldMk cId="1498169735" sldId="267"/>
+            <ac:spMk id="24" creationId="{C272D93E-20A5-4CD1-B6CF-743FB61996E6}"/>
+          </ac:spMkLst>
+        </pc:spChg>
       </pc:sldChg>
-      <pc:sldChg chg="addSp modSp">
-        <pc:chgData name="Jack Pike" userId="S::jp13087@bristol.ac.uk::b1ab65cf-8e6a-4d64-88c4-df4ae85e23b5" providerId="AD" clId="Web-{EB1EF6D9-661D-4780-BC60-F1EA91DAD4BB}" dt="2021-02-25T10:46:57.302" v="44" actId="14100"/>
-        <pc:sldMkLst>
-          <pc:docMk/>
-          <pc:sldMk cId="3028044990" sldId="269"/>
-        </pc:sldMkLst>
-        <pc:picChg chg="add mod">
-          <ac:chgData name="Jack Pike" userId="S::jp13087@bristol.ac.uk::b1ab65cf-8e6a-4d64-88c4-df4ae85e23b5" providerId="AD" clId="Web-{EB1EF6D9-661D-4780-BC60-F1EA91DAD4BB}" dt="2021-02-25T10:46:57.302" v="44" actId="14100"/>
-          <ac:picMkLst>
-            <pc:docMk/>
-            <pc:sldMk cId="3028044990" sldId="269"/>
-            <ac:picMk id="6" creationId="{629F2B62-0276-4A9A-A520-6931E5A47C5A}"/>
-          </ac:picMkLst>
-        </pc:picChg>
-      </pc:sldChg>
-    </pc:docChg>
-  </pc:docChgLst>
-  <pc:docChgLst>
-    <pc:chgData name="Harry Smith" userId="S::hs14428@bristol.ac.uk::8221085d-c3ba-4c78-8468-7619165127b6" providerId="AD" clId="Web-{B37CC4C5-11A1-4FF5-839B-D511CEE6BBEF}"/>
-    <pc:docChg chg="modSld">
-      <pc:chgData name="Harry Smith" userId="S::hs14428@bristol.ac.uk::8221085d-c3ba-4c78-8468-7619165127b6" providerId="AD" clId="Web-{B37CC4C5-11A1-4FF5-839B-D511CEE6BBEF}" dt="2021-02-25T11:09:42.517" v="285" actId="20577"/>
-      <pc:docMkLst>
-        <pc:docMk/>
-      </pc:docMkLst>
-      <pc:sldChg chg="addSp modSp">
-        <pc:chgData name="Harry Smith" userId="S::hs14428@bristol.ac.uk::8221085d-c3ba-4c78-8468-7619165127b6" providerId="AD" clId="Web-{B37CC4C5-11A1-4FF5-839B-D511CEE6BBEF}" dt="2021-02-25T11:09:17.985" v="281" actId="1076"/>
-        <pc:sldMkLst>
-          <pc:docMk/>
-          <pc:sldMk cId="719687068" sldId="266"/>
-        </pc:sldMkLst>
-        <pc:spChg chg="mod">
-          <ac:chgData name="Harry Smith" userId="S::hs14428@bristol.ac.uk::8221085d-c3ba-4c78-8468-7619165127b6" providerId="AD" clId="Web-{B37CC4C5-11A1-4FF5-839B-D511CEE6BBEF}" dt="2021-02-25T11:05:46.823" v="249" actId="14100"/>
-          <ac:spMkLst>
-            <pc:docMk/>
-            <pc:sldMk cId="719687068" sldId="266"/>
-            <ac:spMk id="2" creationId="{950975A9-3E27-4416-9760-0158081E3467}"/>
-          </ac:spMkLst>
-        </pc:spChg>
-        <pc:spChg chg="mod">
-          <ac:chgData name="Harry Smith" userId="S::hs14428@bristol.ac.uk::8221085d-c3ba-4c78-8468-7619165127b6" providerId="AD" clId="Web-{B37CC4C5-11A1-4FF5-839B-D511CEE6BBEF}" dt="2021-02-25T10:45:39.244" v="153" actId="1076"/>
-          <ac:spMkLst>
-            <pc:docMk/>
-            <pc:sldMk cId="719687068" sldId="266"/>
-            <ac:spMk id="3" creationId="{5597738A-5952-418F-BDB0-E475410FEEBA}"/>
-          </ac:spMkLst>
-        </pc:spChg>
-        <pc:spChg chg="mod">
-          <ac:chgData name="Harry Smith" userId="S::hs14428@bristol.ac.uk::8221085d-c3ba-4c78-8468-7619165127b6" providerId="AD" clId="Web-{B37CC4C5-11A1-4FF5-839B-D511CEE6BBEF}" dt="2021-02-25T10:45:41.087" v="154" actId="1076"/>
-          <ac:spMkLst>
-            <pc:docMk/>
-            <pc:sldMk cId="719687068" sldId="266"/>
-            <ac:spMk id="5" creationId="{7B765971-3D61-47D0-8B60-54A7AA973439}"/>
-          </ac:spMkLst>
-        </pc:spChg>
-        <pc:spChg chg="add mod ord">
-          <ac:chgData name="Harry Smith" userId="S::hs14428@bristol.ac.uk::8221085d-c3ba-4c78-8468-7619165127b6" providerId="AD" clId="Web-{B37CC4C5-11A1-4FF5-839B-D511CEE6BBEF}" dt="2021-02-25T11:05:12.713" v="242"/>
-          <ac:spMkLst>
-            <pc:docMk/>
-            <pc:sldMk cId="719687068" sldId="266"/>
-            <ac:spMk id="9" creationId="{FF4EA7E0-FC5F-4475-8F77-77A319DE6179}"/>
-          </ac:spMkLst>
-        </pc:spChg>
-        <pc:spChg chg="add mod ord">
-          <ac:chgData name="Harry Smith" userId="S::hs14428@bristol.ac.uk::8221085d-c3ba-4c78-8468-7619165127b6" providerId="AD" clId="Web-{B37CC4C5-11A1-4FF5-839B-D511CEE6BBEF}" dt="2021-02-25T11:08:04.030" v="263" actId="14100"/>
-          <ac:spMkLst>
-            <pc:docMk/>
-            <pc:sldMk cId="719687068" sldId="266"/>
-            <ac:spMk id="15" creationId="{822CF72F-01C0-481A-B20D-5DB690B0F21B}"/>
-          </ac:spMkLst>
-        </pc:spChg>
-        <pc:picChg chg="mod">
-          <ac:chgData name="Harry Smith" userId="S::hs14428@bristol.ac.uk::8221085d-c3ba-4c78-8468-7619165127b6" providerId="AD" clId="Web-{B37CC4C5-11A1-4FF5-839B-D511CEE6BBEF}" dt="2021-02-25T11:07:18.951" v="255" actId="14100"/>
-          <ac:picMkLst>
-            <pc:docMk/>
-            <pc:sldMk cId="719687068" sldId="266"/>
-            <ac:picMk id="10" creationId="{59FB1A6E-CFA6-41BE-AA87-4CF7D6035637}"/>
-          </ac:picMkLst>
-        </pc:picChg>
-        <pc:picChg chg="mod ord">
-          <ac:chgData name="Harry Smith" userId="S::hs14428@bristol.ac.uk::8221085d-c3ba-4c78-8468-7619165127b6" providerId="AD" clId="Web-{B37CC4C5-11A1-4FF5-839B-D511CEE6BBEF}" dt="2021-02-25T11:09:17.985" v="281" actId="1076"/>
-          <ac:picMkLst>
-            <pc:docMk/>
-            <pc:sldMk cId="719687068" sldId="266"/>
-            <ac:picMk id="12" creationId="{0C3A73ED-F66E-4DA0-A7A9-112DF2DDE743}"/>
-          </ac:picMkLst>
-        </pc:picChg>
-      </pc:sldChg>
-      <pc:sldChg chg="addSp modSp">
-        <pc:chgData name="Harry Smith" userId="S::hs14428@bristol.ac.uk::8221085d-c3ba-4c78-8468-7619165127b6" providerId="AD" clId="Web-{B37CC4C5-11A1-4FF5-839B-D511CEE6BBEF}" dt="2021-02-25T11:09:32.829" v="284" actId="14100"/>
-        <pc:sldMkLst>
-          <pc:docMk/>
-          <pc:sldMk cId="1498169735" sldId="267"/>
-        </pc:sldMkLst>
-        <pc:spChg chg="mod">
-          <ac:chgData name="Harry Smith" userId="S::hs14428@bristol.ac.uk::8221085d-c3ba-4c78-8468-7619165127b6" providerId="AD" clId="Web-{B37CC4C5-11A1-4FF5-839B-D511CEE6BBEF}" dt="2021-02-25T11:08:38.156" v="271" actId="14100"/>
-          <ac:spMkLst>
-            <pc:docMk/>
-            <pc:sldMk cId="1498169735" sldId="267"/>
-            <ac:spMk id="2" creationId="{950975A9-3E27-4416-9760-0158081E3467}"/>
-          </ac:spMkLst>
-        </pc:spChg>
-        <pc:spChg chg="mod">
-          <ac:chgData name="Harry Smith" userId="S::hs14428@bristol.ac.uk::8221085d-c3ba-4c78-8468-7619165127b6" providerId="AD" clId="Web-{B37CC4C5-11A1-4FF5-839B-D511CEE6BBEF}" dt="2021-02-25T11:09:32.829" v="284" actId="14100"/>
-          <ac:spMkLst>
-            <pc:docMk/>
-            <pc:sldMk cId="1498169735" sldId="267"/>
-            <ac:spMk id="16" creationId="{86633E20-E005-47D1-8C27-17982D49AE2D}"/>
-          </ac:spMkLst>
-        </pc:spChg>
-        <pc:spChg chg="mod">
-          <ac:chgData name="Harry Smith" userId="S::hs14428@bristol.ac.uk::8221085d-c3ba-4c78-8468-7619165127b6" providerId="AD" clId="Web-{B37CC4C5-11A1-4FF5-839B-D511CEE6BBEF}" dt="2021-02-25T11:09:30.048" v="283" actId="14100"/>
-          <ac:spMkLst>
-            <pc:docMk/>
-            <pc:sldMk cId="1498169735" sldId="267"/>
-            <ac:spMk id="19" creationId="{7E151EE9-A9B0-441D-B778-0529183AFD98}"/>
-          </ac:spMkLst>
-        </pc:spChg>
-        <pc:spChg chg="add mod ord">
-          <ac:chgData name="Harry Smith" userId="S::hs14428@bristol.ac.uk::8221085d-c3ba-4c78-8468-7619165127b6" providerId="AD" clId="Web-{B37CC4C5-11A1-4FF5-839B-D511CEE6BBEF}" dt="2021-02-25T11:08:21.327" v="267" actId="1076"/>
-          <ac:spMkLst>
-            <pc:docMk/>
-            <pc:sldMk cId="1498169735" sldId="267"/>
-            <ac:spMk id="23" creationId="{822CF72F-01C0-481A-B20D-5DB690B0F21B}"/>
-          </ac:spMkLst>
-        </pc:spChg>
-        <pc:spChg chg="add mod">
-          <ac:chgData name="Harry Smith" userId="S::hs14428@bristol.ac.uk::8221085d-c3ba-4c78-8468-7619165127b6" providerId="AD" clId="Web-{B37CC4C5-11A1-4FF5-839B-D511CEE6BBEF}" dt="2021-02-25T11:09:12.750" v="280" actId="14100"/>
-          <ac:spMkLst>
-            <pc:docMk/>
-            <pc:sldMk cId="1498169735" sldId="267"/>
-            <ac:spMk id="25" creationId="{822CF72F-01C0-481A-B20D-5DB690B0F21B}"/>
-          </ac:spMkLst>
-        </pc:spChg>
-        <pc:picChg chg="mod">
-          <ac:chgData name="Harry Smith" userId="S::hs14428@bristol.ac.uk::8221085d-c3ba-4c78-8468-7619165127b6" providerId="AD" clId="Web-{B37CC4C5-11A1-4FF5-839B-D511CEE6BBEF}" dt="2021-02-25T11:08:32.437" v="270" actId="14100"/>
-          <ac:picMkLst>
-            <pc:docMk/>
-            <pc:sldMk cId="1498169735" sldId="267"/>
-            <ac:picMk id="17" creationId="{4B3B4AE6-D225-485D-B20D-FE520EABEECD}"/>
-          </ac:picMkLst>
-        </pc:picChg>
-        <pc:picChg chg="add">
-          <ac:chgData name="Harry Smith" userId="S::hs14428@bristol.ac.uk::8221085d-c3ba-4c78-8468-7619165127b6" providerId="AD" clId="Web-{B37CC4C5-11A1-4FF5-839B-D511CEE6BBEF}" dt="2021-02-25T11:09:19.766" v="282"/>
-          <ac:picMkLst>
-            <pc:docMk/>
-            <pc:sldMk cId="1498169735" sldId="267"/>
-            <ac:picMk id="20" creationId="{0F191843-E358-4EAD-9866-033CBD0C97A6}"/>
-          </ac:picMkLst>
-        </pc:picChg>
-        <pc:picChg chg="mod">
-          <ac:chgData name="Harry Smith" userId="S::hs14428@bristol.ac.uk::8221085d-c3ba-4c78-8468-7619165127b6" providerId="AD" clId="Web-{B37CC4C5-11A1-4FF5-839B-D511CEE6BBEF}" dt="2021-02-25T11:08:50.875" v="275" actId="14100"/>
-          <ac:picMkLst>
-            <pc:docMk/>
-            <pc:sldMk cId="1498169735" sldId="267"/>
-            <ac:picMk id="22" creationId="{E233DF7E-93B7-466A-9303-1BF49A476CB6}"/>
-          </ac:picMkLst>
-        </pc:picChg>
-      </pc:sldChg>
-      <pc:sldChg chg="addSp delSp modSp">
-        <pc:chgData name="Harry Smith" userId="S::hs14428@bristol.ac.uk::8221085d-c3ba-4c78-8468-7619165127b6" providerId="AD" clId="Web-{B37CC4C5-11A1-4FF5-839B-D511CEE6BBEF}" dt="2021-02-25T11:09:42.517" v="285" actId="20577"/>
+      <pc:sldChg chg="modSp">
+        <pc:chgData name="Vincenzo Gibilaro" userId="S::ar20516@bristol.ac.uk::eab578ca-e71f-4f1b-a11a-8297734153b7" providerId="AD" clId="Web-{992CC4AC-4AA1-4B6C-8A60-B3E6EFA5717F}" dt="2021-03-02T15:12:37.311" v="22" actId="14100"/>
         <pc:sldMkLst>
           <pc:docMk/>
           <pc:sldMk cId="2961914207" sldId="268"/>
         </pc:sldMkLst>
         <pc:spChg chg="mod">
-          <ac:chgData name="Harry Smith" userId="S::hs14428@bristol.ac.uk::8221085d-c3ba-4c78-8468-7619165127b6" providerId="AD" clId="Web-{B37CC4C5-11A1-4FF5-839B-D511CEE6BBEF}" dt="2021-02-25T10:49:16.218" v="167" actId="14100"/>
-          <ac:spMkLst>
-            <pc:docMk/>
-            <pc:sldMk cId="2961914207" sldId="268"/>
-            <ac:spMk id="2" creationId="{950975A9-3E27-4416-9760-0158081E3467}"/>
-          </ac:spMkLst>
-        </pc:spChg>
-        <pc:spChg chg="add mod">
-          <ac:chgData name="Harry Smith" userId="S::hs14428@bristol.ac.uk::8221085d-c3ba-4c78-8468-7619165127b6" providerId="AD" clId="Web-{B37CC4C5-11A1-4FF5-839B-D511CEE6BBEF}" dt="2021-02-25T10:48:32.373" v="162" actId="1076"/>
-          <ac:spMkLst>
-            <pc:docMk/>
-            <pc:sldMk cId="2961914207" sldId="268"/>
-            <ac:spMk id="3" creationId="{9F63CB4B-37A8-447B-9E50-811F2F55E1A9}"/>
-          </ac:spMkLst>
-        </pc:spChg>
-        <pc:spChg chg="add mod">
-          <ac:chgData name="Harry Smith" userId="S::hs14428@bristol.ac.uk::8221085d-c3ba-4c78-8468-7619165127b6" providerId="AD" clId="Web-{B37CC4C5-11A1-4FF5-839B-D511CEE6BBEF}" dt="2021-02-25T10:48:45.670" v="164" actId="1076"/>
-          <ac:spMkLst>
-            <pc:docMk/>
-            <pc:sldMk cId="2961914207" sldId="268"/>
-            <ac:spMk id="7" creationId="{37511CF6-635C-4D95-A4D3-C6FC5F6A7176}"/>
-          </ac:spMkLst>
-        </pc:spChg>
-        <pc:spChg chg="add mod">
-          <ac:chgData name="Harry Smith" userId="S::hs14428@bristol.ac.uk::8221085d-c3ba-4c78-8468-7619165127b6" providerId="AD" clId="Web-{B37CC4C5-11A1-4FF5-839B-D511CEE6BBEF}" dt="2021-02-25T10:50:09.251" v="176" actId="1076"/>
-          <ac:spMkLst>
-            <pc:docMk/>
-            <pc:sldMk cId="2961914207" sldId="268"/>
-            <ac:spMk id="9" creationId="{097CC3D7-D34E-4A56-918C-677BC417AF1A}"/>
-          </ac:spMkLst>
-        </pc:spChg>
-        <pc:spChg chg="add mod">
-          <ac:chgData name="Harry Smith" userId="S::hs14428@bristol.ac.uk::8221085d-c3ba-4c78-8468-7619165127b6" providerId="AD" clId="Web-{B37CC4C5-11A1-4FF5-839B-D511CEE6BBEF}" dt="2021-02-25T10:50:09.251" v="177" actId="1076"/>
-          <ac:spMkLst>
-            <pc:docMk/>
-            <pc:sldMk cId="2961914207" sldId="268"/>
-            <ac:spMk id="10" creationId="{D42E938B-37EF-40A9-BF11-09BE2553467A}"/>
-          </ac:spMkLst>
-        </pc:spChg>
-        <pc:spChg chg="add mod">
-          <ac:chgData name="Harry Smith" userId="S::hs14428@bristol.ac.uk::8221085d-c3ba-4c78-8468-7619165127b6" providerId="AD" clId="Web-{B37CC4C5-11A1-4FF5-839B-D511CEE6BBEF}" dt="2021-02-25T10:49:41.828" v="174" actId="1076"/>
-          <ac:spMkLst>
-            <pc:docMk/>
-            <pc:sldMk cId="2961914207" sldId="268"/>
-            <ac:spMk id="16" creationId="{FFC3DA0F-1F7A-4DCF-AE7B-18B5C20316D4}"/>
-          </ac:spMkLst>
-        </pc:spChg>
-        <pc:spChg chg="add mod">
-          <ac:chgData name="Harry Smith" userId="S::hs14428@bristol.ac.uk::8221085d-c3ba-4c78-8468-7619165127b6" providerId="AD" clId="Web-{B37CC4C5-11A1-4FF5-839B-D511CEE6BBEF}" dt="2021-02-25T11:09:42.517" v="285" actId="20577"/>
-          <ac:spMkLst>
-            <pc:docMk/>
-            <pc:sldMk cId="2961914207" sldId="268"/>
-            <ac:spMk id="17" creationId="{5945224C-2080-47D6-B385-7D443B334386}"/>
-          </ac:spMkLst>
-        </pc:spChg>
-        <pc:spChg chg="add mod">
-          <ac:chgData name="Harry Smith" userId="S::hs14428@bristol.ac.uk::8221085d-c3ba-4c78-8468-7619165127b6" providerId="AD" clId="Web-{B37CC4C5-11A1-4FF5-839B-D511CEE6BBEF}" dt="2021-02-25T10:52:02.004" v="217"/>
-          <ac:spMkLst>
-            <pc:docMk/>
-            <pc:sldMk cId="2961914207" sldId="268"/>
-            <ac:spMk id="18" creationId="{E9722FF9-F9B3-47B2-A8DB-ED0CED0EB088}"/>
-          </ac:spMkLst>
-        </pc:spChg>
-        <pc:spChg chg="add mod">
-          <ac:chgData name="Harry Smith" userId="S::hs14428@bristol.ac.uk::8221085d-c3ba-4c78-8468-7619165127b6" providerId="AD" clId="Web-{B37CC4C5-11A1-4FF5-839B-D511CEE6BBEF}" dt="2021-02-25T11:04:54.134" v="239" actId="1076"/>
+          <ac:chgData name="Vincenzo Gibilaro" userId="S::ar20516@bristol.ac.uk::eab578ca-e71f-4f1b-a11a-8297734153b7" providerId="AD" clId="Web-{992CC4AC-4AA1-4B6C-8A60-B3E6EFA5717F}" dt="2021-03-02T15:12:37.311" v="22" actId="14100"/>
           <ac:spMkLst>
             <pc:docMk/>
             <pc:sldMk cId="2961914207" sldId="268"/>
             <ac:spMk id="20" creationId="{8B0EE34D-3A43-47EC-A583-7B60E629C09D}"/>
           </ac:spMkLst>
         </pc:spChg>
-        <pc:spChg chg="add del">
-          <ac:chgData name="Harry Smith" userId="S::hs14428@bristol.ac.uk::8221085d-c3ba-4c78-8468-7619165127b6" providerId="AD" clId="Web-{B37CC4C5-11A1-4FF5-839B-D511CEE6BBEF}" dt="2021-02-25T11:04:45.087" v="235"/>
-          <ac:spMkLst>
-            <pc:docMk/>
-            <pc:sldMk cId="2961914207" sldId="268"/>
-            <ac:spMk id="21" creationId="{10394D3B-25A5-40A9-A747-57497FF9B662}"/>
-          </ac:spMkLst>
-        </pc:spChg>
-        <pc:spChg chg="add del mod">
-          <ac:chgData name="Harry Smith" userId="S::hs14428@bristol.ac.uk::8221085d-c3ba-4c78-8468-7619165127b6" providerId="AD" clId="Web-{B37CC4C5-11A1-4FF5-839B-D511CEE6BBEF}" dt="2021-02-25T11:07:11.560" v="254"/>
-          <ac:spMkLst>
-            <pc:docMk/>
-            <pc:sldMk cId="2961914207" sldId="268"/>
-            <ac:spMk id="22" creationId="{7AA3142A-B185-4F17-9CCA-DE9C6F94E469}"/>
-          </ac:spMkLst>
-        </pc:spChg>
-        <pc:picChg chg="add mod">
-          <ac:chgData name="Harry Smith" userId="S::hs14428@bristol.ac.uk::8221085d-c3ba-4c78-8468-7619165127b6" providerId="AD" clId="Web-{B37CC4C5-11A1-4FF5-839B-D511CEE6BBEF}" dt="2021-02-25T10:49:46.313" v="175" actId="14100"/>
-          <ac:picMkLst>
-            <pc:docMk/>
-            <pc:sldMk cId="2961914207" sldId="268"/>
-            <ac:picMk id="12" creationId="{D7DC4703-5E11-49F1-95A3-7A2E3C12DA68}"/>
-          </ac:picMkLst>
-        </pc:picChg>
-        <pc:picChg chg="add">
-          <ac:chgData name="Harry Smith" userId="S::hs14428@bristol.ac.uk::8221085d-c3ba-4c78-8468-7619165127b6" providerId="AD" clId="Web-{B37CC4C5-11A1-4FF5-839B-D511CEE6BBEF}" dt="2021-02-25T10:48:29.076" v="161"/>
-          <ac:picMkLst>
-            <pc:docMk/>
-            <pc:sldMk cId="2961914207" sldId="268"/>
-            <ac:picMk id="14" creationId="{B30BC52D-C1D3-4144-980A-FD4721AE05FF}"/>
-          </ac:picMkLst>
-        </pc:picChg>
       </pc:sldChg>
-      <pc:sldChg chg="addSp delSp modSp">
-        <pc:chgData name="Harry Smith" userId="S::hs14428@bristol.ac.uk::8221085d-c3ba-4c78-8468-7619165127b6" providerId="AD" clId="Web-{B37CC4C5-11A1-4FF5-839B-D511CEE6BBEF}" dt="2021-02-25T10:54:14.226" v="233" actId="14100"/>
+      <pc:sldChg chg="modSp">
+        <pc:chgData name="Vincenzo Gibilaro" userId="S::ar20516@bristol.ac.uk::eab578ca-e71f-4f1b-a11a-8297734153b7" providerId="AD" clId="Web-{992CC4AC-4AA1-4B6C-8A60-B3E6EFA5717F}" dt="2021-03-02T15:12:47.171" v="29" actId="1076"/>
         <pc:sldMkLst>
           <pc:docMk/>
           <pc:sldMk cId="3028044990" sldId="269"/>
         </pc:sldMkLst>
         <pc:spChg chg="mod">
-          <ac:chgData name="Harry Smith" userId="S::hs14428@bristol.ac.uk::8221085d-c3ba-4c78-8468-7619165127b6" providerId="AD" clId="Web-{B37CC4C5-11A1-4FF5-839B-D511CEE6BBEF}" dt="2021-02-25T10:53:22.334" v="226" actId="14100"/>
-          <ac:spMkLst>
-            <pc:docMk/>
-            <pc:sldMk cId="3028044990" sldId="269"/>
-            <ac:spMk id="7" creationId="{07A2DC72-EBE1-4E3E-9081-6610A328D721}"/>
-          </ac:spMkLst>
-        </pc:spChg>
-        <pc:spChg chg="del">
-          <ac:chgData name="Harry Smith" userId="S::hs14428@bristol.ac.uk::8221085d-c3ba-4c78-8468-7619165127b6" providerId="AD" clId="Web-{B37CC4C5-11A1-4FF5-839B-D511CEE6BBEF}" dt="2021-02-25T10:53:09.834" v="222"/>
-          <ac:spMkLst>
-            <pc:docMk/>
-            <pc:sldMk cId="3028044990" sldId="269"/>
-            <ac:spMk id="8" creationId="{AEFDCE09-EF65-4612-8776-651B476F3168}"/>
-          </ac:spMkLst>
-        </pc:spChg>
-        <pc:spChg chg="add mod">
-          <ac:chgData name="Harry Smith" userId="S::hs14428@bristol.ac.uk::8221085d-c3ba-4c78-8468-7619165127b6" providerId="AD" clId="Web-{B37CC4C5-11A1-4FF5-839B-D511CEE6BBEF}" dt="2021-02-25T10:53:27.866" v="227" actId="1076"/>
+          <ac:chgData name="Vincenzo Gibilaro" userId="S::ar20516@bristol.ac.uk::eab578ca-e71f-4f1b-a11a-8297734153b7" providerId="AD" clId="Web-{992CC4AC-4AA1-4B6C-8A60-B3E6EFA5717F}" dt="2021-03-02T15:12:47.171" v="29" actId="1076"/>
           <ac:spMkLst>
             <pc:docMk/>
             <pc:sldMk cId="3028044990" sldId="269"/>
             <ac:spMk id="12" creationId="{037CB02E-A4C1-4501-B17D-886F532519D4}"/>
           </ac:spMkLst>
         </pc:spChg>
-        <pc:picChg chg="mod">
-          <ac:chgData name="Harry Smith" userId="S::hs14428@bristol.ac.uk::8221085d-c3ba-4c78-8468-7619165127b6" providerId="AD" clId="Web-{B37CC4C5-11A1-4FF5-839B-D511CEE6BBEF}" dt="2021-02-25T10:54:14.226" v="233" actId="14100"/>
-          <ac:picMkLst>
-            <pc:docMk/>
-            <pc:sldMk cId="3028044990" sldId="269"/>
-            <ac:picMk id="3" creationId="{A34E3ECC-FBF8-4251-9068-B37399857C9F}"/>
-          </ac:picMkLst>
-        </pc:picChg>
-        <pc:picChg chg="add mod">
-          <ac:chgData name="Harry Smith" userId="S::hs14428@bristol.ac.uk::8221085d-c3ba-4c78-8468-7619165127b6" providerId="AD" clId="Web-{B37CC4C5-11A1-4FF5-839B-D511CEE6BBEF}" dt="2021-02-25T10:42:22.504" v="86" actId="1076"/>
-          <ac:picMkLst>
-            <pc:docMk/>
-            <pc:sldMk cId="3028044990" sldId="269"/>
-            <ac:picMk id="5" creationId="{4F2AE4F7-B1F9-4DED-AB0C-CFDDEEDDB851}"/>
-          </ac:picMkLst>
-        </pc:picChg>
-        <pc:picChg chg="mod">
-          <ac:chgData name="Harry Smith" userId="S::hs14428@bristol.ac.uk::8221085d-c3ba-4c78-8468-7619165127b6" providerId="AD" clId="Web-{B37CC4C5-11A1-4FF5-839B-D511CEE6BBEF}" dt="2021-02-25T10:53:35.897" v="228" actId="1076"/>
-          <ac:picMkLst>
-            <pc:docMk/>
-            <pc:sldMk cId="3028044990" sldId="269"/>
-            <ac:picMk id="6" creationId="{629F2B62-0276-4A9A-A520-6931E5A47C5A}"/>
-          </ac:picMkLst>
-        </pc:picChg>
       </pc:sldChg>
     </pc:docChg>
   </pc:docChgLst>
 </pc:chgInfo>
+</file>
+
+<file path=ppt/notesMasters/notesMaster1.xml><?xml version="1.0" encoding="utf-8"?>
+<p:notesMaster xmlns:a="http://schemas.openxmlformats.org/drawingml/2006/main" xmlns:r="http://schemas.openxmlformats.org/officeDocument/2006/relationships" xmlns:p="http://schemas.openxmlformats.org/presentationml/2006/main">
+  <p:cSld>
+    <p:bg>
+      <p:bgRef idx="1001">
+        <a:schemeClr val="bg1"/>
+      </p:bgRef>
+    </p:bg>
+    <p:spTree>
+      <p:nvGrpSpPr>
+        <p:cNvPr id="1" name=""/>
+        <p:cNvGrpSpPr/>
+        <p:nvPr/>
+      </p:nvGrpSpPr>
+      <p:grpSpPr>
+        <a:xfrm>
+          <a:off x="0" y="0"/>
+          <a:ext cx="0" cy="0"/>
+          <a:chOff x="0" y="0"/>
+          <a:chExt cx="0" cy="0"/>
+        </a:xfrm>
+      </p:grpSpPr>
+      <p:sp>
+        <p:nvSpPr>
+          <p:cNvPr id="2" name="Header Placeholder 1"/>
+          <p:cNvSpPr>
+            <a:spLocks noGrp="1"/>
+          </p:cNvSpPr>
+          <p:nvPr>
+            <p:ph type="hdr" sz="quarter"/>
+          </p:nvPr>
+        </p:nvSpPr>
+        <p:spPr>
+          <a:xfrm>
+            <a:off x="0" y="0"/>
+            <a:ext cx="2971800" cy="458788"/>
+          </a:xfrm>
+          <a:prstGeom prst="rect">
+            <a:avLst/>
+          </a:prstGeom>
+        </p:spPr>
+        <p:txBody>
+          <a:bodyPr vert="horz" lIns="91440" tIns="45720" rIns="91440" bIns="45720" rtlCol="0"/>
+          <a:lstStyle>
+            <a:lvl1pPr algn="l">
+              <a:defRPr sz="1200"/>
+            </a:lvl1pPr>
+          </a:lstStyle>
+          <a:p>
+            <a:endParaRPr lang="en-GB"/>
+          </a:p>
+        </p:txBody>
+      </p:sp>
+      <p:sp>
+        <p:nvSpPr>
+          <p:cNvPr id="3" name="Date Placeholder 2"/>
+          <p:cNvSpPr>
+            <a:spLocks noGrp="1"/>
+          </p:cNvSpPr>
+          <p:nvPr>
+            <p:ph type="dt" idx="1"/>
+          </p:nvPr>
+        </p:nvSpPr>
+        <p:spPr>
+          <a:xfrm>
+            <a:off x="3884613" y="0"/>
+            <a:ext cx="2971800" cy="458788"/>
+          </a:xfrm>
+          <a:prstGeom prst="rect">
+            <a:avLst/>
+          </a:prstGeom>
+        </p:spPr>
+        <p:txBody>
+          <a:bodyPr vert="horz" lIns="91440" tIns="45720" rIns="91440" bIns="45720" rtlCol="0"/>
+          <a:lstStyle>
+            <a:lvl1pPr algn="r">
+              <a:defRPr sz="1200"/>
+            </a:lvl1pPr>
+          </a:lstStyle>
+          <a:p>
+            <a:fld id="{C3EC9133-644E-4B55-B9CB-BDC445E75470}" type="datetimeFigureOut">
+              <a:rPr lang="en-GB"/>
+              <a:t>02/03/2021</a:t>
+            </a:fld>
+            <a:endParaRPr lang="en-GB"/>
+          </a:p>
+        </p:txBody>
+      </p:sp>
+      <p:sp>
+        <p:nvSpPr>
+          <p:cNvPr id="4" name="Slide Image Placeholder 3"/>
+          <p:cNvSpPr>
+            <a:spLocks noGrp="1" noRot="1" noChangeAspect="1"/>
+          </p:cNvSpPr>
+          <p:nvPr>
+            <p:ph type="sldImg" idx="2"/>
+          </p:nvPr>
+        </p:nvSpPr>
+        <p:spPr>
+          <a:xfrm>
+            <a:off x="685800" y="1143000"/>
+            <a:ext cx="5486400" cy="3086100"/>
+          </a:xfrm>
+          <a:prstGeom prst="rect">
+            <a:avLst/>
+          </a:prstGeom>
+          <a:noFill/>
+          <a:ln w="12700">
+            <a:solidFill>
+              <a:prstClr val="black"/>
+            </a:solidFill>
+          </a:ln>
+        </p:spPr>
+        <p:txBody>
+          <a:bodyPr vert="horz" lIns="91440" tIns="45720" rIns="91440" bIns="45720" rtlCol="0" anchor="ctr"/>
+          <a:lstStyle/>
+          <a:p>
+            <a:endParaRPr lang="en-GB"/>
+          </a:p>
+        </p:txBody>
+      </p:sp>
+      <p:sp>
+        <p:nvSpPr>
+          <p:cNvPr id="5" name="Notes Placeholder 4"/>
+          <p:cNvSpPr>
+            <a:spLocks noGrp="1"/>
+          </p:cNvSpPr>
+          <p:nvPr>
+            <p:ph type="body" sz="quarter" idx="3"/>
+          </p:nvPr>
+        </p:nvSpPr>
+        <p:spPr>
+          <a:xfrm>
+            <a:off x="685800" y="4400550"/>
+            <a:ext cx="5486400" cy="3600450"/>
+          </a:xfrm>
+          <a:prstGeom prst="rect">
+            <a:avLst/>
+          </a:prstGeom>
+        </p:spPr>
+        <p:txBody>
+          <a:bodyPr vert="horz" lIns="91440" tIns="45720" rIns="91440" bIns="45720" rtlCol="0"/>
+          <a:lstStyle/>
+          <a:p>
+            <a:pPr lvl="0"/>
+            <a:r>
+              <a:rPr lang="en-GB"/>
+              <a:t>Click to edit Master text styles</a:t>
+            </a:r>
+          </a:p>
+          <a:p>
+            <a:pPr lvl="1"/>
+            <a:r>
+              <a:rPr lang="en-GB"/>
+              <a:t>Second level</a:t>
+            </a:r>
+          </a:p>
+          <a:p>
+            <a:pPr lvl="2"/>
+            <a:r>
+              <a:rPr lang="en-GB"/>
+              <a:t>Third level</a:t>
+            </a:r>
+          </a:p>
+          <a:p>
+            <a:pPr lvl="3"/>
+            <a:r>
+              <a:rPr lang="en-GB"/>
+              <a:t>Fourth level</a:t>
+            </a:r>
+          </a:p>
+          <a:p>
+            <a:pPr lvl="4"/>
+            <a:r>
+              <a:rPr lang="en-GB"/>
+              <a:t>Fifth level</a:t>
+            </a:r>
+          </a:p>
+        </p:txBody>
+      </p:sp>
+      <p:sp>
+        <p:nvSpPr>
+          <p:cNvPr id="6" name="Footer Placeholder 5"/>
+          <p:cNvSpPr>
+            <a:spLocks noGrp="1"/>
+          </p:cNvSpPr>
+          <p:nvPr>
+            <p:ph type="ftr" sz="quarter" idx="4"/>
+          </p:nvPr>
+        </p:nvSpPr>
+        <p:spPr>
+          <a:xfrm>
+            <a:off x="0" y="8685213"/>
+            <a:ext cx="2971800" cy="458787"/>
+          </a:xfrm>
+          <a:prstGeom prst="rect">
+            <a:avLst/>
+          </a:prstGeom>
+        </p:spPr>
+        <p:txBody>
+          <a:bodyPr vert="horz" lIns="91440" tIns="45720" rIns="91440" bIns="45720" rtlCol="0" anchor="b"/>
+          <a:lstStyle>
+            <a:lvl1pPr algn="l">
+              <a:defRPr sz="1200"/>
+            </a:lvl1pPr>
+          </a:lstStyle>
+          <a:p>
+            <a:endParaRPr lang="en-GB"/>
+          </a:p>
+        </p:txBody>
+      </p:sp>
+      <p:sp>
+        <p:nvSpPr>
+          <p:cNvPr id="7" name="Slide Number Placeholder 6"/>
+          <p:cNvSpPr>
+            <a:spLocks noGrp="1"/>
+          </p:cNvSpPr>
+          <p:nvPr>
+            <p:ph type="sldNum" sz="quarter" idx="5"/>
+          </p:nvPr>
+        </p:nvSpPr>
+        <p:spPr>
+          <a:xfrm>
+            <a:off x="3884613" y="8685213"/>
+            <a:ext cx="2971800" cy="458787"/>
+          </a:xfrm>
+          <a:prstGeom prst="rect">
+            <a:avLst/>
+          </a:prstGeom>
+        </p:spPr>
+        <p:txBody>
+          <a:bodyPr vert="horz" lIns="91440" tIns="45720" rIns="91440" bIns="45720" rtlCol="0" anchor="b"/>
+          <a:lstStyle>
+            <a:lvl1pPr algn="r">
+              <a:defRPr sz="1200"/>
+            </a:lvl1pPr>
+          </a:lstStyle>
+          <a:p>
+            <a:fld id="{A5DCDAF9-5881-42B4-A236-374A723F3ED2}" type="slidenum">
+              <a:rPr lang="en-GB"/>
+              <a:t>‹#›</a:t>
+            </a:fld>
+            <a:endParaRPr lang="en-GB"/>
+          </a:p>
+        </p:txBody>
+      </p:sp>
+    </p:spTree>
+    <p:extLst>
+      <p:ext uri="{BB962C8B-B14F-4D97-AF65-F5344CB8AC3E}">
+        <p14:creationId xmlns:p14="http://schemas.microsoft.com/office/powerpoint/2010/main" val="1111759115"/>
+      </p:ext>
+    </p:extLst>
+  </p:cSld>
+  <p:clrMap bg1="lt1" tx1="dk1" bg2="lt2" tx2="dk2" accent1="accent1" accent2="accent2" accent3="accent3" accent4="accent4" accent5="accent5" accent6="accent6" hlink="hlink" folHlink="folHlink"/>
+  <p:notesStyle>
+    <a:lvl1pPr marL="0" algn="l" defTabSz="914400" rtl="0" eaLnBrk="1" latinLnBrk="0" hangingPunct="1">
+      <a:defRPr sz="1200" kern="1200">
+        <a:solidFill>
+          <a:schemeClr val="tx1"/>
+        </a:solidFill>
+        <a:latin typeface="+mn-lt"/>
+        <a:ea typeface="+mn-ea"/>
+        <a:cs typeface="+mn-cs"/>
+      </a:defRPr>
+    </a:lvl1pPr>
+    <a:lvl2pPr marL="457200" algn="l" defTabSz="914400" rtl="0" eaLnBrk="1" latinLnBrk="0" hangingPunct="1">
+      <a:defRPr sz="1200" kern="1200">
+        <a:solidFill>
+          <a:schemeClr val="tx1"/>
+        </a:solidFill>
+        <a:latin typeface="+mn-lt"/>
+        <a:ea typeface="+mn-ea"/>
+        <a:cs typeface="+mn-cs"/>
+      </a:defRPr>
+    </a:lvl2pPr>
+    <a:lvl3pPr marL="914400" algn="l" defTabSz="914400" rtl="0" eaLnBrk="1" latinLnBrk="0" hangingPunct="1">
+      <a:defRPr sz="1200" kern="1200">
+        <a:solidFill>
+          <a:schemeClr val="tx1"/>
+        </a:solidFill>
+        <a:latin typeface="+mn-lt"/>
+        <a:ea typeface="+mn-ea"/>
+        <a:cs typeface="+mn-cs"/>
+      </a:defRPr>
+    </a:lvl3pPr>
+    <a:lvl4pPr marL="1371600" algn="l" defTabSz="914400" rtl="0" eaLnBrk="1" latinLnBrk="0" hangingPunct="1">
+      <a:defRPr sz="1200" kern="1200">
+        <a:solidFill>
+          <a:schemeClr val="tx1"/>
+        </a:solidFill>
+        <a:latin typeface="+mn-lt"/>
+        <a:ea typeface="+mn-ea"/>
+        <a:cs typeface="+mn-cs"/>
+      </a:defRPr>
+    </a:lvl4pPr>
+    <a:lvl5pPr marL="1828800" algn="l" defTabSz="914400" rtl="0" eaLnBrk="1" latinLnBrk="0" hangingPunct="1">
+      <a:defRPr sz="1200" kern="1200">
+        <a:solidFill>
+          <a:schemeClr val="tx1"/>
+        </a:solidFill>
+        <a:latin typeface="+mn-lt"/>
+        <a:ea typeface="+mn-ea"/>
+        <a:cs typeface="+mn-cs"/>
+      </a:defRPr>
+    </a:lvl5pPr>
+    <a:lvl6pPr marL="2286000" algn="l" defTabSz="914400" rtl="0" eaLnBrk="1" latinLnBrk="0" hangingPunct="1">
+      <a:defRPr sz="1200" kern="1200">
+        <a:solidFill>
+          <a:schemeClr val="tx1"/>
+        </a:solidFill>
+        <a:latin typeface="+mn-lt"/>
+        <a:ea typeface="+mn-ea"/>
+        <a:cs typeface="+mn-cs"/>
+      </a:defRPr>
+    </a:lvl6pPr>
+    <a:lvl7pPr marL="2743200" algn="l" defTabSz="914400" rtl="0" eaLnBrk="1" latinLnBrk="0" hangingPunct="1">
+      <a:defRPr sz="1200" kern="1200">
+        <a:solidFill>
+          <a:schemeClr val="tx1"/>
+        </a:solidFill>
+        <a:latin typeface="+mn-lt"/>
+        <a:ea typeface="+mn-ea"/>
+        <a:cs typeface="+mn-cs"/>
+      </a:defRPr>
+    </a:lvl7pPr>
+    <a:lvl8pPr marL="3200400" algn="l" defTabSz="914400" rtl="0" eaLnBrk="1" latinLnBrk="0" hangingPunct="1">
+      <a:defRPr sz="1200" kern="1200">
+        <a:solidFill>
+          <a:schemeClr val="tx1"/>
+        </a:solidFill>
+        <a:latin typeface="+mn-lt"/>
+        <a:ea typeface="+mn-ea"/>
+        <a:cs typeface="+mn-cs"/>
+      </a:defRPr>
+    </a:lvl8pPr>
+    <a:lvl9pPr marL="3657600" algn="l" defTabSz="914400" rtl="0" eaLnBrk="1" latinLnBrk="0" hangingPunct="1">
+      <a:defRPr sz="1200" kern="1200">
+        <a:solidFill>
+          <a:schemeClr val="tx1"/>
+        </a:solidFill>
+        <a:latin typeface="+mn-lt"/>
+        <a:ea typeface="+mn-ea"/>
+        <a:cs typeface="+mn-cs"/>
+      </a:defRPr>
+    </a:lvl9pPr>
+  </p:notesStyle>
+</p:notesMaster>
+</file>
+
+<file path=ppt/notesSlides/notesSlide1.xml><?xml version="1.0" encoding="utf-8"?>
+<p:notes xmlns:a="http://schemas.openxmlformats.org/drawingml/2006/main" xmlns:r="http://schemas.openxmlformats.org/officeDocument/2006/relationships" xmlns:p="http://schemas.openxmlformats.org/presentationml/2006/main">
+  <p:cSld>
+    <p:spTree>
+      <p:nvGrpSpPr>
+        <p:cNvPr id="1" name=""/>
+        <p:cNvGrpSpPr/>
+        <p:nvPr/>
+      </p:nvGrpSpPr>
+      <p:grpSpPr>
+        <a:xfrm>
+          <a:off x="0" y="0"/>
+          <a:ext cx="0" cy="0"/>
+          <a:chOff x="0" y="0"/>
+          <a:chExt cx="0" cy="0"/>
+        </a:xfrm>
+      </p:grpSpPr>
+      <p:sp>
+        <p:nvSpPr>
+          <p:cNvPr id="2" name="Slide Image Placeholder 1"/>
+          <p:cNvSpPr>
+            <a:spLocks noGrp="1" noRot="1" noChangeAspect="1"/>
+          </p:cNvSpPr>
+          <p:nvPr>
+            <p:ph type="sldImg"/>
+          </p:nvPr>
+        </p:nvSpPr>
+        <p:spPr/>
+      </p:sp>
+      <p:sp>
+        <p:nvSpPr>
+          <p:cNvPr id="3" name="Notes Placeholder 2"/>
+          <p:cNvSpPr>
+            <a:spLocks noGrp="1"/>
+          </p:cNvSpPr>
+          <p:nvPr>
+            <p:ph type="body" idx="1"/>
+          </p:nvPr>
+        </p:nvSpPr>
+        <p:spPr/>
+        <p:txBody>
+          <a:bodyPr/>
+          <a:lstStyle/>
+          <a:p>
+            <a:r>
+              <a:rPr lang="en-US">
+                <a:cs typeface="Calibri"/>
+              </a:rPr>
+              <a:t>Changes on this slide</a:t>
+            </a:r>
+          </a:p>
+          <a:p>
+            <a:r>
+              <a:rPr lang="en-US">
+                <a:cs typeface="Calibri"/>
+              </a:rPr>
+              <a:t>- changes title to would they lie to u</a:t>
+            </a:r>
+          </a:p>
+          <a:p>
+            <a:r>
+              <a:rPr lang="en-US">
+                <a:cs typeface="Calibri"/>
+              </a:rPr>
+              <a:t>- added first strapline "Woke-up and smell the bacon"</a:t>
+            </a:r>
+          </a:p>
+          <a:p>
+            <a:r>
+              <a:rPr lang="en-US">
+                <a:cs typeface="Calibri"/>
+              </a:rPr>
+              <a:t>- changed format – big quiz button and text underneath (including background + graphs + images)</a:t>
+            </a:r>
+          </a:p>
+          <a:p>
+            <a:r>
+              <a:rPr lang="en-US">
+                <a:cs typeface="Calibri"/>
+              </a:rPr>
+              <a:t>- played around with </a:t>
+            </a:r>
+            <a:r>
+              <a:rPr lang="en-US" err="1">
+                <a:cs typeface="Calibri"/>
+              </a:rPr>
+              <a:t>colour</a:t>
+            </a:r>
+            <a:r>
+              <a:rPr lang="en-US">
+                <a:cs typeface="Calibri"/>
+              </a:rPr>
+              <a:t> scheme </a:t>
+            </a:r>
+          </a:p>
+          <a:p>
+            <a:r>
+              <a:rPr lang="en-US">
+                <a:cs typeface="Calibri"/>
+              </a:rPr>
+              <a:t>- suggestion of instead of login, having something similar to cookie clicker -&gt; keeps score from last time u were on the     site – widget in top right</a:t>
+            </a:r>
+          </a:p>
+          <a:p>
+            <a:r>
+              <a:rPr lang="en-US">
+                <a:cs typeface="Calibri"/>
+              </a:rPr>
+              <a:t>-</a:t>
+            </a:r>
+            <a:r>
+              <a:rPr lang="en-US" err="1">
+                <a:cs typeface="Calibri"/>
+              </a:rPr>
+              <a:t>I.e</a:t>
+            </a:r>
+            <a:r>
+              <a:rPr lang="en-US">
+                <a:cs typeface="Calibri"/>
+              </a:rPr>
+              <a:t> storing user progress (maybe see: </a:t>
+            </a:r>
+            <a:r>
+              <a:rPr lang="en-US">
+                <a:hlinkClick r:id="rId3"/>
+              </a:rPr>
+              <a:t>https://stackoverflow.com/questions/9198316/storing-user-progress-in-php-sessions</a:t>
+            </a:r>
+            <a:r>
+              <a:rPr lang="en-US"/>
+              <a:t> ?)</a:t>
+            </a:r>
+            <a:endParaRPr lang="en-US">
+              <a:cs typeface="Calibri"/>
+            </a:endParaRPr>
+          </a:p>
+          <a:p>
+            <a:endParaRPr lang="en-US">
+              <a:cs typeface="Calibri"/>
+            </a:endParaRPr>
+          </a:p>
+          <a:p>
+            <a:endParaRPr lang="en-US">
+              <a:cs typeface="Calibri"/>
+            </a:endParaRPr>
+          </a:p>
+          <a:p>
+            <a:endParaRPr lang="en-US">
+              <a:cs typeface="Calibri"/>
+            </a:endParaRPr>
+          </a:p>
+          <a:p>
+            <a:r>
+              <a:rPr lang="en-US">
+                <a:cs typeface="Calibri"/>
+              </a:rPr>
+              <a:t>Name ideas – serious...  to ask people </a:t>
+            </a:r>
+          </a:p>
+          <a:p>
+            <a:endParaRPr lang="en-US">
+              <a:cs typeface="Calibri"/>
+            </a:endParaRPr>
+          </a:p>
+          <a:p>
+            <a:r>
+              <a:rPr lang="en-US">
+                <a:cs typeface="Calibri"/>
+              </a:rPr>
+              <a:t>-&gt; Would they lie to you?</a:t>
+            </a:r>
+          </a:p>
+        </p:txBody>
+      </p:sp>
+      <p:sp>
+        <p:nvSpPr>
+          <p:cNvPr id="4" name="Slide Number Placeholder 3"/>
+          <p:cNvSpPr>
+            <a:spLocks noGrp="1"/>
+          </p:cNvSpPr>
+          <p:nvPr>
+            <p:ph type="sldNum" sz="quarter" idx="5"/>
+          </p:nvPr>
+        </p:nvSpPr>
+        <p:spPr/>
+        <p:txBody>
+          <a:bodyPr/>
+          <a:lstStyle/>
+          <a:p>
+            <a:fld id="{A5DCDAF9-5881-42B4-A236-374A723F3ED2}" type="slidenum">
+              <a:rPr lang="en-GB"/>
+              <a:t>1</a:t>
+            </a:fld>
+            <a:endParaRPr lang="en-GB"/>
+          </a:p>
+        </p:txBody>
+      </p:sp>
+    </p:spTree>
+    <p:extLst>
+      <p:ext uri="{BB962C8B-B14F-4D97-AF65-F5344CB8AC3E}">
+        <p14:creationId xmlns:p14="http://schemas.microsoft.com/office/powerpoint/2010/main" val="2057509480"/>
+      </p:ext>
+    </p:extLst>
+  </p:cSld>
+  <p:clrMapOvr>
+    <a:masterClrMapping/>
+  </p:clrMapOvr>
+</p:notes>
+</file>
+
+<file path=ppt/notesSlides/notesSlide2.xml><?xml version="1.0" encoding="utf-8"?>
+<p:notes xmlns:a="http://schemas.openxmlformats.org/drawingml/2006/main" xmlns:r="http://schemas.openxmlformats.org/officeDocument/2006/relationships" xmlns:p="http://schemas.openxmlformats.org/presentationml/2006/main">
+  <p:cSld>
+    <p:spTree>
+      <p:nvGrpSpPr>
+        <p:cNvPr id="1" name=""/>
+        <p:cNvGrpSpPr/>
+        <p:nvPr/>
+      </p:nvGrpSpPr>
+      <p:grpSpPr>
+        <a:xfrm>
+          <a:off x="0" y="0"/>
+          <a:ext cx="0" cy="0"/>
+          <a:chOff x="0" y="0"/>
+          <a:chExt cx="0" cy="0"/>
+        </a:xfrm>
+      </p:grpSpPr>
+      <p:sp>
+        <p:nvSpPr>
+          <p:cNvPr id="2" name="Slide Image Placeholder 1"/>
+          <p:cNvSpPr>
+            <a:spLocks noGrp="1" noRot="1" noChangeAspect="1"/>
+          </p:cNvSpPr>
+          <p:nvPr>
+            <p:ph type="sldImg"/>
+          </p:nvPr>
+        </p:nvSpPr>
+        <p:spPr/>
+      </p:sp>
+      <p:sp>
+        <p:nvSpPr>
+          <p:cNvPr id="3" name="Notes Placeholder 2"/>
+          <p:cNvSpPr>
+            <a:spLocks noGrp="1"/>
+          </p:cNvSpPr>
+          <p:nvPr>
+            <p:ph type="body" idx="1"/>
+          </p:nvPr>
+        </p:nvSpPr>
+        <p:spPr/>
+        <p:txBody>
+          <a:bodyPr/>
+          <a:lstStyle/>
+          <a:p>
+            <a:r>
+              <a:rPr lang="en-US">
+                <a:cs typeface="Calibri"/>
+              </a:rPr>
+              <a:t>Data categories</a:t>
+            </a:r>
+          </a:p>
+          <a:p>
+            <a:r>
+              <a:rPr lang="en-US">
+                <a:cs typeface="Calibri"/>
+              </a:rPr>
+              <a:t>- Brexit </a:t>
+            </a:r>
+          </a:p>
+          <a:p>
+            <a:r>
+              <a:rPr lang="en-US">
+                <a:cs typeface="Calibri"/>
+              </a:rPr>
+              <a:t>- covid </a:t>
+            </a:r>
+          </a:p>
+          <a:p>
+            <a:r>
+              <a:rPr lang="en-US">
+                <a:cs typeface="Calibri"/>
+              </a:rPr>
+              <a:t>- celebrities</a:t>
+            </a:r>
+          </a:p>
+          <a:p>
+            <a:r>
+              <a:rPr lang="en-US">
+                <a:cs typeface="Calibri"/>
+              </a:rPr>
+              <a:t>- US politics </a:t>
+            </a:r>
+          </a:p>
+          <a:p>
+            <a:r>
+              <a:rPr lang="en-US">
+                <a:cs typeface="Calibri"/>
+              </a:rPr>
+              <a:t>- r e l </a:t>
+            </a:r>
+            <a:r>
+              <a:rPr lang="en-US" err="1">
+                <a:cs typeface="Calibri"/>
+              </a:rPr>
+              <a:t>i</a:t>
+            </a:r>
+            <a:r>
+              <a:rPr lang="en-US">
+                <a:cs typeface="Calibri"/>
+              </a:rPr>
+              <a:t> g </a:t>
+            </a:r>
+            <a:r>
+              <a:rPr lang="en-US" err="1">
+                <a:cs typeface="Calibri"/>
+              </a:rPr>
+              <a:t>i</a:t>
+            </a:r>
+            <a:r>
+              <a:rPr lang="en-US">
+                <a:cs typeface="Calibri"/>
+              </a:rPr>
+              <a:t> o n😤</a:t>
+            </a:r>
+          </a:p>
+          <a:p>
+            <a:r>
+              <a:rPr lang="en-US">
+                <a:cs typeface="Calibri"/>
+              </a:rPr>
+              <a:t>- flat earth society</a:t>
+            </a:r>
+          </a:p>
+          <a:p>
+            <a:r>
+              <a:rPr lang="en-US">
+                <a:cs typeface="Calibri"/>
+              </a:rPr>
+              <a:t>- climate change</a:t>
+            </a:r>
+          </a:p>
+          <a:p>
+            <a:endParaRPr lang="en-US">
+              <a:cs typeface="Calibri"/>
+            </a:endParaRPr>
+          </a:p>
+          <a:p>
+            <a:endParaRPr lang="en-US">
+              <a:cs typeface="Calibri"/>
+            </a:endParaRPr>
+          </a:p>
+          <a:p>
+            <a:r>
+              <a:rPr lang="en-US">
+                <a:cs typeface="Calibri"/>
+              </a:rPr>
+              <a:t>Front end ideas:</a:t>
+            </a:r>
+          </a:p>
+          <a:p>
+            <a:r>
+              <a:rPr lang="en-US">
+                <a:hlinkClick r:id="rId3"/>
+              </a:rPr>
+              <a:t>https://codepen.io/jrms999/pen/eRQrqY</a:t>
+            </a:r>
+            <a:r>
+              <a:rPr lang="en-US"/>
+              <a:t> - different hover styles for buttons</a:t>
+            </a:r>
+            <a:endParaRPr lang="en-US">
+              <a:cs typeface="Calibri"/>
+            </a:endParaRPr>
+          </a:p>
+        </p:txBody>
+      </p:sp>
+      <p:sp>
+        <p:nvSpPr>
+          <p:cNvPr id="4" name="Slide Number Placeholder 3"/>
+          <p:cNvSpPr>
+            <a:spLocks noGrp="1"/>
+          </p:cNvSpPr>
+          <p:nvPr>
+            <p:ph type="sldNum" sz="quarter" idx="5"/>
+          </p:nvPr>
+        </p:nvSpPr>
+        <p:spPr/>
+        <p:txBody>
+          <a:bodyPr/>
+          <a:lstStyle/>
+          <a:p>
+            <a:fld id="{A5DCDAF9-5881-42B4-A236-374A723F3ED2}" type="slidenum">
+              <a:rPr lang="en-GB"/>
+              <a:t>2</a:t>
+            </a:fld>
+            <a:endParaRPr lang="en-GB"/>
+          </a:p>
+        </p:txBody>
+      </p:sp>
+    </p:spTree>
+    <p:extLst>
+      <p:ext uri="{BB962C8B-B14F-4D97-AF65-F5344CB8AC3E}">
+        <p14:creationId xmlns:p14="http://schemas.microsoft.com/office/powerpoint/2010/main" val="2125338402"/>
+      </p:ext>
+    </p:extLst>
+  </p:cSld>
+  <p:clrMapOvr>
+    <a:masterClrMapping/>
+  </p:clrMapOvr>
+</p:notes>
+</file>
+
+<file path=ppt/notesSlides/notesSlide3.xml><?xml version="1.0" encoding="utf-8"?>
+<p:notes xmlns:a="http://schemas.openxmlformats.org/drawingml/2006/main" xmlns:r="http://schemas.openxmlformats.org/officeDocument/2006/relationships" xmlns:p="http://schemas.openxmlformats.org/presentationml/2006/main">
+  <p:cSld>
+    <p:spTree>
+      <p:nvGrpSpPr>
+        <p:cNvPr id="1" name=""/>
+        <p:cNvGrpSpPr/>
+        <p:nvPr/>
+      </p:nvGrpSpPr>
+      <p:grpSpPr>
+        <a:xfrm>
+          <a:off x="0" y="0"/>
+          <a:ext cx="0" cy="0"/>
+          <a:chOff x="0" y="0"/>
+          <a:chExt cx="0" cy="0"/>
+        </a:xfrm>
+      </p:grpSpPr>
+      <p:sp>
+        <p:nvSpPr>
+          <p:cNvPr id="2" name="Slide Image Placeholder 1"/>
+          <p:cNvSpPr>
+            <a:spLocks noGrp="1" noRot="1" noChangeAspect="1"/>
+          </p:cNvSpPr>
+          <p:nvPr>
+            <p:ph type="sldImg"/>
+          </p:nvPr>
+        </p:nvSpPr>
+        <p:spPr/>
+      </p:sp>
+      <p:sp>
+        <p:nvSpPr>
+          <p:cNvPr id="3" name="Notes Placeholder 2"/>
+          <p:cNvSpPr>
+            <a:spLocks noGrp="1"/>
+          </p:cNvSpPr>
+          <p:nvPr>
+            <p:ph type="body" idx="1"/>
+          </p:nvPr>
+        </p:nvSpPr>
+        <p:spPr/>
+        <p:txBody>
+          <a:bodyPr/>
+          <a:lstStyle/>
+          <a:p>
+            <a:r>
+              <a:rPr lang="en-US">
+                <a:cs typeface="Calibri"/>
+              </a:rPr>
+              <a:t>Changes:</a:t>
+            </a:r>
+          </a:p>
+          <a:p>
+            <a:r>
+              <a:rPr lang="en-US">
+                <a:cs typeface="Calibri"/>
+              </a:rPr>
+              <a:t>-remove next arrow as clicking the answer will automatically take you through to the answer</a:t>
+            </a:r>
+          </a:p>
+          <a:p>
+            <a:r>
+              <a:rPr lang="en-US">
+                <a:cs typeface="Calibri"/>
+              </a:rPr>
+              <a:t>-move headline and breakings new </a:t>
+            </a:r>
+          </a:p>
+          <a:p>
+            <a:r>
+              <a:rPr lang="en-US">
+                <a:cs typeface="Calibri"/>
+              </a:rPr>
+              <a:t>- progress bar and question number count</a:t>
+            </a:r>
+          </a:p>
+          <a:p>
+            <a:r>
+              <a:rPr lang="en-US">
+                <a:cs typeface="Calibri"/>
+              </a:rPr>
+              <a:t>- added don’t know selection -&gt; this Is so we can collect data on whether the user was misinformed or just didn’t know about the topic / news article – hence we can distinguish between why people are getting it wrong </a:t>
+            </a:r>
+          </a:p>
+        </p:txBody>
+      </p:sp>
+      <p:sp>
+        <p:nvSpPr>
+          <p:cNvPr id="4" name="Slide Number Placeholder 3"/>
+          <p:cNvSpPr>
+            <a:spLocks noGrp="1"/>
+          </p:cNvSpPr>
+          <p:nvPr>
+            <p:ph type="sldNum" sz="quarter" idx="5"/>
+          </p:nvPr>
+        </p:nvSpPr>
+        <p:spPr/>
+        <p:txBody>
+          <a:bodyPr/>
+          <a:lstStyle/>
+          <a:p>
+            <a:fld id="{A5DCDAF9-5881-42B4-A236-374A723F3ED2}" type="slidenum">
+              <a:rPr lang="en-GB"/>
+              <a:t>3</a:t>
+            </a:fld>
+            <a:endParaRPr lang="en-GB"/>
+          </a:p>
+        </p:txBody>
+      </p:sp>
+    </p:spTree>
+    <p:extLst>
+      <p:ext uri="{BB962C8B-B14F-4D97-AF65-F5344CB8AC3E}">
+        <p14:creationId xmlns:p14="http://schemas.microsoft.com/office/powerpoint/2010/main" val="3955902278"/>
+      </p:ext>
+    </p:extLst>
+  </p:cSld>
+  <p:clrMapOvr>
+    <a:masterClrMapping/>
+  </p:clrMapOvr>
+</p:notes>
+</file>
+
+<file path=ppt/notesSlides/notesSlide4.xml><?xml version="1.0" encoding="utf-8"?>
+<p:notes xmlns:a="http://schemas.openxmlformats.org/drawingml/2006/main" xmlns:r="http://schemas.openxmlformats.org/officeDocument/2006/relationships" xmlns:p="http://schemas.openxmlformats.org/presentationml/2006/main">
+  <p:cSld>
+    <p:spTree>
+      <p:nvGrpSpPr>
+        <p:cNvPr id="1" name=""/>
+        <p:cNvGrpSpPr/>
+        <p:nvPr/>
+      </p:nvGrpSpPr>
+      <p:grpSpPr>
+        <a:xfrm>
+          <a:off x="0" y="0"/>
+          <a:ext cx="0" cy="0"/>
+          <a:chOff x="0" y="0"/>
+          <a:chExt cx="0" cy="0"/>
+        </a:xfrm>
+      </p:grpSpPr>
+      <p:sp>
+        <p:nvSpPr>
+          <p:cNvPr id="2" name="Slide Image Placeholder 1"/>
+          <p:cNvSpPr>
+            <a:spLocks noGrp="1" noRot="1" noChangeAspect="1"/>
+          </p:cNvSpPr>
+          <p:nvPr>
+            <p:ph type="sldImg"/>
+          </p:nvPr>
+        </p:nvSpPr>
+        <p:spPr/>
+      </p:sp>
+      <p:sp>
+        <p:nvSpPr>
+          <p:cNvPr id="3" name="Notes Placeholder 2"/>
+          <p:cNvSpPr>
+            <a:spLocks noGrp="1"/>
+          </p:cNvSpPr>
+          <p:nvPr>
+            <p:ph type="body" idx="1"/>
+          </p:nvPr>
+        </p:nvSpPr>
+        <p:spPr/>
+        <p:txBody>
+          <a:bodyPr/>
+          <a:lstStyle/>
+          <a:p>
+            <a:r>
+              <a:rPr lang="en-US">
+                <a:cs typeface="Calibri"/>
+              </a:rPr>
+              <a:t>If Changes</a:t>
+            </a:r>
+          </a:p>
+          <a:p>
+            <a:r>
+              <a:rPr lang="en-US">
+                <a:cs typeface="Calibri"/>
+              </a:rPr>
+              <a:t>- Headline stat will show % of people who got question wrong if it was true / got question right if it was fake</a:t>
+            </a:r>
+          </a:p>
+          <a:p>
+            <a:r>
+              <a:rPr lang="en-US">
+                <a:cs typeface="Calibri"/>
+              </a:rPr>
+              <a:t>- Add pie/doughnut showing breakdown of respondents answers</a:t>
+            </a:r>
+          </a:p>
+          <a:p>
+            <a:r>
+              <a:rPr lang="en-US">
+                <a:cs typeface="Calibri"/>
+              </a:rPr>
+              <a:t>- if correct, add one to start co- tell them they got it right</a:t>
+            </a:r>
+          </a:p>
+        </p:txBody>
+      </p:sp>
+      <p:sp>
+        <p:nvSpPr>
+          <p:cNvPr id="4" name="Slide Number Placeholder 3"/>
+          <p:cNvSpPr>
+            <a:spLocks noGrp="1"/>
+          </p:cNvSpPr>
+          <p:nvPr>
+            <p:ph type="sldNum" sz="quarter" idx="5"/>
+          </p:nvPr>
+        </p:nvSpPr>
+        <p:spPr/>
+        <p:txBody>
+          <a:bodyPr/>
+          <a:lstStyle/>
+          <a:p>
+            <a:fld id="{A5DCDAF9-5881-42B4-A236-374A723F3ED2}" type="slidenum">
+              <a:rPr lang="en-GB"/>
+              <a:t>4</a:t>
+            </a:fld>
+            <a:endParaRPr lang="en-GB"/>
+          </a:p>
+        </p:txBody>
+      </p:sp>
+    </p:spTree>
+    <p:extLst>
+      <p:ext uri="{BB962C8B-B14F-4D97-AF65-F5344CB8AC3E}">
+        <p14:creationId xmlns:p14="http://schemas.microsoft.com/office/powerpoint/2010/main" val="1994899231"/>
+      </p:ext>
+    </p:extLst>
+  </p:cSld>
+  <p:clrMapOvr>
+    <a:masterClrMapping/>
+  </p:clrMapOvr>
+</p:notes>
+</file>
+
+<file path=ppt/notesSlides/notesSlide5.xml><?xml version="1.0" encoding="utf-8"?>
+<p:notes xmlns:a="http://schemas.openxmlformats.org/drawingml/2006/main" xmlns:r="http://schemas.openxmlformats.org/officeDocument/2006/relationships" xmlns:p="http://schemas.openxmlformats.org/presentationml/2006/main">
+  <p:cSld>
+    <p:spTree>
+      <p:nvGrpSpPr>
+        <p:cNvPr id="1" name=""/>
+        <p:cNvGrpSpPr/>
+        <p:nvPr/>
+      </p:nvGrpSpPr>
+      <p:grpSpPr>
+        <a:xfrm>
+          <a:off x="0" y="0"/>
+          <a:ext cx="0" cy="0"/>
+          <a:chOff x="0" y="0"/>
+          <a:chExt cx="0" cy="0"/>
+        </a:xfrm>
+      </p:grpSpPr>
+      <p:sp>
+        <p:nvSpPr>
+          <p:cNvPr id="2" name="Slide Image Placeholder 1"/>
+          <p:cNvSpPr>
+            <a:spLocks noGrp="1" noRot="1" noChangeAspect="1"/>
+          </p:cNvSpPr>
+          <p:nvPr>
+            <p:ph type="sldImg"/>
+          </p:nvPr>
+        </p:nvSpPr>
+        <p:spPr/>
+      </p:sp>
+      <p:sp>
+        <p:nvSpPr>
+          <p:cNvPr id="3" name="Notes Placeholder 2"/>
+          <p:cNvSpPr>
+            <a:spLocks noGrp="1"/>
+          </p:cNvSpPr>
+          <p:nvPr>
+            <p:ph type="body" idx="1"/>
+          </p:nvPr>
+        </p:nvSpPr>
+        <p:spPr/>
+        <p:txBody>
+          <a:bodyPr/>
+          <a:lstStyle/>
+          <a:p>
+            <a:r>
+              <a:rPr lang="en-US">
+                <a:cs typeface="Calibri"/>
+              </a:rPr>
+              <a:t>Utilize the larger datasets that we have with the breakdown and splits of various new sources to show fake news stats/viz</a:t>
+            </a:r>
+          </a:p>
+          <a:p>
+            <a:r>
+              <a:rPr lang="en-US">
+                <a:cs typeface="Calibri"/>
+              </a:rPr>
+              <a:t>Google trends data on different</a:t>
+            </a:r>
+          </a:p>
+        </p:txBody>
+      </p:sp>
+      <p:sp>
+        <p:nvSpPr>
+          <p:cNvPr id="4" name="Slide Number Placeholder 3"/>
+          <p:cNvSpPr>
+            <a:spLocks noGrp="1"/>
+          </p:cNvSpPr>
+          <p:nvPr>
+            <p:ph type="sldNum" sz="quarter" idx="5"/>
+          </p:nvPr>
+        </p:nvSpPr>
+        <p:spPr/>
+        <p:txBody>
+          <a:bodyPr/>
+          <a:lstStyle/>
+          <a:p>
+            <a:fld id="{A5DCDAF9-5881-42B4-A236-374A723F3ED2}" type="slidenum">
+              <a:rPr lang="en-GB"/>
+              <a:t>5</a:t>
+            </a:fld>
+            <a:endParaRPr lang="en-GB"/>
+          </a:p>
+        </p:txBody>
+      </p:sp>
+    </p:spTree>
+    <p:extLst>
+      <p:ext uri="{BB962C8B-B14F-4D97-AF65-F5344CB8AC3E}">
+        <p14:creationId xmlns:p14="http://schemas.microsoft.com/office/powerpoint/2010/main" val="1652516806"/>
+      </p:ext>
+    </p:extLst>
+  </p:cSld>
+  <p:clrMapOvr>
+    <a:masterClrMapping/>
+  </p:clrMapOvr>
+</p:notes>
 </file>
 
 <file path=ppt/slideLayouts/slideLayout1.xml><?xml version="1.0" encoding="utf-8"?>
@@ -4174,7 +6219,7 @@
           <p:nvPr/>
         </p:nvPicPr>
         <p:blipFill rotWithShape="1">
-          <a:blip r:embed="rId2"/>
+          <a:blip r:embed="rId3"/>
           <a:srcRect t="41" r="-144" b="13889"/>
           <a:stretch/>
         </p:blipFill>
@@ -4202,14 +6247,175 @@
         </p:nvSpPr>
         <p:spPr>
           <a:xfrm>
-            <a:off x="1916242" y="693574"/>
-            <a:ext cx="8644326" cy="4709408"/>
+            <a:off x="2185183" y="711503"/>
+            <a:ext cx="8097479" cy="4691479"/>
           </a:xfrm>
           <a:prstGeom prst="rect">
             <a:avLst/>
           </a:prstGeom>
           <a:solidFill>
-            <a:srgbClr val="4472C4"/>
+            <a:srgbClr val="002A5E"/>
+          </a:solidFill>
+          <a:ln>
+            <a:solidFill>
+              <a:schemeClr val="bg1"/>
+            </a:solidFill>
+          </a:ln>
+        </p:spPr>
+        <p:style>
+          <a:lnRef idx="2">
+            <a:schemeClr val="accent1">
+              <a:shade val="50000"/>
+            </a:schemeClr>
+          </a:lnRef>
+          <a:fillRef idx="1">
+            <a:schemeClr val="accent1"/>
+          </a:fillRef>
+          <a:effectRef idx="0">
+            <a:schemeClr val="accent1"/>
+          </a:effectRef>
+          <a:fontRef idx="minor">
+            <a:schemeClr val="lt1"/>
+          </a:fontRef>
+        </p:style>
+        <p:txBody>
+          <a:bodyPr rtlCol="0" anchor="ctr"/>
+          <a:lstStyle/>
+          <a:p>
+            <a:pPr algn="ctr"/>
+            <a:endParaRPr lang="en-GB"/>
+          </a:p>
+        </p:txBody>
+      </p:sp>
+      <p:sp>
+        <p:nvSpPr>
+          <p:cNvPr id="14" name="Rectangle: Rounded Corners 13">
+            <a:extLst>
+              <a:ext uri="{FF2B5EF4-FFF2-40B4-BE49-F238E27FC236}">
+                <a16:creationId xmlns:a16="http://schemas.microsoft.com/office/drawing/2014/main" id="{AE33566E-CE87-4082-B18A-2EA2C013125F}"/>
+              </a:ext>
+            </a:extLst>
+          </p:cNvPr>
+          <p:cNvSpPr/>
+          <p:nvPr/>
+        </p:nvSpPr>
+        <p:spPr>
+          <a:xfrm>
+            <a:off x="1981200" y="712694"/>
+            <a:ext cx="403412" cy="349624"/>
+          </a:xfrm>
+          <a:prstGeom prst="roundRect">
+            <a:avLst/>
+          </a:prstGeom>
+          <a:solidFill>
+            <a:schemeClr val="bg1"/>
+          </a:solidFill>
+          <a:ln>
+            <a:solidFill>
+              <a:schemeClr val="bg1"/>
+            </a:solidFill>
+          </a:ln>
+        </p:spPr>
+        <p:style>
+          <a:lnRef idx="2">
+            <a:schemeClr val="accent1">
+              <a:shade val="50000"/>
+            </a:schemeClr>
+          </a:lnRef>
+          <a:fillRef idx="1">
+            <a:schemeClr val="accent1"/>
+          </a:fillRef>
+          <a:effectRef idx="0">
+            <a:schemeClr val="accent1"/>
+          </a:effectRef>
+          <a:fontRef idx="minor">
+            <a:schemeClr val="lt1"/>
+          </a:fontRef>
+        </p:style>
+        <p:txBody>
+          <a:bodyPr rtlCol="0" anchor="ctr"/>
+          <a:lstStyle/>
+          <a:p>
+            <a:pPr algn="ctr"/>
+            <a:endParaRPr lang="en-GB"/>
+          </a:p>
+        </p:txBody>
+      </p:sp>
+      <p:sp>
+        <p:nvSpPr>
+          <p:cNvPr id="9" name="TextBox 8">
+            <a:extLst>
+              <a:ext uri="{FF2B5EF4-FFF2-40B4-BE49-F238E27FC236}">
+                <a16:creationId xmlns:a16="http://schemas.microsoft.com/office/drawing/2014/main" id="{7BABF798-5A63-4FB1-8913-05ADFB2B9C06}"/>
+              </a:ext>
+            </a:extLst>
+          </p:cNvPr>
+          <p:cNvSpPr txBox="1"/>
+          <p:nvPr/>
+        </p:nvSpPr>
+        <p:spPr>
+          <a:xfrm>
+            <a:off x="5019414" y="1075472"/>
+            <a:ext cx="2157383" cy="261610"/>
+          </a:xfrm>
+          <a:prstGeom prst="rect">
+            <a:avLst/>
+          </a:prstGeom>
+          <a:noFill/>
+        </p:spPr>
+        <p:txBody>
+          <a:bodyPr rot="0" spcFirstLastPara="0" vertOverflow="overflow" horzOverflow="overflow" vert="horz" wrap="square" lIns="91440" tIns="45720" rIns="91440" bIns="45720" numCol="1" spcCol="0" rtlCol="0" fromWordArt="0" anchor="t" anchorCtr="0" forceAA="0" compatLnSpc="1">
+            <a:prstTxWarp prst="textNoShape">
+              <a:avLst/>
+            </a:prstTxWarp>
+            <a:spAutoFit/>
+          </a:bodyPr>
+          <a:lstStyle/>
+          <a:p>
+            <a:pPr algn="ctr"/>
+            <a:r>
+              <a:rPr lang="en-GB" sz="1100">
+                <a:solidFill>
+                  <a:schemeClr val="bg1"/>
+                </a:solidFill>
+                <a:cs typeface="Calibri" panose="020F0502020204030204"/>
+              </a:rPr>
+              <a:t>Woke-up and smell the bacon</a:t>
+            </a:r>
+            <a:endParaRPr lang="en-US" sz="1100">
+              <a:solidFill>
+                <a:schemeClr val="bg1"/>
+              </a:solidFill>
+              <a:cs typeface="Calibri"/>
+            </a:endParaRPr>
+          </a:p>
+        </p:txBody>
+      </p:sp>
+      <p:sp>
+        <p:nvSpPr>
+          <p:cNvPr id="11" name="Rectangle: Rounded Corners 10">
+            <a:extLst>
+              <a:ext uri="{FF2B5EF4-FFF2-40B4-BE49-F238E27FC236}">
+                <a16:creationId xmlns:a16="http://schemas.microsoft.com/office/drawing/2014/main" id="{32D8247C-A8AF-483E-8DBB-BBAD783F84FE}"/>
+              </a:ext>
+            </a:extLst>
+          </p:cNvPr>
+          <p:cNvSpPr/>
+          <p:nvPr/>
+        </p:nvSpPr>
+        <p:spPr>
+          <a:xfrm>
+            <a:off x="3044996" y="3141892"/>
+            <a:ext cx="6766907" cy="2055878"/>
+          </a:xfrm>
+          <a:prstGeom prst="roundRect">
+            <a:avLst/>
+          </a:prstGeom>
+          <a:solidFill>
+            <a:schemeClr val="accent1">
+              <a:lumMod val="40000"/>
+              <a:lumOff val="60000"/>
+            </a:schemeClr>
           </a:solidFill>
         </p:spPr>
         <p:style>
@@ -4229,103 +6435,88 @@
           </a:fontRef>
         </p:style>
         <p:txBody>
-          <a:bodyPr rtlCol="0" anchor="ctr"/>
+          <a:bodyPr lIns="91440" tIns="45720" rIns="91440" bIns="45720" rtlCol="0" anchor="ctr"/>
           <a:lstStyle/>
           <a:p>
             <a:pPr algn="ctr"/>
-            <a:endParaRPr lang="en-GB"/>
-          </a:p>
-        </p:txBody>
-      </p:sp>
-      <p:sp>
-        <p:nvSpPr>
-          <p:cNvPr id="8" name="TextBox 7">
+            <a:endParaRPr lang="en-GB">
+              <a:cs typeface="Calibri"/>
+            </a:endParaRPr>
+          </a:p>
+          <a:p>
+            <a:pPr algn="ctr"/>
+            <a:r>
+              <a:rPr lang="en-GB" sz="1600">
+                <a:cs typeface="Calibri"/>
+              </a:rPr>
+              <a:t>Fake News Facts</a:t>
+            </a:r>
+          </a:p>
+          <a:p>
+            <a:pPr algn="ctr"/>
+            <a:endParaRPr lang="en-GB" sz="1600">
+              <a:cs typeface="Calibri"/>
+            </a:endParaRPr>
+          </a:p>
+          <a:p>
+            <a:pPr algn="ctr"/>
+            <a:r>
+              <a:rPr lang="en-GB" sz="1600">
+                <a:cs typeface="Calibri"/>
+              </a:rPr>
+              <a:t>How to spot fake news</a:t>
+            </a:r>
+          </a:p>
+          <a:p>
+            <a:pPr algn="ctr"/>
+            <a:endParaRPr lang="en-GB" sz="1600">
+              <a:cs typeface="Calibri"/>
+            </a:endParaRPr>
+          </a:p>
+          <a:p>
+            <a:pPr algn="ctr"/>
+            <a:r>
+              <a:rPr lang="en-GB" sz="1600">
+                <a:cs typeface="Calibri"/>
+              </a:rPr>
+              <a:t>Why is it dangerous</a:t>
+            </a:r>
+          </a:p>
+          <a:p>
+            <a:pPr algn="ctr"/>
+            <a:endParaRPr lang="en-GB" sz="1600">
+              <a:cs typeface="Calibri"/>
+            </a:endParaRPr>
+          </a:p>
+          <a:p>
+            <a:pPr algn="ctr"/>
+            <a:r>
+              <a:rPr lang="en-GB" sz="1600">
+                <a:cs typeface="Calibri"/>
+              </a:rPr>
+              <a:t>How the site works</a:t>
+            </a:r>
+          </a:p>
+          <a:p>
+            <a:pPr algn="ctr"/>
+            <a:endParaRPr lang="en-GB">
+              <a:cs typeface="Calibri"/>
+            </a:endParaRPr>
+          </a:p>
+          <a:p>
+            <a:pPr algn="ctr"/>
+            <a:endParaRPr lang="en-GB" i="1">
+              <a:cs typeface="Calibri" panose="020F0502020204030204"/>
+            </a:endParaRPr>
+          </a:p>
+        </p:txBody>
+      </p:sp>
+      <p:sp>
+        <p:nvSpPr>
+          <p:cNvPr id="12" name="Rectangle: Rounded Corners 11">
             <a:extLst>
               <a:ext uri="{FF2B5EF4-FFF2-40B4-BE49-F238E27FC236}">
-                <a16:creationId xmlns:a16="http://schemas.microsoft.com/office/drawing/2014/main" id="{7C560FCD-F8D9-43E4-9B46-9431A56F75B3}"/>
-              </a:ext>
-            </a:extLst>
-          </p:cNvPr>
-          <p:cNvSpPr txBox="1"/>
-          <p:nvPr/>
-        </p:nvSpPr>
-        <p:spPr>
-          <a:xfrm>
-            <a:off x="4395239" y="730703"/>
-            <a:ext cx="3780576" cy="369332"/>
-          </a:xfrm>
-          <a:prstGeom prst="rect">
-            <a:avLst/>
-          </a:prstGeom>
-          <a:noFill/>
-        </p:spPr>
-        <p:txBody>
-          <a:bodyPr rot="0" spcFirstLastPara="0" vertOverflow="overflow" horzOverflow="overflow" vert="horz" wrap="square" lIns="91440" tIns="45720" rIns="91440" bIns="45720" numCol="1" spcCol="0" rtlCol="0" fromWordArt="0" anchor="t" anchorCtr="0" forceAA="0" compatLnSpc="1">
-            <a:prstTxWarp prst="textNoShape">
-              <a:avLst/>
-            </a:prstTxWarp>
-            <a:spAutoFit/>
-          </a:bodyPr>
-          <a:lstStyle/>
-          <a:p>
-            <a:pPr algn="ctr"/>
-            <a:r>
-              <a:rPr lang="en-GB">
-                <a:latin typeface="Arial Black"/>
-                <a:cs typeface="Calibri"/>
-              </a:rPr>
-              <a:t>Would I Lie to You?</a:t>
-            </a:r>
-          </a:p>
-        </p:txBody>
-      </p:sp>
-      <p:sp>
-        <p:nvSpPr>
-          <p:cNvPr id="9" name="TextBox 8">
-            <a:extLst>
-              <a:ext uri="{FF2B5EF4-FFF2-40B4-BE49-F238E27FC236}">
-                <a16:creationId xmlns:a16="http://schemas.microsoft.com/office/drawing/2014/main" id="{7BABF798-5A63-4FB1-8913-05ADFB2B9C06}"/>
-              </a:ext>
-            </a:extLst>
-          </p:cNvPr>
-          <p:cNvSpPr txBox="1"/>
-          <p:nvPr/>
-        </p:nvSpPr>
-        <p:spPr>
-          <a:xfrm>
-            <a:off x="5330889" y="1069910"/>
-            <a:ext cx="1825689" cy="253916"/>
-          </a:xfrm>
-          <a:prstGeom prst="rect">
-            <a:avLst/>
-          </a:prstGeom>
-          <a:noFill/>
-        </p:spPr>
-        <p:txBody>
-          <a:bodyPr rot="0" spcFirstLastPara="0" vertOverflow="overflow" horzOverflow="overflow" vert="horz" wrap="square" lIns="91440" tIns="45720" rIns="91440" bIns="45720" numCol="1" spcCol="0" rtlCol="0" fromWordArt="0" anchor="t" anchorCtr="0" forceAA="0" compatLnSpc="1">
-            <a:prstTxWarp prst="textNoShape">
-              <a:avLst/>
-            </a:prstTxWarp>
-            <a:spAutoFit/>
-          </a:bodyPr>
-          <a:lstStyle/>
-          <a:p>
-            <a:pPr algn="ctr"/>
-            <a:r>
-              <a:rPr lang="en-GB" sz="1050">
-                <a:cs typeface="Calibri" panose="020F0502020204030204"/>
-              </a:rPr>
-              <a:t>Strapline here</a:t>
-            </a:r>
-          </a:p>
-        </p:txBody>
-      </p:sp>
-      <p:sp>
-        <p:nvSpPr>
-          <p:cNvPr id="11" name="Rectangle: Rounded Corners 10">
-            <a:extLst>
-              <a:ext uri="{FF2B5EF4-FFF2-40B4-BE49-F238E27FC236}">
-                <a16:creationId xmlns:a16="http://schemas.microsoft.com/office/drawing/2014/main" id="{32D8247C-A8AF-483E-8DBB-BBAD783F84FE}"/>
+                <a16:creationId xmlns:a16="http://schemas.microsoft.com/office/drawing/2014/main" id="{10A5749E-59DA-4EFF-A577-9FBCFC526FA2}"/>
               </a:ext>
             </a:extLst>
           </p:cNvPr>
@@ -4334,14 +6525,17 @@
         </p:nvSpPr>
         <p:spPr>
           <a:xfrm>
-            <a:off x="2423937" y="1586850"/>
-            <a:ext cx="3359473" cy="3237108"/>
+            <a:off x="7856212" y="3142016"/>
+            <a:ext cx="1949070" cy="2055409"/>
           </a:xfrm>
           <a:prstGeom prst="roundRect">
             <a:avLst/>
           </a:prstGeom>
           <a:solidFill>
-            <a:srgbClr val="F58E49"/>
+            <a:schemeClr val="accent1">
+              <a:lumMod val="40000"/>
+              <a:lumOff val="60000"/>
+            </a:schemeClr>
           </a:solidFill>
         </p:spPr>
         <p:style>
@@ -4361,7 +6555,7 @@
           </a:fontRef>
         </p:style>
         <p:txBody>
-          <a:bodyPr lIns="91440" tIns="45720" rIns="91440" bIns="45720" rtlCol="0" anchor="ctr"/>
+          <a:bodyPr rtlCol="0" anchor="ctr"/>
           <a:lstStyle/>
           <a:p>
             <a:pPr algn="ctr"/>
@@ -4369,14 +6563,8 @@
               <a:rPr lang="en-GB">
                 <a:cs typeface="Calibri"/>
               </a:rPr>
-              <a:t>Fake News Facts</a:t>
-            </a:r>
-          </a:p>
-          <a:p>
-            <a:pPr algn="ctr"/>
-            <a:endParaRPr lang="en-GB">
-              <a:cs typeface="Calibri"/>
-            </a:endParaRPr>
+              <a:t>Some scrolling images/gifs of notable fake news situations</a:t>
+            </a:r>
           </a:p>
           <a:p>
             <a:pPr algn="ctr"/>
@@ -4384,14 +6572,8 @@
               <a:rPr lang="en-GB">
                 <a:cs typeface="Calibri"/>
               </a:rPr>
-              <a:t>How to spot fake news</a:t>
-            </a:r>
-          </a:p>
-          <a:p>
-            <a:pPr algn="ctr"/>
-            <a:endParaRPr lang="en-GB">
-              <a:cs typeface="Calibri"/>
-            </a:endParaRPr>
+              <a:t>(politics) </a:t>
+            </a:r>
           </a:p>
           <a:p>
             <a:pPr algn="ctr"/>
@@ -4399,17 +6581,26 @@
               <a:rPr lang="en-GB">
                 <a:cs typeface="Calibri"/>
               </a:rPr>
-              <a:t>Why is it dangerous </a:t>
-            </a:r>
-          </a:p>
-        </p:txBody>
-      </p:sp>
-      <p:sp>
-        <p:nvSpPr>
-          <p:cNvPr id="12" name="Rectangle: Rounded Corners 11">
+              <a:t>(celebrities)</a:t>
+            </a:r>
+          </a:p>
+          <a:p>
+            <a:pPr algn="ctr"/>
+            <a:r>
+              <a:rPr lang="en-GB">
+                <a:cs typeface="Calibri"/>
+              </a:rPr>
+              <a:t>(economics)</a:t>
+            </a:r>
+          </a:p>
+        </p:txBody>
+      </p:sp>
+      <p:sp>
+        <p:nvSpPr>
+          <p:cNvPr id="7" name="Rectangle: Rounded Corners 6">
             <a:extLst>
               <a:ext uri="{FF2B5EF4-FFF2-40B4-BE49-F238E27FC236}">
-                <a16:creationId xmlns:a16="http://schemas.microsoft.com/office/drawing/2014/main" id="{10A5749E-59DA-4EFF-A577-9FBCFC526FA2}"/>
+                <a16:creationId xmlns:a16="http://schemas.microsoft.com/office/drawing/2014/main" id="{FD0EED62-4739-43AF-8231-A65129432A32}"/>
               </a:ext>
             </a:extLst>
           </p:cNvPr>
@@ -4418,15 +6609,20 @@
         </p:nvSpPr>
         <p:spPr>
           <a:xfrm>
-            <a:off x="6504740" y="1585112"/>
-            <a:ext cx="3759941" cy="3225985"/>
+            <a:off x="5530663" y="792815"/>
+            <a:ext cx="1699087" cy="260419"/>
           </a:xfrm>
           <a:prstGeom prst="roundRect">
             <a:avLst/>
           </a:prstGeom>
           <a:solidFill>
-            <a:srgbClr val="C23235"/>
+            <a:schemeClr val="bg1"/>
           </a:solidFill>
+          <a:ln>
+            <a:solidFill>
+              <a:schemeClr val="bg1"/>
+            </a:solidFill>
+          </a:ln>
         </p:spPr>
         <p:style>
           <a:lnRef idx="2">
@@ -4449,39 +6645,300 @@
           <a:lstStyle/>
           <a:p>
             <a:pPr algn="ctr"/>
+            <a:endParaRPr lang="en-GB"/>
+          </a:p>
+        </p:txBody>
+      </p:sp>
+      <p:pic>
+        <p:nvPicPr>
+          <p:cNvPr id="3" name="Picture 4" descr="A picture containing text&#10;&#10;Description automatically generated">
+            <a:extLst>
+              <a:ext uri="{FF2B5EF4-FFF2-40B4-BE49-F238E27FC236}">
+                <a16:creationId xmlns:a16="http://schemas.microsoft.com/office/drawing/2014/main" id="{65CEDEB4-40ED-4B62-B717-498F4E2BC9B5}"/>
+              </a:ext>
+            </a:extLst>
+          </p:cNvPr>
+          <p:cNvPicPr>
+            <a:picLocks noChangeAspect="1"/>
+          </p:cNvPicPr>
+          <p:nvPr/>
+        </p:nvPicPr>
+        <p:blipFill rotWithShape="1">
+          <a:blip r:embed="rId4"/>
+          <a:srcRect r="-172" b="38738"/>
+          <a:stretch/>
+        </p:blipFill>
+        <p:spPr>
+          <a:xfrm>
+            <a:off x="2373114" y="714994"/>
+            <a:ext cx="7941676" cy="355130"/>
+          </a:xfrm>
+          <a:prstGeom prst="rect">
+            <a:avLst/>
+          </a:prstGeom>
+        </p:spPr>
+      </p:pic>
+      <p:pic>
+        <p:nvPicPr>
+          <p:cNvPr id="6" name="Picture 9">
+            <a:extLst>
+              <a:ext uri="{FF2B5EF4-FFF2-40B4-BE49-F238E27FC236}">
+                <a16:creationId xmlns:a16="http://schemas.microsoft.com/office/drawing/2014/main" id="{5F0FB575-FD2C-4BDF-B59F-FC0A632D3665}"/>
+              </a:ext>
+            </a:extLst>
+          </p:cNvPr>
+          <p:cNvPicPr>
+            <a:picLocks noChangeAspect="1"/>
+          </p:cNvPicPr>
+          <p:nvPr/>
+        </p:nvPicPr>
+        <p:blipFill>
+          <a:blip r:embed="rId5"/>
+          <a:stretch>
+            <a:fillRect/>
+          </a:stretch>
+        </p:blipFill>
+        <p:spPr>
+          <a:xfrm>
+            <a:off x="4850716" y="1762694"/>
+            <a:ext cx="2644103" cy="699780"/>
+          </a:xfrm>
+          <a:prstGeom prst="rect">
+            <a:avLst/>
+          </a:prstGeom>
+        </p:spPr>
+      </p:pic>
+      <p:sp>
+        <p:nvSpPr>
+          <p:cNvPr id="10" name="Rectangle: Rounded Corners 9">
+            <a:extLst>
+              <a:ext uri="{FF2B5EF4-FFF2-40B4-BE49-F238E27FC236}">
+                <a16:creationId xmlns:a16="http://schemas.microsoft.com/office/drawing/2014/main" id="{E7816785-F040-4CF4-962D-A320B9B66EF5}"/>
+              </a:ext>
+            </a:extLst>
+          </p:cNvPr>
+          <p:cNvSpPr/>
+          <p:nvPr/>
+        </p:nvSpPr>
+        <p:spPr>
+          <a:xfrm>
+            <a:off x="7727244" y="751652"/>
+            <a:ext cx="2483555" cy="291630"/>
+          </a:xfrm>
+          <a:prstGeom prst="roundRect">
+            <a:avLst/>
+          </a:prstGeom>
+          <a:solidFill>
+            <a:schemeClr val="bg1"/>
+          </a:solidFill>
+          <a:ln>
+            <a:solidFill>
+              <a:schemeClr val="bg1"/>
+            </a:solidFill>
+          </a:ln>
+        </p:spPr>
+        <p:style>
+          <a:lnRef idx="2">
+            <a:schemeClr val="accent1">
+              <a:shade val="50000"/>
+            </a:schemeClr>
+          </a:lnRef>
+          <a:fillRef idx="1">
+            <a:schemeClr val="accent1"/>
+          </a:fillRef>
+          <a:effectRef idx="0">
+            <a:schemeClr val="accent1"/>
+          </a:effectRef>
+          <a:fontRef idx="minor">
+            <a:schemeClr val="lt1"/>
+          </a:fontRef>
+        </p:style>
+        <p:txBody>
+          <a:bodyPr rtlCol="0" anchor="ctr"/>
+          <a:lstStyle/>
+          <a:p>
+            <a:pPr algn="ctr"/>
+            <a:endParaRPr lang="en-GB"/>
+          </a:p>
+        </p:txBody>
+      </p:sp>
+      <p:pic>
+        <p:nvPicPr>
+          <p:cNvPr id="5" name="Picture 5" descr="Icon&#10;&#10;Description automatically generated">
+            <a:extLst>
+              <a:ext uri="{FF2B5EF4-FFF2-40B4-BE49-F238E27FC236}">
+                <a16:creationId xmlns:a16="http://schemas.microsoft.com/office/drawing/2014/main" id="{2B3D3AB8-81A8-417E-B2C8-71E559237C7E}"/>
+              </a:ext>
+            </a:extLst>
+          </p:cNvPr>
+          <p:cNvPicPr>
+            <a:picLocks noChangeAspect="1"/>
+          </p:cNvPicPr>
+          <p:nvPr/>
+        </p:nvPicPr>
+        <p:blipFill>
+          <a:blip r:embed="rId6"/>
+          <a:stretch>
+            <a:fillRect/>
+          </a:stretch>
+        </p:blipFill>
+        <p:spPr>
+          <a:xfrm>
+            <a:off x="2080933" y="717284"/>
+            <a:ext cx="325202" cy="325504"/>
+          </a:xfrm>
+          <a:prstGeom prst="rect">
+            <a:avLst/>
+          </a:prstGeom>
+        </p:spPr>
+      </p:pic>
+      <p:sp>
+        <p:nvSpPr>
+          <p:cNvPr id="19" name="Rectangle: Rounded Corners 18">
+            <a:extLst>
+              <a:ext uri="{FF2B5EF4-FFF2-40B4-BE49-F238E27FC236}">
+                <a16:creationId xmlns:a16="http://schemas.microsoft.com/office/drawing/2014/main" id="{63003BBA-0E0B-419C-99BF-D2FA2714F290}"/>
+              </a:ext>
+            </a:extLst>
+          </p:cNvPr>
+          <p:cNvSpPr/>
+          <p:nvPr/>
+        </p:nvSpPr>
+        <p:spPr>
+          <a:xfrm>
+            <a:off x="5243688" y="751652"/>
+            <a:ext cx="2483555" cy="291630"/>
+          </a:xfrm>
+          <a:prstGeom prst="roundRect">
+            <a:avLst/>
+          </a:prstGeom>
+          <a:solidFill>
+            <a:schemeClr val="bg1"/>
+          </a:solidFill>
+          <a:ln>
+            <a:solidFill>
+              <a:schemeClr val="bg1"/>
+            </a:solidFill>
+          </a:ln>
+        </p:spPr>
+        <p:style>
+          <a:lnRef idx="2">
+            <a:schemeClr val="accent1">
+              <a:shade val="50000"/>
+            </a:schemeClr>
+          </a:lnRef>
+          <a:fillRef idx="1">
+            <a:schemeClr val="accent1"/>
+          </a:fillRef>
+          <a:effectRef idx="0">
+            <a:schemeClr val="accent1"/>
+          </a:effectRef>
+          <a:fontRef idx="minor">
+            <a:schemeClr val="lt1"/>
+          </a:fontRef>
+        </p:style>
+        <p:txBody>
+          <a:bodyPr rtlCol="0" anchor="ctr"/>
+          <a:lstStyle/>
+          <a:p>
+            <a:pPr algn="ctr"/>
+            <a:endParaRPr lang="en-GB"/>
+          </a:p>
+        </p:txBody>
+      </p:sp>
+      <p:sp>
+        <p:nvSpPr>
+          <p:cNvPr id="8" name="TextBox 7">
+            <a:extLst>
+              <a:ext uri="{FF2B5EF4-FFF2-40B4-BE49-F238E27FC236}">
+                <a16:creationId xmlns:a16="http://schemas.microsoft.com/office/drawing/2014/main" id="{7C560FCD-F8D9-43E4-9B46-9431A56F75B3}"/>
+              </a:ext>
+            </a:extLst>
+          </p:cNvPr>
+          <p:cNvSpPr txBox="1"/>
+          <p:nvPr/>
+        </p:nvSpPr>
+        <p:spPr>
+          <a:xfrm>
+            <a:off x="4281389" y="742239"/>
+            <a:ext cx="3780576" cy="369332"/>
+          </a:xfrm>
+          <a:prstGeom prst="rect">
+            <a:avLst/>
+          </a:prstGeom>
+          <a:noFill/>
+        </p:spPr>
+        <p:txBody>
+          <a:bodyPr rot="0" spcFirstLastPara="0" vertOverflow="overflow" horzOverflow="overflow" vert="horz" wrap="square" lIns="91440" tIns="45720" rIns="91440" bIns="45720" numCol="1" spcCol="0" rtlCol="0" fromWordArt="0" anchor="t" anchorCtr="0" forceAA="0" compatLnSpc="1">
+            <a:prstTxWarp prst="textNoShape">
+              <a:avLst/>
+            </a:prstTxWarp>
+            <a:spAutoFit/>
+          </a:bodyPr>
+          <a:lstStyle/>
+          <a:p>
+            <a:pPr algn="ctr"/>
             <a:r>
               <a:rPr lang="en-GB">
+                <a:latin typeface="Arial Black"/>
                 <a:cs typeface="Calibri"/>
               </a:rPr>
-              <a:t>Some scrolling images/gifs of notable fake news situations</a:t>
-            </a:r>
-          </a:p>
+              <a:t>Would They Lie to You?</a:t>
+            </a:r>
+          </a:p>
+        </p:txBody>
+      </p:sp>
+      <p:sp>
+        <p:nvSpPr>
+          <p:cNvPr id="21" name="Star: 5 Points 20">
+            <a:extLst>
+              <a:ext uri="{FF2B5EF4-FFF2-40B4-BE49-F238E27FC236}">
+                <a16:creationId xmlns:a16="http://schemas.microsoft.com/office/drawing/2014/main" id="{5B2447BF-CBAD-43E4-9DE2-06FD9FDEC8F4}"/>
+              </a:ext>
+            </a:extLst>
+          </p:cNvPr>
+          <p:cNvSpPr/>
+          <p:nvPr/>
+        </p:nvSpPr>
+        <p:spPr>
+          <a:xfrm>
+            <a:off x="9887781" y="737349"/>
+            <a:ext cx="420138" cy="301747"/>
+          </a:xfrm>
+          <a:prstGeom prst="star5">
+            <a:avLst/>
+          </a:prstGeom>
+          <a:solidFill>
+            <a:schemeClr val="accent2"/>
+          </a:solidFill>
+          <a:ln>
+            <a:solidFill>
+              <a:schemeClr val="accent2"/>
+            </a:solidFill>
+          </a:ln>
+        </p:spPr>
+        <p:style>
+          <a:lnRef idx="2">
+            <a:schemeClr val="accent1">
+              <a:shade val="50000"/>
+            </a:schemeClr>
+          </a:lnRef>
+          <a:fillRef idx="1">
+            <a:schemeClr val="accent1"/>
+          </a:fillRef>
+          <a:effectRef idx="0">
+            <a:schemeClr val="accent1"/>
+          </a:effectRef>
+          <a:fontRef idx="minor">
+            <a:schemeClr val="lt1"/>
+          </a:fontRef>
+        </p:style>
+        <p:txBody>
+          <a:bodyPr rtlCol="0" anchor="ctr"/>
+          <a:lstStyle/>
           <a:p>
             <a:pPr algn="ctr"/>
-            <a:r>
-              <a:rPr lang="en-GB">
-                <a:cs typeface="Calibri"/>
-              </a:rPr>
-              <a:t>(politics) </a:t>
-            </a:r>
-          </a:p>
-          <a:p>
-            <a:pPr algn="ctr"/>
-            <a:r>
-              <a:rPr lang="en-GB">
-                <a:cs typeface="Calibri"/>
-              </a:rPr>
-              <a:t>(celebrities)</a:t>
-            </a:r>
-          </a:p>
-          <a:p>
-            <a:pPr algn="ctr"/>
-            <a:r>
-              <a:rPr lang="en-GB">
-                <a:cs typeface="Calibri"/>
-              </a:rPr>
-              <a:t>(economics)</a:t>
-            </a:r>
+            <a:endParaRPr lang="en-GB"/>
           </a:p>
         </p:txBody>
       </p:sp>
@@ -4530,7 +6987,7 @@
           <p:nvPr/>
         </p:nvPicPr>
         <p:blipFill rotWithShape="1">
-          <a:blip r:embed="rId2"/>
+          <a:blip r:embed="rId3"/>
           <a:srcRect t="41" r="-144" b="13889"/>
           <a:stretch/>
         </p:blipFill>
@@ -4564,6 +7021,9 @@
           <a:prstGeom prst="rect">
             <a:avLst/>
           </a:prstGeom>
+          <a:solidFill>
+            <a:srgbClr val="002A5E"/>
+          </a:solidFill>
         </p:spPr>
         <p:style>
           <a:lnRef idx="2">
@@ -4604,7 +7064,7 @@
         </p:nvSpPr>
         <p:spPr>
           <a:xfrm>
-            <a:off x="4045637" y="1462255"/>
+            <a:off x="3979785" y="1415218"/>
             <a:ext cx="4852017" cy="369332"/>
           </a:xfrm>
           <a:prstGeom prst="rect">
@@ -4623,6 +7083,9 @@
           <a:p>
             <a:r>
               <a:rPr lang="en-GB">
+                <a:solidFill>
+                  <a:schemeClr val="bg1"/>
+                </a:solidFill>
                 <a:cs typeface="Calibri"/>
               </a:rPr>
               <a:t>Educate yourself! How woke are you REALLY?</a:t>
@@ -5107,8 +7570,8 @@
         </p:nvSpPr>
         <p:spPr>
           <a:xfrm>
-            <a:off x="5082073" y="3729135"/>
-            <a:ext cx="1646852" cy="276999"/>
+            <a:off x="5298443" y="3719728"/>
+            <a:ext cx="1730282" cy="276999"/>
           </a:xfrm>
           <a:prstGeom prst="rect">
             <a:avLst/>
@@ -5126,9 +7589,12 @@
           <a:p>
             <a:r>
               <a:rPr lang="en-GB" sz="1200">
+                <a:solidFill>
+                  <a:srgbClr val="FFFFFF"/>
+                </a:solidFill>
                 <a:cs typeface="Calibri"/>
               </a:rPr>
-              <a:t>Chose subject to enter</a:t>
+              <a:t>Choose subject to enter</a:t>
             </a:r>
           </a:p>
         </p:txBody>
@@ -5240,7 +7706,7 @@
           <p:nvPr/>
         </p:nvPicPr>
         <p:blipFill rotWithShape="1">
-          <a:blip r:embed="rId3"/>
+          <a:blip r:embed="rId4"/>
           <a:srcRect r="-172" b="38738"/>
           <a:stretch/>
         </p:blipFill>
@@ -5269,7 +7735,7 @@
           <p:nvPr/>
         </p:nvPicPr>
         <p:blipFill>
-          <a:blip r:embed="rId4"/>
+          <a:blip r:embed="rId5"/>
           <a:stretch>
             <a:fillRect/>
           </a:stretch>
@@ -5446,8 +7912,8 @@
         </p:nvSpPr>
         <p:spPr>
           <a:xfrm>
-            <a:off x="5171492" y="683078"/>
-            <a:ext cx="2466197" cy="369332"/>
+            <a:off x="4804398" y="683078"/>
+            <a:ext cx="2844415" cy="369332"/>
           </a:xfrm>
           <a:prstGeom prst="rect">
             <a:avLst/>
@@ -5468,7 +7934,7 @@
                 <a:latin typeface="Arial Rounded MT Bold"/>
                 <a:cs typeface="Calibri"/>
               </a:rPr>
-              <a:t>Would I Lie to You?</a:t>
+              <a:t>Would They Lie to You?</a:t>
             </a:r>
             <a:endParaRPr lang="en-GB">
               <a:cs typeface="Calibri"/>
@@ -5491,7 +7957,7 @@
         <p:spPr>
           <a:xfrm>
             <a:off x="2085445" y="720195"/>
-            <a:ext cx="521228" cy="338667"/>
+            <a:ext cx="455377" cy="244593"/>
           </a:xfrm>
           <a:prstGeom prst="roundRect">
             <a:avLst/>
@@ -5639,21 +8105,129 @@
           <p:nvPr/>
         </p:nvPicPr>
         <p:blipFill>
-          <a:blip r:embed="rId4"/>
+          <a:blip r:embed="rId5"/>
           <a:stretch>
             <a:fillRect/>
           </a:stretch>
         </p:blipFill>
         <p:spPr>
           <a:xfrm>
-            <a:off x="2152650" y="735656"/>
-            <a:ext cx="306388" cy="306690"/>
+            <a:off x="2115020" y="688619"/>
+            <a:ext cx="372239" cy="353727"/>
           </a:xfrm>
           <a:prstGeom prst="rect">
             <a:avLst/>
           </a:prstGeom>
         </p:spPr>
       </p:pic>
+      <p:sp>
+        <p:nvSpPr>
+          <p:cNvPr id="18" name="Rectangle: Rounded Corners 17">
+            <a:extLst>
+              <a:ext uri="{FF2B5EF4-FFF2-40B4-BE49-F238E27FC236}">
+                <a16:creationId xmlns:a16="http://schemas.microsoft.com/office/drawing/2014/main" id="{B9F2199D-0BDC-47E4-9802-36C6FD9E221E}"/>
+              </a:ext>
+            </a:extLst>
+          </p:cNvPr>
+          <p:cNvSpPr/>
+          <p:nvPr/>
+        </p:nvSpPr>
+        <p:spPr>
+          <a:xfrm>
+            <a:off x="7595540" y="723430"/>
+            <a:ext cx="2483555" cy="291630"/>
+          </a:xfrm>
+          <a:prstGeom prst="roundRect">
+            <a:avLst/>
+          </a:prstGeom>
+          <a:solidFill>
+            <a:schemeClr val="bg1"/>
+          </a:solidFill>
+          <a:ln>
+            <a:solidFill>
+              <a:schemeClr val="bg1"/>
+            </a:solidFill>
+          </a:ln>
+        </p:spPr>
+        <p:style>
+          <a:lnRef idx="2">
+            <a:schemeClr val="accent1">
+              <a:shade val="50000"/>
+            </a:schemeClr>
+          </a:lnRef>
+          <a:fillRef idx="1">
+            <a:schemeClr val="accent1"/>
+          </a:fillRef>
+          <a:effectRef idx="0">
+            <a:schemeClr val="accent1"/>
+          </a:effectRef>
+          <a:fontRef idx="minor">
+            <a:schemeClr val="lt1"/>
+          </a:fontRef>
+        </p:style>
+        <p:txBody>
+          <a:bodyPr rtlCol="0" anchor="ctr"/>
+          <a:lstStyle/>
+          <a:p>
+            <a:pPr algn="ctr"/>
+            <a:endParaRPr lang="en-GB"/>
+          </a:p>
+        </p:txBody>
+      </p:sp>
+      <p:sp>
+        <p:nvSpPr>
+          <p:cNvPr id="21" name="Star: 5 Points 20">
+            <a:extLst>
+              <a:ext uri="{FF2B5EF4-FFF2-40B4-BE49-F238E27FC236}">
+                <a16:creationId xmlns:a16="http://schemas.microsoft.com/office/drawing/2014/main" id="{977974E6-52E0-466C-A20B-C307C37CFB82}"/>
+              </a:ext>
+            </a:extLst>
+          </p:cNvPr>
+          <p:cNvSpPr/>
+          <p:nvPr/>
+        </p:nvSpPr>
+        <p:spPr>
+          <a:xfrm>
+            <a:off x="9887781" y="737349"/>
+            <a:ext cx="420138" cy="301747"/>
+          </a:xfrm>
+          <a:prstGeom prst="star5">
+            <a:avLst/>
+          </a:prstGeom>
+          <a:solidFill>
+            <a:schemeClr val="accent2"/>
+          </a:solidFill>
+          <a:ln>
+            <a:solidFill>
+              <a:schemeClr val="accent2"/>
+            </a:solidFill>
+          </a:ln>
+        </p:spPr>
+        <p:style>
+          <a:lnRef idx="2">
+            <a:schemeClr val="accent1">
+              <a:shade val="50000"/>
+            </a:schemeClr>
+          </a:lnRef>
+          <a:fillRef idx="1">
+            <a:schemeClr val="accent1"/>
+          </a:fillRef>
+          <a:effectRef idx="0">
+            <a:schemeClr val="accent1"/>
+          </a:effectRef>
+          <a:fontRef idx="minor">
+            <a:schemeClr val="lt1"/>
+          </a:fontRef>
+        </p:style>
+        <p:txBody>
+          <a:bodyPr rtlCol="0" anchor="ctr"/>
+          <a:lstStyle/>
+          <a:p>
+            <a:pPr algn="ctr"/>
+            <a:endParaRPr lang="en-GB"/>
+          </a:p>
+        </p:txBody>
+      </p:sp>
     </p:spTree>
     <p:extLst>
       <p:ext uri="{BB962C8B-B14F-4D97-AF65-F5344CB8AC3E}">
@@ -5699,7 +8273,7 @@
           <p:nvPr/>
         </p:nvPicPr>
         <p:blipFill rotWithShape="1">
-          <a:blip r:embed="rId2"/>
+          <a:blip r:embed="rId3"/>
           <a:srcRect t="41" r="-144" b="13889"/>
           <a:stretch/>
         </p:blipFill>
@@ -5727,12 +8301,15 @@
         </p:nvSpPr>
         <p:spPr>
           <a:xfrm>
-            <a:off x="2154367" y="685799"/>
-            <a:ext cx="8112514" cy="4709408"/>
+            <a:off x="2156162" y="685799"/>
+            <a:ext cx="8151590" cy="4709408"/>
           </a:xfrm>
           <a:prstGeom prst="rect">
             <a:avLst/>
           </a:prstGeom>
+          <a:solidFill>
+            <a:srgbClr val="002A5E"/>
+          </a:solidFill>
         </p:spPr>
         <p:style>
           <a:lnRef idx="2">
@@ -5773,8 +8350,8 @@
         </p:nvSpPr>
         <p:spPr>
           <a:xfrm>
-            <a:off x="4799741" y="1220449"/>
-            <a:ext cx="2743200" cy="369332"/>
+            <a:off x="2349994" y="2100935"/>
+            <a:ext cx="3085123" cy="369332"/>
           </a:xfrm>
           <a:prstGeom prst="rect">
             <a:avLst/>
@@ -5795,9 +8372,18 @@
                 <a:solidFill>
                   <a:schemeClr val="bg1"/>
                 </a:solidFill>
+                <a:latin typeface="Aharoni"/>
+                <a:cs typeface="Aharoni"/>
               </a:rPr>
-              <a:t>....FAKE NEWS ARTICLE....</a:t>
-            </a:r>
+              <a:t>BREAKING NEWS:</a:t>
+            </a:r>
+            <a:endParaRPr lang="en-US">
+              <a:solidFill>
+                <a:schemeClr val="bg1"/>
+              </a:solidFill>
+              <a:latin typeface="Aharoni"/>
+              <a:cs typeface="Aharoni"/>
+            </a:endParaRPr>
           </a:p>
         </p:txBody>
       </p:sp>
@@ -5815,8 +8401,8 @@
         </p:nvSpPr>
         <p:spPr>
           <a:xfrm>
-            <a:off x="5410538" y="2308928"/>
-            <a:ext cx="2743200" cy="1477328"/>
+            <a:off x="6767529" y="2554256"/>
+            <a:ext cx="2743200" cy="1754326"/>
           </a:xfrm>
           <a:prstGeom prst="rect">
             <a:avLst/>
@@ -5902,100 +8488,31 @@
             </a:pPr>
             <a:r>
               <a:rPr lang="en-GB">
+                <a:ea typeface="+mn-lt"/>
+                <a:cs typeface="+mn-lt"/>
+              </a:rPr>
+              <a:t>DON’T KNOW</a:t>
+            </a:r>
+            <a:endParaRPr lang="en-GB">
+              <a:solidFill>
+                <a:schemeClr val="bg1"/>
+              </a:solidFill>
+              <a:cs typeface="Calibri"/>
+            </a:endParaRPr>
+          </a:p>
+          <a:p>
+            <a:pPr marL="285750" indent="-285750">
+              <a:buFont typeface="Wingdings"/>
+              <a:buChar char="q"/>
+            </a:pPr>
+            <a:r>
+              <a:rPr lang="en-GB">
                 <a:solidFill>
                   <a:schemeClr val="bg1"/>
                 </a:solidFill>
                 <a:cs typeface="Calibri"/>
               </a:rPr>
               <a:t>...</a:t>
-            </a:r>
-          </a:p>
-        </p:txBody>
-      </p:sp>
-      <p:sp>
-        <p:nvSpPr>
-          <p:cNvPr id="6" name="Arrow: Right 5">
-            <a:extLst>
-              <a:ext uri="{FF2B5EF4-FFF2-40B4-BE49-F238E27FC236}">
-                <a16:creationId xmlns:a16="http://schemas.microsoft.com/office/drawing/2014/main" id="{E19051FF-4414-4920-88EE-D06E42695200}"/>
-              </a:ext>
-            </a:extLst>
-          </p:cNvPr>
-          <p:cNvSpPr/>
-          <p:nvPr/>
-        </p:nvSpPr>
-        <p:spPr>
-          <a:xfrm>
-            <a:off x="8554862" y="4186028"/>
-            <a:ext cx="1336622" cy="824458"/>
-          </a:xfrm>
-          <a:prstGeom prst="rightArrow">
-            <a:avLst/>
-          </a:prstGeom>
-        </p:spPr>
-        <p:style>
-          <a:lnRef idx="2">
-            <a:schemeClr val="accent1">
-              <a:shade val="50000"/>
-            </a:schemeClr>
-          </a:lnRef>
-          <a:fillRef idx="1">
-            <a:schemeClr val="accent1"/>
-          </a:fillRef>
-          <a:effectRef idx="0">
-            <a:schemeClr val="accent1"/>
-          </a:effectRef>
-          <a:fontRef idx="minor">
-            <a:schemeClr val="lt1"/>
-          </a:fontRef>
-        </p:style>
-        <p:txBody>
-          <a:bodyPr rtlCol="0" anchor="ctr"/>
-          <a:lstStyle/>
-          <a:p>
-            <a:pPr algn="ctr"/>
-            <a:endParaRPr lang="en-GB"/>
-          </a:p>
-        </p:txBody>
-      </p:sp>
-      <p:sp>
-        <p:nvSpPr>
-          <p:cNvPr id="7" name="TextBox 6">
-            <a:extLst>
-              <a:ext uri="{FF2B5EF4-FFF2-40B4-BE49-F238E27FC236}">
-                <a16:creationId xmlns:a16="http://schemas.microsoft.com/office/drawing/2014/main" id="{E8215F3B-7CD1-4507-8D55-800B71C570E6}"/>
-              </a:ext>
-            </a:extLst>
-          </p:cNvPr>
-          <p:cNvSpPr txBox="1"/>
-          <p:nvPr/>
-        </p:nvSpPr>
-        <p:spPr>
-          <a:xfrm>
-            <a:off x="8734267" y="4412104"/>
-            <a:ext cx="2743200" cy="369332"/>
-          </a:xfrm>
-          <a:prstGeom prst="rect">
-            <a:avLst/>
-          </a:prstGeom>
-          <a:noFill/>
-        </p:spPr>
-        <p:txBody>
-          <a:bodyPr rot="0" spcFirstLastPara="0" vertOverflow="overflow" horzOverflow="overflow" vert="horz" wrap="square" lIns="91440" tIns="45720" rIns="91440" bIns="45720" numCol="1" spcCol="0" rtlCol="0" fromWordArt="0" anchor="t" anchorCtr="0" forceAA="0" compatLnSpc="1">
-            <a:prstTxWarp prst="textNoShape">
-              <a:avLst/>
-            </a:prstTxWarp>
-            <a:spAutoFit/>
-          </a:bodyPr>
-          <a:lstStyle/>
-          <a:p>
-            <a:r>
-              <a:rPr lang="en-GB" b="1">
-                <a:solidFill>
-                  <a:schemeClr val="bg1"/>
-                </a:solidFill>
-              </a:rPr>
-              <a:t>NEXT</a:t>
             </a:r>
           </a:p>
         </p:txBody>
@@ -6015,7 +8532,7 @@
           <p:nvPr/>
         </p:nvPicPr>
         <p:blipFill rotWithShape="1">
-          <a:blip r:embed="rId3"/>
+          <a:blip r:embed="rId4"/>
           <a:srcRect r="-172" b="38738"/>
           <a:stretch/>
         </p:blipFill>
@@ -6044,7 +8561,7 @@
         <p:spPr>
           <a:xfrm>
             <a:off x="5625570" y="775758"/>
-            <a:ext cx="1989666" cy="275167"/>
+            <a:ext cx="1970128" cy="187244"/>
           </a:xfrm>
           <a:prstGeom prst="roundRect">
             <a:avLst/>
@@ -6097,8 +8614,8 @@
         </p:nvSpPr>
         <p:spPr>
           <a:xfrm>
-            <a:off x="5171492" y="683078"/>
-            <a:ext cx="2466197" cy="369332"/>
+            <a:off x="4819586" y="702617"/>
+            <a:ext cx="2777671" cy="369332"/>
           </a:xfrm>
           <a:prstGeom prst="rect">
             <a:avLst/>
@@ -6119,7 +8636,7 @@
                 <a:latin typeface="Arial Rounded MT Bold"/>
                 <a:cs typeface="Calibri"/>
               </a:rPr>
-              <a:t>Would I Lie to You?</a:t>
+              <a:t>Would They Lie to You?</a:t>
             </a:r>
             <a:endParaRPr lang="en-GB">
               <a:cs typeface="Calibri"/>
@@ -6290,15 +8807,587 @@
           <p:nvPr/>
         </p:nvPicPr>
         <p:blipFill>
-          <a:blip r:embed="rId4"/>
+          <a:blip r:embed="rId5"/>
           <a:stretch>
             <a:fillRect/>
           </a:stretch>
         </p:blipFill>
         <p:spPr>
           <a:xfrm>
-            <a:off x="2152650" y="735656"/>
-            <a:ext cx="306388" cy="306690"/>
+            <a:off x="2152650" y="706349"/>
+            <a:ext cx="374772" cy="335997"/>
+          </a:xfrm>
+          <a:prstGeom prst="rect">
+            <a:avLst/>
+          </a:prstGeom>
+        </p:spPr>
+      </p:pic>
+      <p:sp>
+        <p:nvSpPr>
+          <p:cNvPr id="11" name="TextBox 10">
+            <a:extLst>
+              <a:ext uri="{FF2B5EF4-FFF2-40B4-BE49-F238E27FC236}">
+                <a16:creationId xmlns:a16="http://schemas.microsoft.com/office/drawing/2014/main" id="{EDA6F4BC-9AFD-4127-8E7C-7C58E713452D}"/>
+              </a:ext>
+            </a:extLst>
+          </p:cNvPr>
+          <p:cNvSpPr txBox="1"/>
+          <p:nvPr/>
+        </p:nvSpPr>
+        <p:spPr>
+          <a:xfrm>
+            <a:off x="2303173" y="2559027"/>
+            <a:ext cx="3165915" cy="1169551"/>
+          </a:xfrm>
+          <a:prstGeom prst="rect">
+            <a:avLst/>
+          </a:prstGeom>
+          <a:noFill/>
+        </p:spPr>
+        <p:txBody>
+          <a:bodyPr rot="0" spcFirstLastPara="0" vertOverflow="overflow" horzOverflow="overflow" vert="horz" wrap="square" lIns="91440" tIns="45720" rIns="91440" bIns="45720" numCol="1" spcCol="0" rtlCol="0" fromWordArt="0" anchor="t" anchorCtr="0" forceAA="0" compatLnSpc="1">
+            <a:prstTxWarp prst="textNoShape">
+              <a:avLst/>
+            </a:prstTxWarp>
+            <a:spAutoFit/>
+          </a:bodyPr>
+          <a:lstStyle/>
+          <a:p>
+            <a:r>
+              <a:rPr lang="en-GB" sz="1400" i="1">
+                <a:solidFill>
+                  <a:schemeClr val="bg1"/>
+                </a:solidFill>
+                <a:latin typeface="Bell MT"/>
+                <a:ea typeface="+mn-lt"/>
+                <a:cs typeface="+mn-lt"/>
+              </a:rPr>
+              <a:t>HEADLINE: Lorem ipsum </a:t>
+            </a:r>
+            <a:r>
+              <a:rPr lang="en-GB" sz="1400" i="1" err="1">
+                <a:solidFill>
+                  <a:schemeClr val="bg1"/>
+                </a:solidFill>
+                <a:latin typeface="Bell MT"/>
+                <a:ea typeface="+mn-lt"/>
+                <a:cs typeface="+mn-lt"/>
+              </a:rPr>
+              <a:t>dolor</a:t>
+            </a:r>
+            <a:r>
+              <a:rPr lang="en-GB" sz="1400" i="1">
+                <a:solidFill>
+                  <a:schemeClr val="bg1"/>
+                </a:solidFill>
+                <a:latin typeface="Bell MT"/>
+                <a:ea typeface="+mn-lt"/>
+                <a:cs typeface="+mn-lt"/>
+              </a:rPr>
+              <a:t> sit </a:t>
+            </a:r>
+            <a:r>
+              <a:rPr lang="en-GB" sz="1400" i="1" err="1">
+                <a:solidFill>
+                  <a:schemeClr val="bg1"/>
+                </a:solidFill>
+                <a:latin typeface="Bell MT"/>
+                <a:ea typeface="+mn-lt"/>
+                <a:cs typeface="+mn-lt"/>
+              </a:rPr>
+              <a:t>amet</a:t>
+            </a:r>
+            <a:r>
+              <a:rPr lang="en-GB" sz="1400" i="1">
+                <a:solidFill>
+                  <a:schemeClr val="bg1"/>
+                </a:solidFill>
+                <a:latin typeface="Bell MT"/>
+                <a:ea typeface="+mn-lt"/>
+                <a:cs typeface="+mn-lt"/>
+              </a:rPr>
+              <a:t>, </a:t>
+            </a:r>
+            <a:r>
+              <a:rPr lang="en-GB" sz="1400" i="1" err="1">
+                <a:solidFill>
+                  <a:schemeClr val="bg1"/>
+                </a:solidFill>
+                <a:latin typeface="Bell MT"/>
+                <a:ea typeface="+mn-lt"/>
+                <a:cs typeface="+mn-lt"/>
+              </a:rPr>
+              <a:t>consectetuer</a:t>
+            </a:r>
+            <a:r>
+              <a:rPr lang="en-GB" sz="1400" i="1">
+                <a:solidFill>
+                  <a:schemeClr val="bg1"/>
+                </a:solidFill>
+                <a:latin typeface="Bell MT"/>
+                <a:ea typeface="+mn-lt"/>
+                <a:cs typeface="+mn-lt"/>
+              </a:rPr>
+              <a:t> </a:t>
+            </a:r>
+            <a:r>
+              <a:rPr lang="en-GB" sz="1400" i="1" err="1">
+                <a:solidFill>
+                  <a:schemeClr val="bg1"/>
+                </a:solidFill>
+                <a:latin typeface="Bell MT"/>
+                <a:ea typeface="+mn-lt"/>
+                <a:cs typeface="+mn-lt"/>
+              </a:rPr>
+              <a:t>adipiscing</a:t>
+            </a:r>
+            <a:r>
+              <a:rPr lang="en-GB" sz="1400" i="1">
+                <a:solidFill>
+                  <a:schemeClr val="bg1"/>
+                </a:solidFill>
+                <a:latin typeface="Bell MT"/>
+                <a:ea typeface="+mn-lt"/>
+                <a:cs typeface="+mn-lt"/>
+              </a:rPr>
+              <a:t> </a:t>
+            </a:r>
+            <a:r>
+              <a:rPr lang="en-GB" sz="1400" i="1" err="1">
+                <a:solidFill>
+                  <a:schemeClr val="bg1"/>
+                </a:solidFill>
+                <a:latin typeface="Bell MT"/>
+                <a:ea typeface="+mn-lt"/>
+                <a:cs typeface="+mn-lt"/>
+              </a:rPr>
+              <a:t>elit</a:t>
+            </a:r>
+            <a:r>
+              <a:rPr lang="en-GB" sz="1400" i="1">
+                <a:solidFill>
+                  <a:schemeClr val="bg1"/>
+                </a:solidFill>
+                <a:latin typeface="Bell MT"/>
+                <a:ea typeface="+mn-lt"/>
+                <a:cs typeface="+mn-lt"/>
+              </a:rPr>
+              <a:t>. Aenean </a:t>
+            </a:r>
+            <a:r>
+              <a:rPr lang="en-GB" sz="1400" i="1" err="1">
+                <a:solidFill>
+                  <a:schemeClr val="bg1"/>
+                </a:solidFill>
+                <a:latin typeface="Bell MT"/>
+                <a:ea typeface="+mn-lt"/>
+                <a:cs typeface="+mn-lt"/>
+              </a:rPr>
+              <a:t>commodo</a:t>
+            </a:r>
+            <a:r>
+              <a:rPr lang="en-GB" sz="1400" i="1">
+                <a:solidFill>
+                  <a:schemeClr val="bg1"/>
+                </a:solidFill>
+                <a:latin typeface="Bell MT"/>
+                <a:ea typeface="+mn-lt"/>
+                <a:cs typeface="+mn-lt"/>
+              </a:rPr>
+              <a:t> ligula </a:t>
+            </a:r>
+            <a:r>
+              <a:rPr lang="en-GB" sz="1400" i="1" err="1">
+                <a:solidFill>
+                  <a:schemeClr val="bg1"/>
+                </a:solidFill>
+                <a:latin typeface="Bell MT"/>
+                <a:ea typeface="+mn-lt"/>
+                <a:cs typeface="+mn-lt"/>
+              </a:rPr>
+              <a:t>eget</a:t>
+            </a:r>
+            <a:r>
+              <a:rPr lang="en-GB" sz="1400" i="1">
+                <a:solidFill>
+                  <a:schemeClr val="bg1"/>
+                </a:solidFill>
+                <a:latin typeface="Bell MT"/>
+                <a:ea typeface="+mn-lt"/>
+                <a:cs typeface="+mn-lt"/>
+              </a:rPr>
+              <a:t> </a:t>
+            </a:r>
+            <a:r>
+              <a:rPr lang="en-GB" sz="1400" i="1" err="1">
+                <a:solidFill>
+                  <a:schemeClr val="bg1"/>
+                </a:solidFill>
+                <a:latin typeface="Bell MT"/>
+                <a:ea typeface="+mn-lt"/>
+                <a:cs typeface="+mn-lt"/>
+              </a:rPr>
+              <a:t>dolor</a:t>
+            </a:r>
+            <a:r>
+              <a:rPr lang="en-GB" sz="1400" i="1">
+                <a:solidFill>
+                  <a:schemeClr val="bg1"/>
+                </a:solidFill>
+                <a:latin typeface="Bell MT"/>
+                <a:ea typeface="+mn-lt"/>
+                <a:cs typeface="+mn-lt"/>
+              </a:rPr>
+              <a:t>. Aenean </a:t>
+            </a:r>
+            <a:r>
+              <a:rPr lang="en-GB" sz="1400" i="1" err="1">
+                <a:solidFill>
+                  <a:schemeClr val="bg1"/>
+                </a:solidFill>
+                <a:latin typeface="Bell MT"/>
+                <a:ea typeface="+mn-lt"/>
+                <a:cs typeface="+mn-lt"/>
+              </a:rPr>
+              <a:t>massa</a:t>
+            </a:r>
+            <a:r>
+              <a:rPr lang="en-GB" sz="1400" i="1">
+                <a:solidFill>
+                  <a:schemeClr val="bg1"/>
+                </a:solidFill>
+                <a:latin typeface="Bell MT"/>
+                <a:ea typeface="+mn-lt"/>
+                <a:cs typeface="+mn-lt"/>
+              </a:rPr>
+              <a:t>. Cum sociis </a:t>
+            </a:r>
+            <a:r>
+              <a:rPr lang="en-GB" sz="1400" i="1" err="1">
+                <a:solidFill>
+                  <a:schemeClr val="bg1"/>
+                </a:solidFill>
+                <a:latin typeface="Bell MT"/>
+                <a:ea typeface="+mn-lt"/>
+                <a:cs typeface="+mn-lt"/>
+              </a:rPr>
+              <a:t>natoque</a:t>
+            </a:r>
+            <a:r>
+              <a:rPr lang="en-GB" sz="1400" i="1">
+                <a:solidFill>
+                  <a:schemeClr val="bg1"/>
+                </a:solidFill>
+                <a:latin typeface="Bell MT"/>
+                <a:ea typeface="+mn-lt"/>
+                <a:cs typeface="+mn-lt"/>
+              </a:rPr>
+              <a:t> </a:t>
+            </a:r>
+            <a:r>
+              <a:rPr lang="en-GB" sz="1400" i="1" err="1">
+                <a:solidFill>
+                  <a:schemeClr val="bg1"/>
+                </a:solidFill>
+                <a:latin typeface="Bell MT"/>
+                <a:ea typeface="+mn-lt"/>
+                <a:cs typeface="+mn-lt"/>
+              </a:rPr>
+              <a:t>penatibus</a:t>
+            </a:r>
+            <a:r>
+              <a:rPr lang="en-GB" sz="1400" i="1">
+                <a:solidFill>
+                  <a:schemeClr val="bg1"/>
+                </a:solidFill>
+                <a:latin typeface="Bell MT"/>
+                <a:ea typeface="+mn-lt"/>
+                <a:cs typeface="+mn-lt"/>
+              </a:rPr>
+              <a:t> et </a:t>
+            </a:r>
+            <a:r>
+              <a:rPr lang="en-GB" sz="1400" i="1" err="1">
+                <a:solidFill>
+                  <a:schemeClr val="bg1"/>
+                </a:solidFill>
+                <a:latin typeface="Bell MT"/>
+                <a:ea typeface="+mn-lt"/>
+                <a:cs typeface="+mn-lt"/>
+              </a:rPr>
+              <a:t>magnis</a:t>
+            </a:r>
+            <a:r>
+              <a:rPr lang="en-GB" sz="1400" i="1">
+                <a:solidFill>
+                  <a:schemeClr val="bg1"/>
+                </a:solidFill>
+                <a:latin typeface="Bell MT"/>
+                <a:ea typeface="+mn-lt"/>
+                <a:cs typeface="+mn-lt"/>
+              </a:rPr>
+              <a:t> dis parturient </a:t>
+            </a:r>
+            <a:r>
+              <a:rPr lang="en-GB" sz="1400" i="1" err="1">
+                <a:solidFill>
+                  <a:schemeClr val="bg1"/>
+                </a:solidFill>
+                <a:latin typeface="Bell MT"/>
+                <a:ea typeface="+mn-lt"/>
+                <a:cs typeface="+mn-lt"/>
+              </a:rPr>
+              <a:t>montes</a:t>
+            </a:r>
+            <a:r>
+              <a:rPr lang="en-GB" sz="1400" i="1">
+                <a:solidFill>
+                  <a:schemeClr val="bg1"/>
+                </a:solidFill>
+                <a:latin typeface="Bell MT"/>
+                <a:ea typeface="+mn-lt"/>
+                <a:cs typeface="+mn-lt"/>
+              </a:rPr>
+              <a:t>, </a:t>
+            </a:r>
+            <a:r>
+              <a:rPr lang="en-GB" sz="1400" i="1" err="1">
+                <a:solidFill>
+                  <a:schemeClr val="bg1"/>
+                </a:solidFill>
+                <a:latin typeface="Bell MT"/>
+                <a:ea typeface="+mn-lt"/>
+                <a:cs typeface="+mn-lt"/>
+              </a:rPr>
+              <a:t>nascetur</a:t>
+            </a:r>
+            <a:r>
+              <a:rPr lang="en-GB" sz="1400" i="1">
+                <a:solidFill>
+                  <a:schemeClr val="bg1"/>
+                </a:solidFill>
+                <a:latin typeface="Bell MT"/>
+                <a:ea typeface="+mn-lt"/>
+                <a:cs typeface="+mn-lt"/>
+              </a:rPr>
+              <a:t> </a:t>
+            </a:r>
+            <a:r>
+              <a:rPr lang="en-GB" sz="1400" i="1" err="1">
+                <a:solidFill>
+                  <a:schemeClr val="bg1"/>
+                </a:solidFill>
+                <a:latin typeface="Bell MT"/>
+                <a:ea typeface="+mn-lt"/>
+                <a:cs typeface="+mn-lt"/>
+              </a:rPr>
+              <a:t>ridiculus</a:t>
+            </a:r>
+            <a:r>
+              <a:rPr lang="en-GB" sz="1400" i="1">
+                <a:solidFill>
+                  <a:schemeClr val="bg1"/>
+                </a:solidFill>
+                <a:latin typeface="Bell MT"/>
+                <a:ea typeface="+mn-lt"/>
+                <a:cs typeface="+mn-lt"/>
+              </a:rPr>
+              <a:t> mus. </a:t>
+            </a:r>
+            <a:endParaRPr lang="en-GB" sz="1400">
+              <a:solidFill>
+                <a:schemeClr val="bg1"/>
+              </a:solidFill>
+              <a:latin typeface="Bell MT"/>
+              <a:cs typeface="Calibri"/>
+            </a:endParaRPr>
+          </a:p>
+        </p:txBody>
+      </p:sp>
+      <p:sp>
+        <p:nvSpPr>
+          <p:cNvPr id="13" name="Rectangle: Rounded Corners 12">
+            <a:extLst>
+              <a:ext uri="{FF2B5EF4-FFF2-40B4-BE49-F238E27FC236}">
+                <a16:creationId xmlns:a16="http://schemas.microsoft.com/office/drawing/2014/main" id="{FEF84240-772D-4726-934D-98C815D43FFF}"/>
+              </a:ext>
+            </a:extLst>
+          </p:cNvPr>
+          <p:cNvSpPr/>
+          <p:nvPr/>
+        </p:nvSpPr>
+        <p:spPr>
+          <a:xfrm>
+            <a:off x="7595540" y="723430"/>
+            <a:ext cx="2483555" cy="291630"/>
+          </a:xfrm>
+          <a:prstGeom prst="roundRect">
+            <a:avLst/>
+          </a:prstGeom>
+          <a:solidFill>
+            <a:schemeClr val="bg1"/>
+          </a:solidFill>
+          <a:ln>
+            <a:solidFill>
+              <a:schemeClr val="bg1"/>
+            </a:solidFill>
+          </a:ln>
+        </p:spPr>
+        <p:style>
+          <a:lnRef idx="2">
+            <a:schemeClr val="accent1">
+              <a:shade val="50000"/>
+            </a:schemeClr>
+          </a:lnRef>
+          <a:fillRef idx="1">
+            <a:schemeClr val="accent1"/>
+          </a:fillRef>
+          <a:effectRef idx="0">
+            <a:schemeClr val="accent1"/>
+          </a:effectRef>
+          <a:fontRef idx="minor">
+            <a:schemeClr val="lt1"/>
+          </a:fontRef>
+        </p:style>
+        <p:txBody>
+          <a:bodyPr rtlCol="0" anchor="ctr"/>
+          <a:lstStyle/>
+          <a:p>
+            <a:pPr algn="ctr"/>
+            <a:endParaRPr lang="en-GB"/>
+          </a:p>
+        </p:txBody>
+      </p:sp>
+      <p:sp>
+        <p:nvSpPr>
+          <p:cNvPr id="18" name="Star: 5 Points 17">
+            <a:extLst>
+              <a:ext uri="{FF2B5EF4-FFF2-40B4-BE49-F238E27FC236}">
+                <a16:creationId xmlns:a16="http://schemas.microsoft.com/office/drawing/2014/main" id="{3B9137E2-1707-430B-B7FE-DA1149C0B870}"/>
+              </a:ext>
+            </a:extLst>
+          </p:cNvPr>
+          <p:cNvSpPr/>
+          <p:nvPr/>
+        </p:nvSpPr>
+        <p:spPr>
+          <a:xfrm>
+            <a:off x="9887781" y="737349"/>
+            <a:ext cx="420138" cy="301747"/>
+          </a:xfrm>
+          <a:prstGeom prst="star5">
+            <a:avLst/>
+          </a:prstGeom>
+          <a:solidFill>
+            <a:schemeClr val="accent2"/>
+          </a:solidFill>
+          <a:ln>
+            <a:solidFill>
+              <a:schemeClr val="accent2"/>
+            </a:solidFill>
+          </a:ln>
+        </p:spPr>
+        <p:style>
+          <a:lnRef idx="2">
+            <a:schemeClr val="accent1">
+              <a:shade val="50000"/>
+            </a:schemeClr>
+          </a:lnRef>
+          <a:fillRef idx="1">
+            <a:schemeClr val="accent1"/>
+          </a:fillRef>
+          <a:effectRef idx="0">
+            <a:schemeClr val="accent1"/>
+          </a:effectRef>
+          <a:fontRef idx="minor">
+            <a:schemeClr val="lt1"/>
+          </a:fontRef>
+        </p:style>
+        <p:txBody>
+          <a:bodyPr rtlCol="0" anchor="ctr"/>
+          <a:lstStyle/>
+          <a:p>
+            <a:pPr algn="ctr"/>
+            <a:endParaRPr lang="en-GB"/>
+          </a:p>
+        </p:txBody>
+      </p:sp>
+      <p:sp>
+        <p:nvSpPr>
+          <p:cNvPr id="16" name="Rectangle: Rounded Corners 15">
+            <a:extLst>
+              <a:ext uri="{FF2B5EF4-FFF2-40B4-BE49-F238E27FC236}">
+                <a16:creationId xmlns:a16="http://schemas.microsoft.com/office/drawing/2014/main" id="{31F0C4F6-B900-4446-A07B-8D999CD46A7C}"/>
+              </a:ext>
+            </a:extLst>
+          </p:cNvPr>
+          <p:cNvSpPr/>
+          <p:nvPr/>
+        </p:nvSpPr>
+        <p:spPr>
+          <a:xfrm>
+            <a:off x="4634345" y="4972048"/>
+            <a:ext cx="3195203" cy="207818"/>
+          </a:xfrm>
+          <a:prstGeom prst="roundRect">
+            <a:avLst/>
+          </a:prstGeom>
+        </p:spPr>
+        <p:style>
+          <a:lnRef idx="2">
+            <a:schemeClr val="accent1">
+              <a:shade val="50000"/>
+            </a:schemeClr>
+          </a:lnRef>
+          <a:fillRef idx="1">
+            <a:schemeClr val="accent1"/>
+          </a:fillRef>
+          <a:effectRef idx="0">
+            <a:schemeClr val="accent1"/>
+          </a:effectRef>
+          <a:fontRef idx="minor">
+            <a:schemeClr val="lt1"/>
+          </a:fontRef>
+        </p:style>
+        <p:txBody>
+          <a:bodyPr lIns="91440" tIns="45720" rIns="91440" bIns="45720" rtlCol="0" anchor="ctr"/>
+          <a:lstStyle/>
+          <a:p>
+            <a:pPr algn="ctr"/>
+            <a:r>
+              <a:rPr lang="en-GB">
+                <a:cs typeface="Calibri"/>
+              </a:rPr>
+              <a:t>4/10</a:t>
+            </a:r>
+            <a:endParaRPr lang="en-GB"/>
+          </a:p>
+        </p:txBody>
+      </p:sp>
+      <p:pic>
+        <p:nvPicPr>
+          <p:cNvPr id="19" name="Picture 19">
+            <a:extLst>
+              <a:ext uri="{FF2B5EF4-FFF2-40B4-BE49-F238E27FC236}">
+                <a16:creationId xmlns:a16="http://schemas.microsoft.com/office/drawing/2014/main" id="{70C961EE-468B-473B-9DDF-7E1761818282}"/>
+              </a:ext>
+            </a:extLst>
+          </p:cNvPr>
+          <p:cNvPicPr>
+            <a:picLocks noChangeAspect="1"/>
+          </p:cNvPicPr>
+          <p:nvPr/>
+        </p:nvPicPr>
+        <p:blipFill>
+          <a:blip r:embed="rId6"/>
+          <a:stretch>
+            <a:fillRect/>
+          </a:stretch>
+        </p:blipFill>
+        <p:spPr>
+          <a:xfrm>
+            <a:off x="4636477" y="5181402"/>
+            <a:ext cx="3212122" cy="31658"/>
           </a:xfrm>
           <a:prstGeom prst="rect">
             <a:avLst/>
@@ -6350,7 +9439,7 @@
           <p:nvPr/>
         </p:nvPicPr>
         <p:blipFill rotWithShape="1">
-          <a:blip r:embed="rId2"/>
+          <a:blip r:embed="rId3"/>
           <a:srcRect t="41" r="-144" b="13889"/>
           <a:stretch/>
         </p:blipFill>
@@ -6384,6 +9473,9 @@
           <a:prstGeom prst="rect">
             <a:avLst/>
           </a:prstGeom>
+          <a:solidFill>
+            <a:srgbClr val="002A5E"/>
+          </a:solidFill>
         </p:spPr>
         <p:style>
           <a:lnRef idx="2">
@@ -6425,7 +9517,7 @@
         <p:spPr>
           <a:xfrm>
             <a:off x="4397958" y="1195906"/>
-            <a:ext cx="3676357" cy="495040"/>
+            <a:ext cx="3676357" cy="358272"/>
           </a:xfrm>
           <a:prstGeom prst="roundRect">
             <a:avLst/>
@@ -6532,7 +9624,85 @@
         </p:nvSpPr>
         <p:spPr>
           <a:xfrm>
-            <a:off x="3612146" y="2442093"/>
+            <a:off x="3612146" y="2149017"/>
+            <a:ext cx="5343232" cy="586626"/>
+          </a:xfrm>
+          <a:prstGeom prst="roundRect">
+            <a:avLst/>
+          </a:prstGeom>
+          <a:solidFill>
+            <a:schemeClr val="accent1">
+              <a:lumMod val="40000"/>
+              <a:lumOff val="60000"/>
+            </a:schemeClr>
+          </a:solidFill>
+        </p:spPr>
+        <p:style>
+          <a:lnRef idx="2">
+            <a:schemeClr val="accent1">
+              <a:shade val="50000"/>
+            </a:schemeClr>
+          </a:lnRef>
+          <a:fillRef idx="1">
+            <a:schemeClr val="accent1"/>
+          </a:fillRef>
+          <a:effectRef idx="0">
+            <a:schemeClr val="accent1"/>
+          </a:effectRef>
+          <a:fontRef idx="minor">
+            <a:schemeClr val="lt1"/>
+          </a:fontRef>
+        </p:style>
+        <p:txBody>
+          <a:bodyPr lIns="91440" tIns="45720" rIns="91440" bIns="45720" rtlCol="0" anchor="ctr"/>
+          <a:lstStyle/>
+          <a:p>
+            <a:pPr algn="ctr"/>
+            <a:r>
+              <a:rPr lang="en-GB">
+                <a:cs typeface="Calibri"/>
+              </a:rPr>
+              <a:t>This article was posted by BBC</a:t>
+            </a:r>
+            <a:endParaRPr lang="en-GB" err="1">
+              <a:cs typeface="Calibri"/>
+            </a:endParaRPr>
+          </a:p>
+          <a:p>
+            <a:pPr algn="ctr"/>
+            <a:r>
+              <a:rPr lang="en-GB">
+                <a:cs typeface="Calibri"/>
+              </a:rPr>
+              <a:t>It was deemed fake by the </a:t>
+            </a:r>
+            <a:r>
+              <a:rPr lang="en-GB" err="1">
+                <a:cs typeface="Calibri"/>
+              </a:rPr>
+              <a:t>FakeNewsCorpus</a:t>
+            </a:r>
+            <a:endParaRPr lang="en-GB">
+              <a:cs typeface="Calibri"/>
+            </a:endParaRPr>
+          </a:p>
+        </p:txBody>
+      </p:sp>
+      <p:sp>
+        <p:nvSpPr>
+          <p:cNvPr id="10" name="Rectangle: Rounded Corners 9">
+            <a:extLst>
+              <a:ext uri="{FF2B5EF4-FFF2-40B4-BE49-F238E27FC236}">
+                <a16:creationId xmlns:a16="http://schemas.microsoft.com/office/drawing/2014/main" id="{D42E938B-37EF-40A9-BF11-09BE2553467A}"/>
+              </a:ext>
+            </a:extLst>
+          </p:cNvPr>
+          <p:cNvSpPr/>
+          <p:nvPr/>
+        </p:nvSpPr>
+        <p:spPr>
+          <a:xfrm>
+            <a:off x="3612145" y="2862781"/>
             <a:ext cx="5343232" cy="479165"/>
           </a:xfrm>
           <a:prstGeom prst="roundRect">
@@ -6570,70 +9740,6 @@
               <a:rPr lang="en-GB">
                 <a:cs typeface="Calibri"/>
               </a:rPr>
-              <a:t>This article was deemed fake by the </a:t>
-            </a:r>
-            <a:r>
-              <a:rPr lang="en-GB" err="1">
-                <a:cs typeface="Calibri"/>
-              </a:rPr>
-              <a:t>FakeNewsCorpus</a:t>
-            </a:r>
-            <a:endParaRPr lang="en-GB" err="1"/>
-          </a:p>
-        </p:txBody>
-      </p:sp>
-      <p:sp>
-        <p:nvSpPr>
-          <p:cNvPr id="10" name="Rectangle: Rounded Corners 9">
-            <a:extLst>
-              <a:ext uri="{FF2B5EF4-FFF2-40B4-BE49-F238E27FC236}">
-                <a16:creationId xmlns:a16="http://schemas.microsoft.com/office/drawing/2014/main" id="{D42E938B-37EF-40A9-BF11-09BE2553467A}"/>
-              </a:ext>
-            </a:extLst>
-          </p:cNvPr>
-          <p:cNvSpPr/>
-          <p:nvPr/>
-        </p:nvSpPr>
-        <p:spPr>
-          <a:xfrm>
-            <a:off x="3612145" y="3116781"/>
-            <a:ext cx="5343232" cy="479165"/>
-          </a:xfrm>
-          <a:prstGeom prst="roundRect">
-            <a:avLst/>
-          </a:prstGeom>
-          <a:solidFill>
-            <a:schemeClr val="accent1">
-              <a:lumMod val="40000"/>
-              <a:lumOff val="60000"/>
-            </a:schemeClr>
-          </a:solidFill>
-        </p:spPr>
-        <p:style>
-          <a:lnRef idx="2">
-            <a:schemeClr val="accent1">
-              <a:shade val="50000"/>
-            </a:schemeClr>
-          </a:lnRef>
-          <a:fillRef idx="1">
-            <a:schemeClr val="accent1"/>
-          </a:fillRef>
-          <a:effectRef idx="0">
-            <a:schemeClr val="accent1"/>
-          </a:effectRef>
-          <a:fontRef idx="minor">
-            <a:schemeClr val="lt1"/>
-          </a:fontRef>
-        </p:style>
-        <p:txBody>
-          <a:bodyPr lIns="91440" tIns="45720" rIns="91440" bIns="45720" rtlCol="0" anchor="ctr"/>
-          <a:lstStyle/>
-          <a:p>
-            <a:pPr algn="ctr"/>
-            <a:r>
-              <a:rPr lang="en-GB">
-                <a:cs typeface="Calibri"/>
-              </a:rPr>
               <a:t>78% of respondents thought this was real.</a:t>
             </a:r>
             <a:endParaRPr lang="en-US"/>
@@ -6655,7 +9761,7 @@
           <p:nvPr/>
         </p:nvPicPr>
         <p:blipFill rotWithShape="1">
-          <a:blip r:embed="rId3"/>
+          <a:blip r:embed="rId4"/>
           <a:srcRect r="-172" b="38738"/>
           <a:stretch/>
         </p:blipFill>
@@ -6684,7 +9790,7 @@
           <p:nvPr/>
         </p:nvPicPr>
         <p:blipFill>
-          <a:blip r:embed="rId4"/>
+          <a:blip r:embed="rId5"/>
           <a:stretch>
             <a:fillRect/>
           </a:stretch>
@@ -6767,7 +9873,7 @@
         </p:nvSpPr>
         <p:spPr>
           <a:xfrm>
-            <a:off x="4874208" y="1822968"/>
+            <a:off x="4903516" y="1715506"/>
             <a:ext cx="2755607" cy="320415"/>
           </a:xfrm>
           <a:prstGeom prst="roundRect">
@@ -6806,7 +9912,7 @@
                 <a:ea typeface="+mn-lt"/>
                 <a:cs typeface="+mn-lt"/>
               </a:rPr>
-              <a:t>You were wrong...</a:t>
+              <a:t>You were wrong/right...</a:t>
             </a:r>
             <a:endParaRPr lang="en-GB" sz="2800" b="1">
               <a:solidFill>
@@ -6842,7 +9948,7 @@
         </p:nvSpPr>
         <p:spPr>
           <a:xfrm>
-            <a:off x="5551487" y="3948113"/>
+            <a:off x="5483102" y="4964113"/>
             <a:ext cx="1230312" cy="246062"/>
           </a:xfrm>
           <a:prstGeom prst="roundRect">
@@ -6899,8 +10005,8 @@
         </p:nvSpPr>
         <p:spPr>
           <a:xfrm>
-            <a:off x="5020679" y="675140"/>
-            <a:ext cx="2466197" cy="369332"/>
+            <a:off x="4731453" y="686264"/>
+            <a:ext cx="2755423" cy="369332"/>
           </a:xfrm>
           <a:prstGeom prst="rect">
             <a:avLst/>
@@ -6921,7 +10027,7 @@
                 <a:latin typeface="Arial Rounded MT Bold"/>
                 <a:cs typeface="Calibri"/>
               </a:rPr>
-              <a:t>Would I Lie to You?</a:t>
+              <a:t>Would They Lie to You?</a:t>
             </a:r>
             <a:endParaRPr lang="en-GB">
               <a:cs typeface="Calibri"/>
@@ -6929,6 +10035,226 @@
           </a:p>
         </p:txBody>
       </p:sp>
+      <p:sp>
+        <p:nvSpPr>
+          <p:cNvPr id="5" name="Rectangle: Rounded Corners 4">
+            <a:extLst>
+              <a:ext uri="{FF2B5EF4-FFF2-40B4-BE49-F238E27FC236}">
+                <a16:creationId xmlns:a16="http://schemas.microsoft.com/office/drawing/2014/main" id="{B63749A7-7B41-4512-A776-E1E7365CF5DF}"/>
+              </a:ext>
+            </a:extLst>
+          </p:cNvPr>
+          <p:cNvSpPr/>
+          <p:nvPr/>
+        </p:nvSpPr>
+        <p:spPr>
+          <a:xfrm>
+            <a:off x="7595540" y="723430"/>
+            <a:ext cx="2483555" cy="291630"/>
+          </a:xfrm>
+          <a:prstGeom prst="roundRect">
+            <a:avLst/>
+          </a:prstGeom>
+          <a:solidFill>
+            <a:schemeClr val="bg1"/>
+          </a:solidFill>
+          <a:ln>
+            <a:solidFill>
+              <a:schemeClr val="bg1"/>
+            </a:solidFill>
+          </a:ln>
+        </p:spPr>
+        <p:style>
+          <a:lnRef idx="2">
+            <a:schemeClr val="accent1">
+              <a:shade val="50000"/>
+            </a:schemeClr>
+          </a:lnRef>
+          <a:fillRef idx="1">
+            <a:schemeClr val="accent1"/>
+          </a:fillRef>
+          <a:effectRef idx="0">
+            <a:schemeClr val="accent1"/>
+          </a:effectRef>
+          <a:fontRef idx="minor">
+            <a:schemeClr val="lt1"/>
+          </a:fontRef>
+        </p:style>
+        <p:txBody>
+          <a:bodyPr rtlCol="0" anchor="ctr"/>
+          <a:lstStyle/>
+          <a:p>
+            <a:pPr algn="ctr"/>
+            <a:endParaRPr lang="en-GB"/>
+          </a:p>
+        </p:txBody>
+      </p:sp>
+      <p:sp>
+        <p:nvSpPr>
+          <p:cNvPr id="6" name="Star: 5 Points 5">
+            <a:extLst>
+              <a:ext uri="{FF2B5EF4-FFF2-40B4-BE49-F238E27FC236}">
+                <a16:creationId xmlns:a16="http://schemas.microsoft.com/office/drawing/2014/main" id="{72C3CB80-870D-4BAC-BCF1-8A5BD1646E2D}"/>
+              </a:ext>
+            </a:extLst>
+          </p:cNvPr>
+          <p:cNvSpPr/>
+          <p:nvPr/>
+        </p:nvSpPr>
+        <p:spPr>
+          <a:xfrm>
+            <a:off x="9887781" y="737349"/>
+            <a:ext cx="420138" cy="301747"/>
+          </a:xfrm>
+          <a:prstGeom prst="star5">
+            <a:avLst/>
+          </a:prstGeom>
+          <a:solidFill>
+            <a:schemeClr val="accent2"/>
+          </a:solidFill>
+          <a:ln>
+            <a:solidFill>
+              <a:schemeClr val="accent2"/>
+            </a:solidFill>
+          </a:ln>
+        </p:spPr>
+        <p:style>
+          <a:lnRef idx="2">
+            <a:schemeClr val="accent1">
+              <a:shade val="50000"/>
+            </a:schemeClr>
+          </a:lnRef>
+          <a:fillRef idx="1">
+            <a:schemeClr val="accent1"/>
+          </a:fillRef>
+          <a:effectRef idx="0">
+            <a:schemeClr val="accent1"/>
+          </a:effectRef>
+          <a:fontRef idx="minor">
+            <a:schemeClr val="lt1"/>
+          </a:fontRef>
+        </p:style>
+        <p:txBody>
+          <a:bodyPr rtlCol="0" anchor="ctr"/>
+          <a:lstStyle/>
+          <a:p>
+            <a:pPr algn="ctr"/>
+            <a:endParaRPr lang="en-GB"/>
+          </a:p>
+        </p:txBody>
+      </p:sp>
+      <p:sp>
+        <p:nvSpPr>
+          <p:cNvPr id="8" name="Rectangle: Rounded Corners 7">
+            <a:extLst>
+              <a:ext uri="{FF2B5EF4-FFF2-40B4-BE49-F238E27FC236}">
+                <a16:creationId xmlns:a16="http://schemas.microsoft.com/office/drawing/2014/main" id="{A7683DFB-05FA-4E41-BD5A-C85008EB39A7}"/>
+              </a:ext>
+            </a:extLst>
+          </p:cNvPr>
+          <p:cNvSpPr/>
+          <p:nvPr/>
+        </p:nvSpPr>
+        <p:spPr>
+          <a:xfrm>
+            <a:off x="4521776" y="4625684"/>
+            <a:ext cx="3195203" cy="207818"/>
+          </a:xfrm>
+          <a:prstGeom prst="roundRect">
+            <a:avLst/>
+          </a:prstGeom>
+        </p:spPr>
+        <p:style>
+          <a:lnRef idx="2">
+            <a:schemeClr val="accent1">
+              <a:shade val="50000"/>
+            </a:schemeClr>
+          </a:lnRef>
+          <a:fillRef idx="1">
+            <a:schemeClr val="accent1"/>
+          </a:fillRef>
+          <a:effectRef idx="0">
+            <a:schemeClr val="accent1"/>
+          </a:effectRef>
+          <a:fontRef idx="minor">
+            <a:schemeClr val="lt1"/>
+          </a:fontRef>
+        </p:style>
+        <p:txBody>
+          <a:bodyPr lIns="91440" tIns="45720" rIns="91440" bIns="45720" rtlCol="0" anchor="ctr"/>
+          <a:lstStyle/>
+          <a:p>
+            <a:pPr algn="ctr"/>
+            <a:r>
+              <a:rPr lang="en-GB">
+                <a:cs typeface="Calibri"/>
+              </a:rPr>
+              <a:t>4/10</a:t>
+            </a:r>
+            <a:endParaRPr lang="en-GB"/>
+          </a:p>
+        </p:txBody>
+      </p:sp>
+      <p:pic>
+        <p:nvPicPr>
+          <p:cNvPr id="11" name="Picture 19">
+            <a:extLst>
+              <a:ext uri="{FF2B5EF4-FFF2-40B4-BE49-F238E27FC236}">
+                <a16:creationId xmlns:a16="http://schemas.microsoft.com/office/drawing/2014/main" id="{2B520B05-CD29-40BD-A8C8-8F9EC1D5F4E3}"/>
+              </a:ext>
+            </a:extLst>
+          </p:cNvPr>
+          <p:cNvPicPr>
+            <a:picLocks noChangeAspect="1"/>
+          </p:cNvPicPr>
+          <p:nvPr/>
+        </p:nvPicPr>
+        <p:blipFill>
+          <a:blip r:embed="rId6"/>
+          <a:stretch>
+            <a:fillRect/>
+          </a:stretch>
+        </p:blipFill>
+        <p:spPr>
+          <a:xfrm>
+            <a:off x="4523908" y="4835038"/>
+            <a:ext cx="3212122" cy="31658"/>
+          </a:xfrm>
+          <a:prstGeom prst="rect">
+            <a:avLst/>
+          </a:prstGeom>
+        </p:spPr>
+      </p:pic>
+      <p:pic>
+        <p:nvPicPr>
+          <p:cNvPr id="13" name="Picture 21" descr="Chart, sunburst chart&#10;&#10;Description automatically generated">
+            <a:extLst>
+              <a:ext uri="{FF2B5EF4-FFF2-40B4-BE49-F238E27FC236}">
+                <a16:creationId xmlns:a16="http://schemas.microsoft.com/office/drawing/2014/main" id="{DA3E368B-4FEA-4571-90E1-63815C4DEA2F}"/>
+              </a:ext>
+            </a:extLst>
+          </p:cNvPr>
+          <p:cNvPicPr>
+            <a:picLocks noChangeAspect="1"/>
+          </p:cNvPicPr>
+          <p:nvPr/>
+        </p:nvPicPr>
+        <p:blipFill>
+          <a:blip r:embed="rId7"/>
+          <a:stretch>
+            <a:fillRect/>
+          </a:stretch>
+        </p:blipFill>
+        <p:spPr>
+          <a:xfrm>
+            <a:off x="5486400" y="3433876"/>
+            <a:ext cx="1385278" cy="1025784"/>
+          </a:xfrm>
+          <a:prstGeom prst="rect">
+            <a:avLst/>
+          </a:prstGeom>
+        </p:spPr>
+      </p:pic>
     </p:spTree>
     <p:extLst>
       <p:ext uri="{BB962C8B-B14F-4D97-AF65-F5344CB8AC3E}">
@@ -6974,7 +10300,7 @@
           <p:nvPr/>
         </p:nvPicPr>
         <p:blipFill rotWithShape="1">
-          <a:blip r:embed="rId2"/>
+          <a:blip r:embed="rId3"/>
           <a:srcRect t="41" r="-144" b="13889"/>
           <a:stretch/>
         </p:blipFill>
@@ -7008,6 +10334,9 @@
           <a:prstGeom prst="rect">
             <a:avLst/>
           </a:prstGeom>
+          <a:solidFill>
+            <a:srgbClr val="002A5E"/>
+          </a:solidFill>
         </p:spPr>
         <p:style>
           <a:lnRef idx="2">
@@ -7049,14 +10378,14 @@
           <p:nvPr/>
         </p:nvPicPr>
         <p:blipFill rotWithShape="1">
-          <a:blip r:embed="rId3"/>
+          <a:blip r:embed="rId4"/>
           <a:srcRect r="-172" b="38738"/>
           <a:stretch/>
         </p:blipFill>
         <p:spPr>
           <a:xfrm>
-            <a:off x="2725712" y="719849"/>
-            <a:ext cx="7714304" cy="293101"/>
+            <a:off x="2676866" y="680772"/>
+            <a:ext cx="7675227" cy="361485"/>
           </a:xfrm>
           <a:prstGeom prst="rect">
             <a:avLst/>
@@ -7078,7 +10407,7 @@
           <p:nvPr/>
         </p:nvPicPr>
         <p:blipFill>
-          <a:blip r:embed="rId4"/>
+          <a:blip r:embed="rId5"/>
           <a:stretch>
             <a:fillRect/>
           </a:stretch>
@@ -7108,7 +10437,7 @@
           <p:nvPr/>
         </p:nvPicPr>
         <p:blipFill>
-          <a:blip r:embed="rId5"/>
+          <a:blip r:embed="rId6"/>
           <a:stretch>
             <a:fillRect/>
           </a:stretch>
@@ -7137,8 +10466,8 @@
         </p:nvSpPr>
         <p:spPr>
           <a:xfrm>
-            <a:off x="5481083" y="806857"/>
-            <a:ext cx="1626638" cy="183452"/>
+            <a:off x="5481083" y="777550"/>
+            <a:ext cx="1753638" cy="202990"/>
           </a:xfrm>
           <a:prstGeom prst="roundRect">
             <a:avLst/>
@@ -7245,8 +10574,8 @@
         </p:nvSpPr>
         <p:spPr>
           <a:xfrm>
-            <a:off x="5060367" y="683078"/>
-            <a:ext cx="2466197" cy="369332"/>
+            <a:off x="4928376" y="684433"/>
+            <a:ext cx="2766547" cy="369332"/>
           </a:xfrm>
           <a:prstGeom prst="rect">
             <a:avLst/>
@@ -7267,7 +10596,7 @@
                 <a:latin typeface="Arial Rounded MT Bold"/>
                 <a:cs typeface="Calibri"/>
               </a:rPr>
-              <a:t>Would I Lie to You?</a:t>
+              <a:t>Would They Lie to You?</a:t>
             </a:r>
             <a:endParaRPr lang="en-GB">
               <a:cs typeface="Calibri"/>
@@ -7380,6 +10709,172 @@
           <a:p>
             <a:pPr algn="ctr"/>
             <a:endParaRPr lang="en-GB"/>
+          </a:p>
+        </p:txBody>
+      </p:sp>
+      <p:sp>
+        <p:nvSpPr>
+          <p:cNvPr id="8" name="Rectangle: Rounded Corners 7">
+            <a:extLst>
+              <a:ext uri="{FF2B5EF4-FFF2-40B4-BE49-F238E27FC236}">
+                <a16:creationId xmlns:a16="http://schemas.microsoft.com/office/drawing/2014/main" id="{BD48DBA5-B3E8-476E-86FC-1F5D9D6EFEE0}"/>
+              </a:ext>
+            </a:extLst>
+          </p:cNvPr>
+          <p:cNvSpPr/>
+          <p:nvPr/>
+        </p:nvSpPr>
+        <p:spPr>
+          <a:xfrm>
+            <a:off x="7595540" y="723430"/>
+            <a:ext cx="2483555" cy="291630"/>
+          </a:xfrm>
+          <a:prstGeom prst="roundRect">
+            <a:avLst/>
+          </a:prstGeom>
+          <a:solidFill>
+            <a:schemeClr val="bg1"/>
+          </a:solidFill>
+          <a:ln>
+            <a:solidFill>
+              <a:schemeClr val="bg1"/>
+            </a:solidFill>
+          </a:ln>
+        </p:spPr>
+        <p:style>
+          <a:lnRef idx="2">
+            <a:schemeClr val="accent1">
+              <a:shade val="50000"/>
+            </a:schemeClr>
+          </a:lnRef>
+          <a:fillRef idx="1">
+            <a:schemeClr val="accent1"/>
+          </a:fillRef>
+          <a:effectRef idx="0">
+            <a:schemeClr val="accent1"/>
+          </a:effectRef>
+          <a:fontRef idx="minor">
+            <a:schemeClr val="lt1"/>
+          </a:fontRef>
+        </p:style>
+        <p:txBody>
+          <a:bodyPr rtlCol="0" anchor="ctr"/>
+          <a:lstStyle/>
+          <a:p>
+            <a:pPr algn="ctr"/>
+            <a:endParaRPr lang="en-GB"/>
+          </a:p>
+        </p:txBody>
+      </p:sp>
+      <p:sp>
+        <p:nvSpPr>
+          <p:cNvPr id="9" name="Star: 5 Points 8">
+            <a:extLst>
+              <a:ext uri="{FF2B5EF4-FFF2-40B4-BE49-F238E27FC236}">
+                <a16:creationId xmlns:a16="http://schemas.microsoft.com/office/drawing/2014/main" id="{01BCDEAE-1776-45BB-8145-CE2586AEF9B8}"/>
+              </a:ext>
+            </a:extLst>
+          </p:cNvPr>
+          <p:cNvSpPr/>
+          <p:nvPr/>
+        </p:nvSpPr>
+        <p:spPr>
+          <a:xfrm>
+            <a:off x="9887781" y="737349"/>
+            <a:ext cx="420138" cy="301747"/>
+          </a:xfrm>
+          <a:prstGeom prst="star5">
+            <a:avLst/>
+          </a:prstGeom>
+          <a:solidFill>
+            <a:schemeClr val="accent2"/>
+          </a:solidFill>
+          <a:ln>
+            <a:solidFill>
+              <a:schemeClr val="accent2"/>
+            </a:solidFill>
+          </a:ln>
+        </p:spPr>
+        <p:style>
+          <a:lnRef idx="2">
+            <a:schemeClr val="accent1">
+              <a:shade val="50000"/>
+            </a:schemeClr>
+          </a:lnRef>
+          <a:fillRef idx="1">
+            <a:schemeClr val="accent1"/>
+          </a:fillRef>
+          <a:effectRef idx="0">
+            <a:schemeClr val="accent1"/>
+          </a:effectRef>
+          <a:fontRef idx="minor">
+            <a:schemeClr val="lt1"/>
+          </a:fontRef>
+        </p:style>
+        <p:txBody>
+          <a:bodyPr rtlCol="0" anchor="ctr"/>
+          <a:lstStyle/>
+          <a:p>
+            <a:pPr algn="ctr"/>
+            <a:endParaRPr lang="en-GB"/>
+          </a:p>
+        </p:txBody>
+      </p:sp>
+      <p:sp>
+        <p:nvSpPr>
+          <p:cNvPr id="16" name="Rectangle: Rounded Corners 15">
+            <a:extLst>
+              <a:ext uri="{FF2B5EF4-FFF2-40B4-BE49-F238E27FC236}">
+                <a16:creationId xmlns:a16="http://schemas.microsoft.com/office/drawing/2014/main" id="{9950737E-987C-4AD9-BD4F-01F34F15C427}"/>
+              </a:ext>
+            </a:extLst>
+          </p:cNvPr>
+          <p:cNvSpPr/>
+          <p:nvPr/>
+        </p:nvSpPr>
+        <p:spPr>
+          <a:xfrm>
+            <a:off x="4397958" y="1195906"/>
+            <a:ext cx="3676357" cy="358272"/>
+          </a:xfrm>
+          <a:prstGeom prst="roundRect">
+            <a:avLst/>
+          </a:prstGeom>
+          <a:solidFill>
+            <a:srgbClr val="ED7D31"/>
+          </a:solidFill>
+        </p:spPr>
+        <p:style>
+          <a:lnRef idx="2">
+            <a:schemeClr val="accent1">
+              <a:shade val="50000"/>
+            </a:schemeClr>
+          </a:lnRef>
+          <a:fillRef idx="1">
+            <a:schemeClr val="accent1"/>
+          </a:fillRef>
+          <a:effectRef idx="0">
+            <a:schemeClr val="accent1"/>
+          </a:effectRef>
+          <a:fontRef idx="minor">
+            <a:schemeClr val="lt1"/>
+          </a:fontRef>
+        </p:style>
+        <p:txBody>
+          <a:bodyPr lIns="91440" tIns="45720" rIns="91440" bIns="45720" rtlCol="0" anchor="ctr"/>
+          <a:lstStyle/>
+          <a:p>
+            <a:pPr algn="ctr"/>
+            <a:r>
+              <a:rPr lang="en-GB" sz="2800" b="1">
+                <a:solidFill>
+                  <a:schemeClr val="bg1"/>
+                </a:solidFill>
+                <a:ea typeface="+mn-lt"/>
+                <a:cs typeface="+mn-lt"/>
+              </a:rPr>
+              <a:t>Fake News Data Visuals</a:t>
+            </a:r>
           </a:p>
         </p:txBody>
       </p:sp>
@@ -7510,6 +11005,301 @@
       </a:minorFont>
     </a:fontScheme>
     <a:fmtScheme name="Office Theme">
+      <a:fillStyleLst>
+        <a:solidFill>
+          <a:schemeClr val="phClr"/>
+        </a:solidFill>
+        <a:gradFill rotWithShape="1">
+          <a:gsLst>
+            <a:gs pos="0">
+              <a:schemeClr val="phClr">
+                <a:lumMod val="110000"/>
+                <a:satMod val="105000"/>
+                <a:tint val="67000"/>
+              </a:schemeClr>
+            </a:gs>
+            <a:gs pos="50000">
+              <a:schemeClr val="phClr">
+                <a:lumMod val="105000"/>
+                <a:satMod val="103000"/>
+                <a:tint val="73000"/>
+              </a:schemeClr>
+            </a:gs>
+            <a:gs pos="100000">
+              <a:schemeClr val="phClr">
+                <a:lumMod val="105000"/>
+                <a:satMod val="109000"/>
+                <a:tint val="81000"/>
+              </a:schemeClr>
+            </a:gs>
+          </a:gsLst>
+          <a:lin ang="5400000" scaled="0"/>
+        </a:gradFill>
+        <a:gradFill rotWithShape="1">
+          <a:gsLst>
+            <a:gs pos="0">
+              <a:schemeClr val="phClr">
+                <a:satMod val="103000"/>
+                <a:lumMod val="102000"/>
+                <a:tint val="94000"/>
+              </a:schemeClr>
+            </a:gs>
+            <a:gs pos="50000">
+              <a:schemeClr val="phClr">
+                <a:satMod val="110000"/>
+                <a:lumMod val="100000"/>
+                <a:shade val="100000"/>
+              </a:schemeClr>
+            </a:gs>
+            <a:gs pos="100000">
+              <a:schemeClr val="phClr">
+                <a:lumMod val="99000"/>
+                <a:satMod val="120000"/>
+                <a:shade val="78000"/>
+              </a:schemeClr>
+            </a:gs>
+          </a:gsLst>
+          <a:lin ang="5400000" scaled="0"/>
+        </a:gradFill>
+      </a:fillStyleLst>
+      <a:lnStyleLst>
+        <a:ln w="6350" cap="flat" cmpd="sng" algn="ctr">
+          <a:solidFill>
+            <a:schemeClr val="phClr"/>
+          </a:solidFill>
+          <a:prstDash val="solid"/>
+          <a:miter lim="800000"/>
+        </a:ln>
+        <a:ln w="12700" cap="flat" cmpd="sng" algn="ctr">
+          <a:solidFill>
+            <a:schemeClr val="phClr"/>
+          </a:solidFill>
+          <a:prstDash val="solid"/>
+          <a:miter lim="800000"/>
+        </a:ln>
+        <a:ln w="19050" cap="flat" cmpd="sng" algn="ctr">
+          <a:solidFill>
+            <a:schemeClr val="phClr"/>
+          </a:solidFill>
+          <a:prstDash val="solid"/>
+          <a:miter lim="800000"/>
+        </a:ln>
+      </a:lnStyleLst>
+      <a:effectStyleLst>
+        <a:effectStyle>
+          <a:effectLst/>
+        </a:effectStyle>
+        <a:effectStyle>
+          <a:effectLst/>
+        </a:effectStyle>
+        <a:effectStyle>
+          <a:effectLst>
+            <a:outerShdw blurRad="57150" dist="19050" dir="5400000" algn="ctr" rotWithShape="0">
+              <a:srgbClr val="000000">
+                <a:alpha val="63000"/>
+              </a:srgbClr>
+            </a:outerShdw>
+          </a:effectLst>
+        </a:effectStyle>
+      </a:effectStyleLst>
+      <a:bgFillStyleLst>
+        <a:solidFill>
+          <a:schemeClr val="phClr"/>
+        </a:solidFill>
+        <a:solidFill>
+          <a:schemeClr val="phClr">
+            <a:tint val="95000"/>
+            <a:satMod val="170000"/>
+          </a:schemeClr>
+        </a:solidFill>
+        <a:gradFill rotWithShape="1">
+          <a:gsLst>
+            <a:gs pos="0">
+              <a:schemeClr val="phClr">
+                <a:tint val="93000"/>
+                <a:satMod val="150000"/>
+                <a:shade val="98000"/>
+                <a:lumMod val="102000"/>
+              </a:schemeClr>
+            </a:gs>
+            <a:gs pos="50000">
+              <a:schemeClr val="phClr">
+                <a:tint val="98000"/>
+                <a:satMod val="130000"/>
+                <a:shade val="90000"/>
+                <a:lumMod val="103000"/>
+              </a:schemeClr>
+            </a:gs>
+            <a:gs pos="100000">
+              <a:schemeClr val="phClr">
+                <a:shade val="63000"/>
+                <a:satMod val="120000"/>
+              </a:schemeClr>
+            </a:gs>
+          </a:gsLst>
+          <a:lin ang="5400000" scaled="0"/>
+        </a:gradFill>
+      </a:bgFillStyleLst>
+    </a:fmtScheme>
+  </a:themeElements>
+  <a:objectDefaults/>
+  <a:extraClrSchemeLst/>
+  <a:extLst>
+    <a:ext uri="{05A4C25C-085E-4340-85A3-A5531E510DB2}">
+      <thm15:themeFamily xmlns:thm15="http://schemas.microsoft.com/office/thememl/2012/main" name="Office Theme" id="{62F939B6-93AF-4DB8-9C6B-D6C7DFDC589F}" vid="{4A3C46E8-61CC-4603-A589-7422A47A8E4A}"/>
+    </a:ext>
+  </a:extLst>
+</a:theme>
+</file>
+
+<file path=ppt/theme/theme2.xml><?xml version="1.0" encoding="utf-8"?>
+<a:theme xmlns:a="http://schemas.openxmlformats.org/drawingml/2006/main" name="Office Theme">
+  <a:themeElements>
+    <a:clrScheme name="Office">
+      <a:dk1>
+        <a:sysClr val="windowText" lastClr="000000"/>
+      </a:dk1>
+      <a:lt1>
+        <a:sysClr val="window" lastClr="FFFFFF"/>
+      </a:lt1>
+      <a:dk2>
+        <a:srgbClr val="44546A"/>
+      </a:dk2>
+      <a:lt2>
+        <a:srgbClr val="E7E6E6"/>
+      </a:lt2>
+      <a:accent1>
+        <a:srgbClr val="4472C4"/>
+      </a:accent1>
+      <a:accent2>
+        <a:srgbClr val="ED7D31"/>
+      </a:accent2>
+      <a:accent3>
+        <a:srgbClr val="A5A5A5"/>
+      </a:accent3>
+      <a:accent4>
+        <a:srgbClr val="FFC000"/>
+      </a:accent4>
+      <a:accent5>
+        <a:srgbClr val="5B9BD5"/>
+      </a:accent5>
+      <a:accent6>
+        <a:srgbClr val="70AD47"/>
+      </a:accent6>
+      <a:hlink>
+        <a:srgbClr val="0563C1"/>
+      </a:hlink>
+      <a:folHlink>
+        <a:srgbClr val="954F72"/>
+      </a:folHlink>
+    </a:clrScheme>
+    <a:fontScheme name="Office">
+      <a:majorFont>
+        <a:latin typeface="Calibri Light" panose="020F0302020204030204"/>
+        <a:ea typeface=""/>
+        <a:cs typeface=""/>
+        <a:font script="Jpan" typeface="游ゴシック Light"/>
+        <a:font script="Hang" typeface="맑은 고딕"/>
+        <a:font script="Hans" typeface="等线 Light"/>
+        <a:font script="Hant" typeface="新細明體"/>
+        <a:font script="Arab" typeface="Times New Roman"/>
+        <a:font script="Hebr" typeface="Times New Roman"/>
+        <a:font script="Thai" typeface="Angsana New"/>
+        <a:font script="Ethi" typeface="Nyala"/>
+        <a:font script="Beng" typeface="Vrinda"/>
+        <a:font script="Gujr" typeface="Shruti"/>
+        <a:font script="Khmr" typeface="MoolBoran"/>
+        <a:font script="Knda" typeface="Tunga"/>
+        <a:font script="Guru" typeface="Raavi"/>
+        <a:font script="Cans" typeface="Euphemia"/>
+        <a:font script="Cher" typeface="Plantagenet Cherokee"/>
+        <a:font script="Yiii" typeface="Microsoft Yi Baiti"/>
+        <a:font script="Tibt" typeface="Microsoft Himalaya"/>
+        <a:font script="Thaa" typeface="MV Boli"/>
+        <a:font script="Deva" typeface="Mangal"/>
+        <a:font script="Telu" typeface="Gautami"/>
+        <a:font script="Taml" typeface="Latha"/>
+        <a:font script="Syrc" typeface="Estrangelo Edessa"/>
+        <a:font script="Orya" typeface="Kalinga"/>
+        <a:font script="Mlym" typeface="Kartika"/>
+        <a:font script="Laoo" typeface="DokChampa"/>
+        <a:font script="Sinh" typeface="Iskoola Pota"/>
+        <a:font script="Mong" typeface="Mongolian Baiti"/>
+        <a:font script="Viet" typeface="Times New Roman"/>
+        <a:font script="Uigh" typeface="Microsoft Uighur"/>
+        <a:font script="Geor" typeface="Sylfaen"/>
+        <a:font script="Armn" typeface="Arial"/>
+        <a:font script="Bugi" typeface="Leelawadee UI"/>
+        <a:font script="Bopo" typeface="Microsoft JhengHei"/>
+        <a:font script="Java" typeface="Javanese Text"/>
+        <a:font script="Lisu" typeface="Segoe UI"/>
+        <a:font script="Mymr" typeface="Myanmar Text"/>
+        <a:font script="Nkoo" typeface="Ebrima"/>
+        <a:font script="Olck" typeface="Nirmala UI"/>
+        <a:font script="Osma" typeface="Ebrima"/>
+        <a:font script="Phag" typeface="Phagspa"/>
+        <a:font script="Syrn" typeface="Estrangelo Edessa"/>
+        <a:font script="Syrj" typeface="Estrangelo Edessa"/>
+        <a:font script="Syre" typeface="Estrangelo Edessa"/>
+        <a:font script="Sora" typeface="Nirmala UI"/>
+        <a:font script="Tale" typeface="Microsoft Tai Le"/>
+        <a:font script="Talu" typeface="Microsoft New Tai Lue"/>
+        <a:font script="Tfng" typeface="Ebrima"/>
+      </a:majorFont>
+      <a:minorFont>
+        <a:latin typeface="Calibri" panose="020F0502020204030204"/>
+        <a:ea typeface=""/>
+        <a:cs typeface=""/>
+        <a:font script="Jpan" typeface="游ゴシック"/>
+        <a:font script="Hang" typeface="맑은 고딕"/>
+        <a:font script="Hans" typeface="等线"/>
+        <a:font script="Hant" typeface="新細明體"/>
+        <a:font script="Arab" typeface="Arial"/>
+        <a:font script="Hebr" typeface="Arial"/>
+        <a:font script="Thai" typeface="Cordia New"/>
+        <a:font script="Ethi" typeface="Nyala"/>
+        <a:font script="Beng" typeface="Vrinda"/>
+        <a:font script="Gujr" typeface="Shruti"/>
+        <a:font script="Khmr" typeface="DaunPenh"/>
+        <a:font script="Knda" typeface="Tunga"/>
+        <a:font script="Guru" typeface="Raavi"/>
+        <a:font script="Cans" typeface="Euphemia"/>
+        <a:font script="Cher" typeface="Plantagenet Cherokee"/>
+        <a:font script="Yiii" typeface="Microsoft Yi Baiti"/>
+        <a:font script="Tibt" typeface="Microsoft Himalaya"/>
+        <a:font script="Thaa" typeface="MV Boli"/>
+        <a:font script="Deva" typeface="Mangal"/>
+        <a:font script="Telu" typeface="Gautami"/>
+        <a:font script="Taml" typeface="Latha"/>
+        <a:font script="Syrc" typeface="Estrangelo Edessa"/>
+        <a:font script="Orya" typeface="Kalinga"/>
+        <a:font script="Mlym" typeface="Kartika"/>
+        <a:font script="Laoo" typeface="DokChampa"/>
+        <a:font script="Sinh" typeface="Iskoola Pota"/>
+        <a:font script="Mong" typeface="Mongolian Baiti"/>
+        <a:font script="Viet" typeface="Arial"/>
+        <a:font script="Uigh" typeface="Microsoft Uighur"/>
+        <a:font script="Geor" typeface="Sylfaen"/>
+        <a:font script="Armn" typeface="Arial"/>
+        <a:font script="Bugi" typeface="Leelawadee UI"/>
+        <a:font script="Bopo" typeface="Microsoft JhengHei"/>
+        <a:font script="Java" typeface="Javanese Text"/>
+        <a:font script="Lisu" typeface="Segoe UI"/>
+        <a:font script="Mymr" typeface="Myanmar Text"/>
+        <a:font script="Nkoo" typeface="Ebrima"/>
+        <a:font script="Olck" typeface="Nirmala UI"/>
+        <a:font script="Osma" typeface="Ebrima"/>
+        <a:font script="Phag" typeface="Phagspa"/>
+        <a:font script="Syrn" typeface="Estrangelo Edessa"/>
+        <a:font script="Syrj" typeface="Estrangelo Edessa"/>
+        <a:font script="Syre" typeface="Estrangelo Edessa"/>
+        <a:font script="Sora" typeface="Nirmala UI"/>
+        <a:font script="Tale" typeface="Microsoft Tai Le"/>
+        <a:font script="Talu" typeface="Microsoft New Tai Lue"/>
+        <a:font script="Tfng" typeface="Ebrima"/>
+      </a:minorFont>
+    </a:fontScheme>
+    <a:fmtScheme name="Office">
       <a:fillStyleLst>
         <a:solidFill>
           <a:schemeClr val="phClr"/>
